--- a/66 게임 팀.pptx
+++ b/66 게임 팀.pptx
@@ -7,13 +7,14 @@
   <p:sldIdLst>
     <p:sldId id="256" r:id="rId2"/>
     <p:sldId id="257" r:id="rId3"/>
-    <p:sldId id="258" r:id="rId4"/>
-    <p:sldId id="260" r:id="rId5"/>
-    <p:sldId id="259" r:id="rId6"/>
-    <p:sldId id="261" r:id="rId7"/>
-    <p:sldId id="262" r:id="rId8"/>
+    <p:sldId id="265" r:id="rId4"/>
+    <p:sldId id="258" r:id="rId5"/>
+    <p:sldId id="260" r:id="rId6"/>
+    <p:sldId id="259" r:id="rId7"/>
+    <p:sldId id="261" r:id="rId8"/>
     <p:sldId id="263" r:id="rId9"/>
     <p:sldId id="264" r:id="rId10"/>
+    <p:sldId id="266" r:id="rId11"/>
   </p:sldIdLst>
   <p:sldSz cx="12192000" cy="6858000"/>
   <p:notesSz cx="6858000" cy="9144000"/>
@@ -267,7 +268,7 @@
           <a:p>
             <a:fld id="{8B8F9AC9-C01D-47FB-B6FD-A8D82A6CE467}" type="datetimeFigureOut">
               <a:rPr lang="ko-KR" altLang="en-US" smtClean="0"/>
-              <a:t>2024-09-09</a:t>
+              <a:t>2024-09-12</a:t>
             </a:fld>
             <a:endParaRPr lang="ko-KR" altLang="en-US"/>
           </a:p>
@@ -465,7 +466,7 @@
           <a:p>
             <a:fld id="{8B8F9AC9-C01D-47FB-B6FD-A8D82A6CE467}" type="datetimeFigureOut">
               <a:rPr lang="ko-KR" altLang="en-US" smtClean="0"/>
-              <a:t>2024-09-09</a:t>
+              <a:t>2024-09-12</a:t>
             </a:fld>
             <a:endParaRPr lang="ko-KR" altLang="en-US"/>
           </a:p>
@@ -673,7 +674,7 @@
           <a:p>
             <a:fld id="{8B8F9AC9-C01D-47FB-B6FD-A8D82A6CE467}" type="datetimeFigureOut">
               <a:rPr lang="ko-KR" altLang="en-US" smtClean="0"/>
-              <a:t>2024-09-09</a:t>
+              <a:t>2024-09-12</a:t>
             </a:fld>
             <a:endParaRPr lang="ko-KR" altLang="en-US"/>
           </a:p>
@@ -871,7 +872,7 @@
           <a:p>
             <a:fld id="{8B8F9AC9-C01D-47FB-B6FD-A8D82A6CE467}" type="datetimeFigureOut">
               <a:rPr lang="ko-KR" altLang="en-US" smtClean="0"/>
-              <a:t>2024-09-09</a:t>
+              <a:t>2024-09-12</a:t>
             </a:fld>
             <a:endParaRPr lang="ko-KR" altLang="en-US"/>
           </a:p>
@@ -1146,7 +1147,7 @@
           <a:p>
             <a:fld id="{8B8F9AC9-C01D-47FB-B6FD-A8D82A6CE467}" type="datetimeFigureOut">
               <a:rPr lang="ko-KR" altLang="en-US" smtClean="0"/>
-              <a:t>2024-09-09</a:t>
+              <a:t>2024-09-12</a:t>
             </a:fld>
             <a:endParaRPr lang="ko-KR" altLang="en-US"/>
           </a:p>
@@ -1411,7 +1412,7 @@
           <a:p>
             <a:fld id="{8B8F9AC9-C01D-47FB-B6FD-A8D82A6CE467}" type="datetimeFigureOut">
               <a:rPr lang="ko-KR" altLang="en-US" smtClean="0"/>
-              <a:t>2024-09-09</a:t>
+              <a:t>2024-09-12</a:t>
             </a:fld>
             <a:endParaRPr lang="ko-KR" altLang="en-US"/>
           </a:p>
@@ -1823,7 +1824,7 @@
           <a:p>
             <a:fld id="{8B8F9AC9-C01D-47FB-B6FD-A8D82A6CE467}" type="datetimeFigureOut">
               <a:rPr lang="ko-KR" altLang="en-US" smtClean="0"/>
-              <a:t>2024-09-09</a:t>
+              <a:t>2024-09-12</a:t>
             </a:fld>
             <a:endParaRPr lang="ko-KR" altLang="en-US"/>
           </a:p>
@@ -1964,7 +1965,7 @@
           <a:p>
             <a:fld id="{8B8F9AC9-C01D-47FB-B6FD-A8D82A6CE467}" type="datetimeFigureOut">
               <a:rPr lang="ko-KR" altLang="en-US" smtClean="0"/>
-              <a:t>2024-09-09</a:t>
+              <a:t>2024-09-12</a:t>
             </a:fld>
             <a:endParaRPr lang="ko-KR" altLang="en-US"/>
           </a:p>
@@ -2077,7 +2078,7 @@
           <a:p>
             <a:fld id="{8B8F9AC9-C01D-47FB-B6FD-A8D82A6CE467}" type="datetimeFigureOut">
               <a:rPr lang="ko-KR" altLang="en-US" smtClean="0"/>
-              <a:t>2024-09-09</a:t>
+              <a:t>2024-09-12</a:t>
             </a:fld>
             <a:endParaRPr lang="ko-KR" altLang="en-US"/>
           </a:p>
@@ -2388,7 +2389,7 @@
           <a:p>
             <a:fld id="{8B8F9AC9-C01D-47FB-B6FD-A8D82A6CE467}" type="datetimeFigureOut">
               <a:rPr lang="ko-KR" altLang="en-US" smtClean="0"/>
-              <a:t>2024-09-09</a:t>
+              <a:t>2024-09-12</a:t>
             </a:fld>
             <a:endParaRPr lang="ko-KR" altLang="en-US"/>
           </a:p>
@@ -2676,7 +2677,7 @@
           <a:p>
             <a:fld id="{8B8F9AC9-C01D-47FB-B6FD-A8D82A6CE467}" type="datetimeFigureOut">
               <a:rPr lang="ko-KR" altLang="en-US" smtClean="0"/>
-              <a:t>2024-09-09</a:t>
+              <a:t>2024-09-12</a:t>
             </a:fld>
             <a:endParaRPr lang="ko-KR" altLang="en-US"/>
           </a:p>
@@ -2753,9 +2754,36 @@
 <p:sldMaster xmlns:a="http://schemas.openxmlformats.org/drawingml/2006/main" xmlns:r="http://schemas.openxmlformats.org/officeDocument/2006/relationships" xmlns:p="http://schemas.openxmlformats.org/presentationml/2006/main">
   <p:cSld>
     <p:bg>
-      <p:bgRef idx="1001">
-        <a:schemeClr val="bg1"/>
-      </p:bgRef>
+      <p:bgPr>
+        <a:gradFill flip="none" rotWithShape="1">
+          <a:gsLst>
+            <a:gs pos="0">
+              <a:schemeClr val="accent5">
+                <a:lumMod val="60000"/>
+                <a:lumOff val="40000"/>
+              </a:schemeClr>
+            </a:gs>
+            <a:gs pos="18000">
+              <a:schemeClr val="accent5">
+                <a:lumMod val="40000"/>
+                <a:lumOff val="60000"/>
+              </a:schemeClr>
+            </a:gs>
+            <a:gs pos="44000">
+              <a:schemeClr val="accent5">
+                <a:lumMod val="20000"/>
+                <a:lumOff val="80000"/>
+              </a:schemeClr>
+            </a:gs>
+            <a:gs pos="100000">
+              <a:schemeClr val="bg1"/>
+            </a:gs>
+          </a:gsLst>
+          <a:lin ang="5400000" scaled="1"/>
+          <a:tileRect/>
+        </a:gradFill>
+        <a:effectLst/>
+      </p:bgPr>
     </p:bg>
     <p:spTree>
       <p:nvGrpSpPr>
@@ -2917,7 +2945,7 @@
           <a:p>
             <a:fld id="{8B8F9AC9-C01D-47FB-B6FD-A8D82A6CE467}" type="datetimeFigureOut">
               <a:rPr lang="ko-KR" altLang="en-US" smtClean="0"/>
-              <a:t>2024-09-09</a:t>
+              <a:t>2024-09-12</a:t>
             </a:fld>
             <a:endParaRPr lang="ko-KR" altLang="en-US"/>
           </a:p>
@@ -3320,38 +3348,6 @@
 <file path=ppt/slides/slide1.xml><?xml version="1.0" encoding="utf-8"?>
 <p:sld xmlns:a="http://schemas.openxmlformats.org/drawingml/2006/main" xmlns:r="http://schemas.openxmlformats.org/officeDocument/2006/relationships" xmlns:p="http://schemas.openxmlformats.org/presentationml/2006/main">
   <p:cSld>
-    <p:bg>
-      <p:bgPr>
-        <a:gradFill flip="none" rotWithShape="1">
-          <a:gsLst>
-            <a:gs pos="8000">
-              <a:schemeClr val="tx1"/>
-            </a:gs>
-            <a:gs pos="46000">
-              <a:schemeClr val="tx2">
-                <a:lumMod val="75000"/>
-                <a:lumOff val="25000"/>
-              </a:schemeClr>
-            </a:gs>
-            <a:gs pos="74000">
-              <a:schemeClr val="accent1">
-                <a:lumMod val="40000"/>
-                <a:lumOff val="60000"/>
-              </a:schemeClr>
-            </a:gs>
-            <a:gs pos="100000">
-              <a:schemeClr val="accent1">
-                <a:lumMod val="20000"/>
-                <a:lumOff val="80000"/>
-              </a:schemeClr>
-            </a:gs>
-          </a:gsLst>
-          <a:lin ang="2700000" scaled="1"/>
-          <a:tileRect/>
-        </a:gradFill>
-        <a:effectLst/>
-      </p:bgPr>
-    </p:bg>
     <p:spTree>
       <p:nvGrpSpPr>
         <p:cNvPr id="1" name=""/>
@@ -3397,7 +3393,10 @@
             <a:r>
               <a:rPr lang="en-US" altLang="ko-KR" sz="4000" b="1" dirty="0">
                 <a:solidFill>
-                  <a:schemeClr val="bg1"/>
+                  <a:schemeClr val="tx1">
+                    <a:lumMod val="65000"/>
+                    <a:lumOff val="35000"/>
+                  </a:schemeClr>
                 </a:solidFill>
                 <a:latin typeface="돋움" panose="020B0600000101010101" pitchFamily="50" charset="-127"/>
                 <a:ea typeface="돋움" panose="020B0600000101010101" pitchFamily="50" charset="-127"/>
@@ -3407,7 +3406,10 @@
             <a:r>
               <a:rPr lang="ko-KR" altLang="en-US" sz="4000" b="1" dirty="0">
                 <a:solidFill>
-                  <a:schemeClr val="bg1"/>
+                  <a:schemeClr val="tx1">
+                    <a:lumMod val="65000"/>
+                    <a:lumOff val="35000"/>
+                  </a:schemeClr>
                 </a:solidFill>
                 <a:latin typeface="돋움" panose="020B0600000101010101" pitchFamily="50" charset="-127"/>
                 <a:ea typeface="돋움" panose="020B0600000101010101" pitchFamily="50" charset="-127"/>
@@ -3446,14 +3448,20 @@
             <a:r>
               <a:rPr lang="en-US" altLang="ko-KR" dirty="0">
                 <a:solidFill>
-                  <a:schemeClr val="bg1"/>
+                  <a:schemeClr val="tx1">
+                    <a:lumMod val="65000"/>
+                    <a:lumOff val="35000"/>
+                  </a:schemeClr>
                 </a:solidFill>
               </a:rPr>
               <a:t>2024-09-09</a:t>
             </a:r>
             <a:endParaRPr lang="ko-KR" altLang="en-US" dirty="0">
               <a:solidFill>
-                <a:schemeClr val="bg1"/>
+                <a:schemeClr val="tx1">
+                  <a:lumMod val="65000"/>
+                  <a:lumOff val="35000"/>
+                </a:schemeClr>
               </a:solidFill>
             </a:endParaRPr>
           </a:p>
@@ -3461,10 +3469,474 @@
       </p:sp>
       <p:sp>
         <p:nvSpPr>
-          <p:cNvPr id="4" name="타원 3">
-            <a:extLst>
-              <a:ext uri="{FF2B5EF4-FFF2-40B4-BE49-F238E27FC236}">
-                <a16:creationId xmlns:a16="http://schemas.microsoft.com/office/drawing/2014/main" id="{711E2D15-954E-EBD4-CF5B-04EEF3A16A82}"/>
+          <p:cNvPr id="5" name="TextBox 4">
+            <a:extLst>
+              <a:ext uri="{FF2B5EF4-FFF2-40B4-BE49-F238E27FC236}">
+                <a16:creationId xmlns:a16="http://schemas.microsoft.com/office/drawing/2014/main" id="{84125C62-DD5B-043C-AB9C-D79D304023D3}"/>
+              </a:ext>
+            </a:extLst>
+          </p:cNvPr>
+          <p:cNvSpPr txBox="1"/>
+          <p:nvPr/>
+        </p:nvSpPr>
+        <p:spPr>
+          <a:xfrm>
+            <a:off x="1911926" y="1327396"/>
+            <a:ext cx="8368145" cy="1323439"/>
+          </a:xfrm>
+          <a:prstGeom prst="rect">
+            <a:avLst/>
+          </a:prstGeom>
+          <a:noFill/>
+          <a:effectLst>
+            <a:outerShdw blurRad="50800" dist="38100" dir="2700000" algn="tl" rotWithShape="0">
+              <a:prstClr val="black">
+                <a:alpha val="40000"/>
+              </a:prstClr>
+            </a:outerShdw>
+          </a:effectLst>
+        </p:spPr>
+        <p:txBody>
+          <a:bodyPr wrap="square" rtlCol="0">
+            <a:spAutoFit/>
+          </a:bodyPr>
+          <a:lstStyle/>
+          <a:p>
+            <a:pPr algn="ctr"/>
+            <a:r>
+              <a:rPr lang="en-US" altLang="ko-KR" sz="8000" b="1" dirty="0">
+                <a:ln>
+                  <a:solidFill>
+                    <a:schemeClr val="tx1"/>
+                  </a:solidFill>
+                </a:ln>
+                <a:solidFill>
+                  <a:schemeClr val="bg1"/>
+                </a:solidFill>
+                <a:latin typeface="Tmon몬소리 Black" panose="02000A03000000000000" pitchFamily="2" charset="-127"/>
+                <a:ea typeface="Tmon몬소리 Black" panose="02000A03000000000000" pitchFamily="2" charset="-127"/>
+              </a:rPr>
+              <a:t>66 </a:t>
+            </a:r>
+            <a:r>
+              <a:rPr lang="ko-KR" altLang="en-US" sz="8000" b="1" dirty="0">
+                <a:ln>
+                  <a:solidFill>
+                    <a:schemeClr val="tx1"/>
+                  </a:solidFill>
+                </a:ln>
+                <a:solidFill>
+                  <a:schemeClr val="bg1"/>
+                </a:solidFill>
+                <a:latin typeface="Tmon몬소리 Black" panose="02000A03000000000000" pitchFamily="2" charset="-127"/>
+                <a:ea typeface="Tmon몬소리 Black" panose="02000A03000000000000" pitchFamily="2" charset="-127"/>
+              </a:rPr>
+              <a:t>게임즈</a:t>
+            </a:r>
+          </a:p>
+        </p:txBody>
+      </p:sp>
+    </p:spTree>
+    <p:extLst>
+      <p:ext uri="{BB962C8B-B14F-4D97-AF65-F5344CB8AC3E}">
+        <p14:creationId xmlns:p14="http://schemas.microsoft.com/office/powerpoint/2010/main" val="4247790172"/>
+      </p:ext>
+    </p:extLst>
+  </p:cSld>
+  <p:clrMapOvr>
+    <a:masterClrMapping/>
+  </p:clrMapOvr>
+  <p:timing>
+    <p:tnLst>
+      <p:par>
+        <p:cTn id="1" dur="indefinite" restart="never" nodeType="tmRoot">
+          <p:childTnLst>
+            <p:seq concurrent="1" nextAc="seek">
+              <p:cTn id="2" dur="indefinite" nodeType="mainSeq">
+                <p:childTnLst>
+                  <p:par>
+                    <p:cTn id="3" fill="hold">
+                      <p:stCondLst>
+                        <p:cond delay="indefinite"/>
+                      </p:stCondLst>
+                      <p:childTnLst>
+                        <p:par>
+                          <p:cTn id="4" fill="hold">
+                            <p:stCondLst>
+                              <p:cond delay="0"/>
+                            </p:stCondLst>
+                            <p:childTnLst>
+                              <p:par>
+                                <p:cTn id="5" presetID="26" presetClass="entr" presetSubtype="0" fill="hold" grpId="0" nodeType="clickEffect">
+                                  <p:stCondLst>
+                                    <p:cond delay="0"/>
+                                  </p:stCondLst>
+                                  <p:childTnLst>
+                                    <p:set>
+                                      <p:cBhvr>
+                                        <p:cTn id="6" dur="1" fill="hold">
+                                          <p:stCondLst>
+                                            <p:cond delay="0"/>
+                                          </p:stCondLst>
+                                        </p:cTn>
+                                        <p:tgtEl>
+                                          <p:spTgt spid="5"/>
+                                        </p:tgtEl>
+                                        <p:attrNameLst>
+                                          <p:attrName>style.visibility</p:attrName>
+                                        </p:attrNameLst>
+                                      </p:cBhvr>
+                                      <p:to>
+                                        <p:strVal val="visible"/>
+                                      </p:to>
+                                    </p:set>
+                                    <p:animEffect transition="in" filter="wipe(down)">
+                                      <p:cBhvr>
+                                        <p:cTn id="7" dur="580">
+                                          <p:stCondLst>
+                                            <p:cond delay="0"/>
+                                          </p:stCondLst>
+                                        </p:cTn>
+                                        <p:tgtEl>
+                                          <p:spTgt spid="5"/>
+                                        </p:tgtEl>
+                                      </p:cBhvr>
+                                    </p:animEffect>
+                                    <p:anim calcmode="lin" valueType="num">
+                                      <p:cBhvr>
+                                        <p:cTn id="8" dur="1822" tmFilter="0,0; 0.14,0.36; 0.43,0.73; 0.71,0.91; 1.0,1.0">
+                                          <p:stCondLst>
+                                            <p:cond delay="0"/>
+                                          </p:stCondLst>
+                                        </p:cTn>
+                                        <p:tgtEl>
+                                          <p:spTgt spid="5"/>
+                                        </p:tgtEl>
+                                        <p:attrNameLst>
+                                          <p:attrName>ppt_x</p:attrName>
+                                        </p:attrNameLst>
+                                      </p:cBhvr>
+                                      <p:tavLst>
+                                        <p:tav tm="0">
+                                          <p:val>
+                                            <p:strVal val="#ppt_x-0.25"/>
+                                          </p:val>
+                                        </p:tav>
+                                        <p:tav tm="100000">
+                                          <p:val>
+                                            <p:strVal val="#ppt_x"/>
+                                          </p:val>
+                                        </p:tav>
+                                      </p:tavLst>
+                                    </p:anim>
+                                    <p:anim calcmode="lin" valueType="num">
+                                      <p:cBhvr>
+                                        <p:cTn id="9" dur="664" tmFilter="0.0,0.0; 0.25,0.07; 0.50,0.2; 0.75,0.467; 1.0,1.0">
+                                          <p:stCondLst>
+                                            <p:cond delay="0"/>
+                                          </p:stCondLst>
+                                        </p:cTn>
+                                        <p:tgtEl>
+                                          <p:spTgt spid="5"/>
+                                        </p:tgtEl>
+                                        <p:attrNameLst>
+                                          <p:attrName>ppt_y</p:attrName>
+                                        </p:attrNameLst>
+                                      </p:cBhvr>
+                                      <p:tavLst>
+                                        <p:tav tm="0" fmla="#ppt_y-sin(pi*$)/3">
+                                          <p:val>
+                                            <p:fltVal val="0.5"/>
+                                          </p:val>
+                                        </p:tav>
+                                        <p:tav tm="100000">
+                                          <p:val>
+                                            <p:fltVal val="1"/>
+                                          </p:val>
+                                        </p:tav>
+                                      </p:tavLst>
+                                    </p:anim>
+                                    <p:anim calcmode="lin" valueType="num">
+                                      <p:cBhvr>
+                                        <p:cTn id="10" dur="664" tmFilter="0, 0; 0.125,0.2665; 0.25,0.4; 0.375,0.465; 0.5,0.5;  0.625,0.535; 0.75,0.6; 0.875,0.7335; 1,1">
+                                          <p:stCondLst>
+                                            <p:cond delay="664"/>
+                                          </p:stCondLst>
+                                        </p:cTn>
+                                        <p:tgtEl>
+                                          <p:spTgt spid="5"/>
+                                        </p:tgtEl>
+                                        <p:attrNameLst>
+                                          <p:attrName>ppt_y</p:attrName>
+                                        </p:attrNameLst>
+                                      </p:cBhvr>
+                                      <p:tavLst>
+                                        <p:tav tm="0" fmla="#ppt_y-sin(pi*$)/9">
+                                          <p:val>
+                                            <p:fltVal val="0"/>
+                                          </p:val>
+                                        </p:tav>
+                                        <p:tav tm="100000">
+                                          <p:val>
+                                            <p:fltVal val="1"/>
+                                          </p:val>
+                                        </p:tav>
+                                      </p:tavLst>
+                                    </p:anim>
+                                    <p:anim calcmode="lin" valueType="num">
+                                      <p:cBhvr>
+                                        <p:cTn id="11" dur="332" tmFilter="0, 0; 0.125,0.2665; 0.25,0.4; 0.375,0.465; 0.5,0.5;  0.625,0.535; 0.75,0.6; 0.875,0.7335; 1,1">
+                                          <p:stCondLst>
+                                            <p:cond delay="1324"/>
+                                          </p:stCondLst>
+                                        </p:cTn>
+                                        <p:tgtEl>
+                                          <p:spTgt spid="5"/>
+                                        </p:tgtEl>
+                                        <p:attrNameLst>
+                                          <p:attrName>ppt_y</p:attrName>
+                                        </p:attrNameLst>
+                                      </p:cBhvr>
+                                      <p:tavLst>
+                                        <p:tav tm="0" fmla="#ppt_y-sin(pi*$)/27">
+                                          <p:val>
+                                            <p:fltVal val="0"/>
+                                          </p:val>
+                                        </p:tav>
+                                        <p:tav tm="100000">
+                                          <p:val>
+                                            <p:fltVal val="1"/>
+                                          </p:val>
+                                        </p:tav>
+                                      </p:tavLst>
+                                    </p:anim>
+                                    <p:anim calcmode="lin" valueType="num">
+                                      <p:cBhvr>
+                                        <p:cTn id="12" dur="164" tmFilter="0, 0; 0.125,0.2665; 0.25,0.4; 0.375,0.465; 0.5,0.5;  0.625,0.535; 0.75,0.6; 0.875,0.7335; 1,1">
+                                          <p:stCondLst>
+                                            <p:cond delay="1656"/>
+                                          </p:stCondLst>
+                                        </p:cTn>
+                                        <p:tgtEl>
+                                          <p:spTgt spid="5"/>
+                                        </p:tgtEl>
+                                        <p:attrNameLst>
+                                          <p:attrName>ppt_y</p:attrName>
+                                        </p:attrNameLst>
+                                      </p:cBhvr>
+                                      <p:tavLst>
+                                        <p:tav tm="0" fmla="#ppt_y-sin(pi*$)/81">
+                                          <p:val>
+                                            <p:fltVal val="0"/>
+                                          </p:val>
+                                        </p:tav>
+                                        <p:tav tm="100000">
+                                          <p:val>
+                                            <p:fltVal val="1"/>
+                                          </p:val>
+                                        </p:tav>
+                                      </p:tavLst>
+                                    </p:anim>
+                                    <p:animScale>
+                                      <p:cBhvr>
+                                        <p:cTn id="13" dur="26">
+                                          <p:stCondLst>
+                                            <p:cond delay="650"/>
+                                          </p:stCondLst>
+                                        </p:cTn>
+                                        <p:tgtEl>
+                                          <p:spTgt spid="5"/>
+                                        </p:tgtEl>
+                                      </p:cBhvr>
+                                      <p:to x="100000" y="60000"/>
+                                    </p:animScale>
+                                    <p:animScale>
+                                      <p:cBhvr>
+                                        <p:cTn id="14" dur="166" decel="50000">
+                                          <p:stCondLst>
+                                            <p:cond delay="676"/>
+                                          </p:stCondLst>
+                                        </p:cTn>
+                                        <p:tgtEl>
+                                          <p:spTgt spid="5"/>
+                                        </p:tgtEl>
+                                      </p:cBhvr>
+                                      <p:to x="100000" y="100000"/>
+                                    </p:animScale>
+                                    <p:animScale>
+                                      <p:cBhvr>
+                                        <p:cTn id="15" dur="26">
+                                          <p:stCondLst>
+                                            <p:cond delay="1312"/>
+                                          </p:stCondLst>
+                                        </p:cTn>
+                                        <p:tgtEl>
+                                          <p:spTgt spid="5"/>
+                                        </p:tgtEl>
+                                      </p:cBhvr>
+                                      <p:to x="100000" y="80000"/>
+                                    </p:animScale>
+                                    <p:animScale>
+                                      <p:cBhvr>
+                                        <p:cTn id="16" dur="166" decel="50000">
+                                          <p:stCondLst>
+                                            <p:cond delay="1338"/>
+                                          </p:stCondLst>
+                                        </p:cTn>
+                                        <p:tgtEl>
+                                          <p:spTgt spid="5"/>
+                                        </p:tgtEl>
+                                      </p:cBhvr>
+                                      <p:to x="100000" y="100000"/>
+                                    </p:animScale>
+                                    <p:animScale>
+                                      <p:cBhvr>
+                                        <p:cTn id="17" dur="26">
+                                          <p:stCondLst>
+                                            <p:cond delay="1642"/>
+                                          </p:stCondLst>
+                                        </p:cTn>
+                                        <p:tgtEl>
+                                          <p:spTgt spid="5"/>
+                                        </p:tgtEl>
+                                      </p:cBhvr>
+                                      <p:to x="100000" y="90000"/>
+                                    </p:animScale>
+                                    <p:animScale>
+                                      <p:cBhvr>
+                                        <p:cTn id="18" dur="166" decel="50000">
+                                          <p:stCondLst>
+                                            <p:cond delay="1668"/>
+                                          </p:stCondLst>
+                                        </p:cTn>
+                                        <p:tgtEl>
+                                          <p:spTgt spid="5"/>
+                                        </p:tgtEl>
+                                      </p:cBhvr>
+                                      <p:to x="100000" y="100000"/>
+                                    </p:animScale>
+                                    <p:animScale>
+                                      <p:cBhvr>
+                                        <p:cTn id="19" dur="26">
+                                          <p:stCondLst>
+                                            <p:cond delay="1808"/>
+                                          </p:stCondLst>
+                                        </p:cTn>
+                                        <p:tgtEl>
+                                          <p:spTgt spid="5"/>
+                                        </p:tgtEl>
+                                      </p:cBhvr>
+                                      <p:to x="100000" y="95000"/>
+                                    </p:animScale>
+                                    <p:animScale>
+                                      <p:cBhvr>
+                                        <p:cTn id="20" dur="166" decel="50000">
+                                          <p:stCondLst>
+                                            <p:cond delay="1834"/>
+                                          </p:stCondLst>
+                                        </p:cTn>
+                                        <p:tgtEl>
+                                          <p:spTgt spid="5"/>
+                                        </p:tgtEl>
+                                      </p:cBhvr>
+                                      <p:to x="100000" y="100000"/>
+                                    </p:animScale>
+                                  </p:childTnLst>
+                                </p:cTn>
+                              </p:par>
+                            </p:childTnLst>
+                          </p:cTn>
+                        </p:par>
+                      </p:childTnLst>
+                    </p:cTn>
+                  </p:par>
+                </p:childTnLst>
+              </p:cTn>
+              <p:prevCondLst>
+                <p:cond evt="onPrev" delay="0">
+                  <p:tgtEl>
+                    <p:sldTgt/>
+                  </p:tgtEl>
+                </p:cond>
+              </p:prevCondLst>
+              <p:nextCondLst>
+                <p:cond evt="onNext" delay="0">
+                  <p:tgtEl>
+                    <p:sldTgt/>
+                  </p:tgtEl>
+                </p:cond>
+              </p:nextCondLst>
+            </p:seq>
+          </p:childTnLst>
+        </p:cTn>
+      </p:par>
+    </p:tnLst>
+    <p:bldLst>
+      <p:bldP spid="5" grpId="0"/>
+    </p:bldLst>
+  </p:timing>
+</p:sld>
+</file>
+
+<file path=ppt/slides/slide10.xml><?xml version="1.0" encoding="utf-8"?>
+<p:sld xmlns:a="http://schemas.openxmlformats.org/drawingml/2006/main" xmlns:r="http://schemas.openxmlformats.org/officeDocument/2006/relationships" xmlns:p="http://schemas.openxmlformats.org/presentationml/2006/main">
+  <p:cSld>
+    <p:spTree>
+      <p:nvGrpSpPr>
+        <p:cNvPr id="1" name=""/>
+        <p:cNvGrpSpPr/>
+        <p:nvPr/>
+      </p:nvGrpSpPr>
+      <p:grpSpPr>
+        <a:xfrm>
+          <a:off x="0" y="0"/>
+          <a:ext cx="0" cy="0"/>
+          <a:chOff x="0" y="0"/>
+          <a:chExt cx="0" cy="0"/>
+        </a:xfrm>
+      </p:grpSpPr>
+      <p:pic>
+        <p:nvPicPr>
+          <p:cNvPr id="3" name="그림 2" descr="텍스트, 스크린샷, 항공기, 디자인이(가) 표시된 사진&#10;&#10;자동 생성된 설명">
+            <a:extLst>
+              <a:ext uri="{FF2B5EF4-FFF2-40B4-BE49-F238E27FC236}">
+                <a16:creationId xmlns:a16="http://schemas.microsoft.com/office/drawing/2014/main" id="{2C6965E5-2668-142D-BE47-55DD9D394B08}"/>
+              </a:ext>
+            </a:extLst>
+          </p:cNvPr>
+          <p:cNvPicPr>
+            <a:picLocks noChangeAspect="1"/>
+          </p:cNvPicPr>
+          <p:nvPr/>
+        </p:nvPicPr>
+        <p:blipFill>
+          <a:blip r:embed="rId2">
+            <a:extLst>
+              <a:ext uri="{28A0092B-C50C-407E-A947-70E740481C1C}">
+                <a14:useLocalDpi xmlns:a14="http://schemas.microsoft.com/office/drawing/2010/main" val="0"/>
+              </a:ext>
+            </a:extLst>
+          </a:blip>
+          <a:stretch>
+            <a:fillRect/>
+          </a:stretch>
+        </p:blipFill>
+        <p:spPr>
+          <a:xfrm>
+            <a:off x="4066239" y="0"/>
+            <a:ext cx="4059521" cy="6858000"/>
+          </a:xfrm>
+          <a:prstGeom prst="rect">
+            <a:avLst/>
+          </a:prstGeom>
+        </p:spPr>
+      </p:pic>
+      <p:sp>
+        <p:nvSpPr>
+          <p:cNvPr id="16" name="직사각형 15">
+            <a:extLst>
+              <a:ext uri="{FF2B5EF4-FFF2-40B4-BE49-F238E27FC236}">
+                <a16:creationId xmlns:a16="http://schemas.microsoft.com/office/drawing/2014/main" id="{B9782413-3D07-5520-65C0-363F09F22CE9}"/>
               </a:ext>
             </a:extLst>
           </p:cNvPr>
@@ -3473,34 +3945,18 @@
         </p:nvSpPr>
         <p:spPr>
           <a:xfrm>
-            <a:off x="4465781" y="884381"/>
-            <a:ext cx="3260437" cy="3260437"/>
-          </a:xfrm>
-          <a:prstGeom prst="ellipse">
+            <a:off x="4058293" y="969818"/>
+            <a:ext cx="4075416" cy="2278111"/>
+          </a:xfrm>
+          <a:prstGeom prst="rect">
             <a:avLst/>
           </a:prstGeom>
-          <a:gradFill flip="none" rotWithShape="1">
-            <a:gsLst>
-              <a:gs pos="93000">
-                <a:schemeClr val="tx1"/>
-              </a:gs>
-              <a:gs pos="25000">
-                <a:schemeClr val="bg1"/>
-              </a:gs>
-              <a:gs pos="62000">
-                <a:schemeClr val="tx1">
-                  <a:lumMod val="75000"/>
-                  <a:lumOff val="25000"/>
-                </a:schemeClr>
-              </a:gs>
-            </a:gsLst>
-            <a:path path="circle">
-              <a:fillToRect l="100000" t="100000"/>
-            </a:path>
-            <a:tileRect r="-100000" b="-100000"/>
-          </a:gradFill>
+          <a:noFill/>
           <a:ln>
-            <a:noFill/>
+            <a:solidFill>
+              <a:schemeClr val="tx1"/>
+            </a:solidFill>
+            <a:prstDash val="dash"/>
           </a:ln>
         </p:spPr>
         <p:style>
@@ -3524,14 +3980,316 @@
           <a:lstStyle/>
           <a:p>
             <a:pPr algn="ctr"/>
-            <a:endParaRPr lang="ko-KR" altLang="en-US" dirty="0"/>
+            <a:endParaRPr lang="ko-KR" altLang="en-US"/>
+          </a:p>
+        </p:txBody>
+      </p:sp>
+      <p:cxnSp>
+        <p:nvCxnSpPr>
+          <p:cNvPr id="41" name="직선 화살표 연결선 40">
+            <a:extLst>
+              <a:ext uri="{FF2B5EF4-FFF2-40B4-BE49-F238E27FC236}">
+                <a16:creationId xmlns:a16="http://schemas.microsoft.com/office/drawing/2014/main" id="{47188FBF-518D-595C-52D6-45555D413DE4}"/>
+              </a:ext>
+            </a:extLst>
+          </p:cNvPr>
+          <p:cNvCxnSpPr>
+            <a:cxnSpLocks/>
+            <a:stCxn id="42" idx="3"/>
+            <a:endCxn id="43" idx="1"/>
+          </p:cNvCxnSpPr>
+          <p:nvPr/>
+        </p:nvCxnSpPr>
+        <p:spPr>
+          <a:xfrm>
+            <a:off x="3752671" y="3394363"/>
+            <a:ext cx="305621" cy="1"/>
+          </a:xfrm>
+          <a:prstGeom prst="straightConnector1">
+            <a:avLst/>
+          </a:prstGeom>
+          <a:ln>
+            <a:tailEnd type="triangle"/>
+          </a:ln>
+        </p:spPr>
+        <p:style>
+          <a:lnRef idx="2">
+            <a:schemeClr val="dk1"/>
+          </a:lnRef>
+          <a:fillRef idx="0">
+            <a:schemeClr val="dk1"/>
+          </a:fillRef>
+          <a:effectRef idx="1">
+            <a:schemeClr val="dk1"/>
+          </a:effectRef>
+          <a:fontRef idx="minor">
+            <a:schemeClr val="tx1"/>
+          </a:fontRef>
+        </p:style>
+      </p:cxnSp>
+      <p:sp>
+        <p:nvSpPr>
+          <p:cNvPr id="42" name="직사각형 41">
+            <a:extLst>
+              <a:ext uri="{FF2B5EF4-FFF2-40B4-BE49-F238E27FC236}">
+                <a16:creationId xmlns:a16="http://schemas.microsoft.com/office/drawing/2014/main" id="{C058FDFA-68CB-346D-5A13-D5EF9B9D2F43}"/>
+              </a:ext>
+            </a:extLst>
+          </p:cNvPr>
+          <p:cNvSpPr/>
+          <p:nvPr/>
+        </p:nvSpPr>
+        <p:spPr>
+          <a:xfrm>
+            <a:off x="0" y="2771410"/>
+            <a:ext cx="3752671" cy="1245905"/>
+          </a:xfrm>
+          <a:prstGeom prst="rect">
+            <a:avLst/>
+          </a:prstGeom>
+          <a:solidFill>
+            <a:schemeClr val="bg1"/>
+          </a:solidFill>
+          <a:ln>
+            <a:solidFill>
+              <a:schemeClr val="tx1"/>
+            </a:solidFill>
+          </a:ln>
+        </p:spPr>
+        <p:style>
+          <a:lnRef idx="2">
+            <a:schemeClr val="accent1">
+              <a:shade val="15000"/>
+            </a:schemeClr>
+          </a:lnRef>
+          <a:fillRef idx="1">
+            <a:schemeClr val="accent1"/>
+          </a:fillRef>
+          <a:effectRef idx="0">
+            <a:schemeClr val="accent1"/>
+          </a:effectRef>
+          <a:fontRef idx="minor">
+            <a:schemeClr val="lt1"/>
+          </a:fontRef>
+        </p:style>
+        <p:txBody>
+          <a:bodyPr rtlCol="0" anchor="ctr"/>
+          <a:lstStyle/>
+          <a:p>
+            <a:pPr algn="ctr"/>
+            <a:r>
+              <a:rPr lang="ko-KR" altLang="en-US" dirty="0">
+                <a:solidFill>
+                  <a:schemeClr val="tx1"/>
+                </a:solidFill>
+              </a:rPr>
+              <a:t>마지막 레벨의 스테이지 클리어</a:t>
+            </a:r>
+            <a:endParaRPr lang="en-US" altLang="ko-KR" dirty="0">
+              <a:solidFill>
+                <a:schemeClr val="tx1"/>
+              </a:solidFill>
+            </a:endParaRPr>
+          </a:p>
+          <a:p>
+            <a:pPr algn="ctr"/>
+            <a:r>
+              <a:rPr lang="ko-KR" altLang="en-US" dirty="0">
+                <a:solidFill>
+                  <a:schemeClr val="tx1"/>
+                </a:solidFill>
+              </a:rPr>
+              <a:t>이후에는</a:t>
+            </a:r>
+            <a:endParaRPr lang="en-US" altLang="ko-KR" dirty="0">
+              <a:solidFill>
+                <a:schemeClr val="tx1"/>
+              </a:solidFill>
+            </a:endParaRPr>
+          </a:p>
+          <a:p>
+            <a:pPr algn="ctr"/>
+            <a:r>
+              <a:rPr lang="ko-KR" altLang="en-US" dirty="0">
+                <a:solidFill>
+                  <a:schemeClr val="tx1"/>
+                </a:solidFill>
+              </a:rPr>
+              <a:t>갤러리의 모든 요소가 해금됨</a:t>
+            </a:r>
+            <a:endParaRPr lang="en-US" altLang="ko-KR" dirty="0">
+              <a:solidFill>
+                <a:schemeClr val="tx1"/>
+              </a:solidFill>
+            </a:endParaRPr>
+          </a:p>
+        </p:txBody>
+      </p:sp>
+      <p:sp>
+        <p:nvSpPr>
+          <p:cNvPr id="43" name="직사각형 42">
+            <a:extLst>
+              <a:ext uri="{FF2B5EF4-FFF2-40B4-BE49-F238E27FC236}">
+                <a16:creationId xmlns:a16="http://schemas.microsoft.com/office/drawing/2014/main" id="{0D9B1EE1-CB64-A4B4-364E-96B8ED328DCB}"/>
+              </a:ext>
+            </a:extLst>
+          </p:cNvPr>
+          <p:cNvSpPr/>
+          <p:nvPr/>
+        </p:nvSpPr>
+        <p:spPr>
+          <a:xfrm>
+            <a:off x="4058292" y="0"/>
+            <a:ext cx="4075416" cy="6788727"/>
+          </a:xfrm>
+          <a:prstGeom prst="rect">
+            <a:avLst/>
+          </a:prstGeom>
+          <a:noFill/>
+          <a:ln>
+            <a:solidFill>
+              <a:schemeClr val="tx1"/>
+            </a:solidFill>
+            <a:prstDash val="dash"/>
+          </a:ln>
+        </p:spPr>
+        <p:style>
+          <a:lnRef idx="2">
+            <a:schemeClr val="accent1">
+              <a:shade val="15000"/>
+            </a:schemeClr>
+          </a:lnRef>
+          <a:fillRef idx="1">
+            <a:schemeClr val="accent1"/>
+          </a:fillRef>
+          <a:effectRef idx="0">
+            <a:schemeClr val="accent1"/>
+          </a:effectRef>
+          <a:fontRef idx="minor">
+            <a:schemeClr val="lt1"/>
+          </a:fontRef>
+        </p:style>
+        <p:txBody>
+          <a:bodyPr rtlCol="0" anchor="ctr"/>
+          <a:lstStyle/>
+          <a:p>
+            <a:pPr algn="ctr"/>
+            <a:endParaRPr lang="ko-KR" altLang="en-US"/>
+          </a:p>
+        </p:txBody>
+      </p:sp>
+      <p:cxnSp>
+        <p:nvCxnSpPr>
+          <p:cNvPr id="6" name="직선 화살표 연결선 5">
+            <a:extLst>
+              <a:ext uri="{FF2B5EF4-FFF2-40B4-BE49-F238E27FC236}">
+                <a16:creationId xmlns:a16="http://schemas.microsoft.com/office/drawing/2014/main" id="{30E78E17-7E9B-D4BE-BA65-D6A81838ACAE}"/>
+              </a:ext>
+            </a:extLst>
+          </p:cNvPr>
+          <p:cNvCxnSpPr>
+            <a:cxnSpLocks/>
+            <a:stCxn id="7" idx="1"/>
+          </p:cNvCxnSpPr>
+          <p:nvPr/>
+        </p:nvCxnSpPr>
+        <p:spPr>
+          <a:xfrm flipH="1">
+            <a:off x="8125760" y="2187384"/>
+            <a:ext cx="122841" cy="0"/>
+          </a:xfrm>
+          <a:prstGeom prst="straightConnector1">
+            <a:avLst/>
+          </a:prstGeom>
+          <a:ln>
+            <a:tailEnd type="triangle"/>
+          </a:ln>
+        </p:spPr>
+        <p:style>
+          <a:lnRef idx="2">
+            <a:schemeClr val="dk1"/>
+          </a:lnRef>
+          <a:fillRef idx="0">
+            <a:schemeClr val="dk1"/>
+          </a:fillRef>
+          <a:effectRef idx="1">
+            <a:schemeClr val="dk1"/>
+          </a:effectRef>
+          <a:fontRef idx="minor">
+            <a:schemeClr val="tx1"/>
+          </a:fontRef>
+        </p:style>
+      </p:cxnSp>
+      <p:sp>
+        <p:nvSpPr>
+          <p:cNvPr id="7" name="직사각형 6">
+            <a:extLst>
+              <a:ext uri="{FF2B5EF4-FFF2-40B4-BE49-F238E27FC236}">
+                <a16:creationId xmlns:a16="http://schemas.microsoft.com/office/drawing/2014/main" id="{1DABFD51-3E90-7E19-5701-DCD2132CA8A4}"/>
+              </a:ext>
+            </a:extLst>
+          </p:cNvPr>
+          <p:cNvSpPr/>
+          <p:nvPr/>
+        </p:nvSpPr>
+        <p:spPr>
+          <a:xfrm>
+            <a:off x="8248601" y="1865747"/>
+            <a:ext cx="3943399" cy="643274"/>
+          </a:xfrm>
+          <a:prstGeom prst="rect">
+            <a:avLst/>
+          </a:prstGeom>
+          <a:solidFill>
+            <a:schemeClr val="bg1"/>
+          </a:solidFill>
+          <a:ln>
+            <a:solidFill>
+              <a:schemeClr val="tx1"/>
+            </a:solidFill>
+          </a:ln>
+        </p:spPr>
+        <p:style>
+          <a:lnRef idx="2">
+            <a:schemeClr val="accent1">
+              <a:shade val="15000"/>
+            </a:schemeClr>
+          </a:lnRef>
+          <a:fillRef idx="1">
+            <a:schemeClr val="accent1"/>
+          </a:fillRef>
+          <a:effectRef idx="0">
+            <a:schemeClr val="accent1"/>
+          </a:effectRef>
+          <a:fontRef idx="minor">
+            <a:schemeClr val="lt1"/>
+          </a:fontRef>
+        </p:style>
+        <p:txBody>
+          <a:bodyPr rtlCol="0" anchor="ctr"/>
+          <a:lstStyle/>
+          <a:p>
+            <a:pPr algn="ctr"/>
+            <a:r>
+              <a:rPr lang="ko-KR" altLang="en-US">
+                <a:solidFill>
+                  <a:schemeClr val="tx1"/>
+                </a:solidFill>
+              </a:rPr>
+              <a:t>이미지 갤러리는 자동으로 스크롤 됨</a:t>
+            </a:r>
+            <a:endParaRPr lang="en-US" altLang="ko-KR" dirty="0">
+              <a:solidFill>
+                <a:schemeClr val="tx1"/>
+              </a:solidFill>
+            </a:endParaRPr>
           </a:p>
         </p:txBody>
       </p:sp>
     </p:spTree>
     <p:extLst>
       <p:ext uri="{BB962C8B-B14F-4D97-AF65-F5344CB8AC3E}">
-        <p14:creationId xmlns:p14="http://schemas.microsoft.com/office/powerpoint/2010/main" val="4247790172"/>
+        <p14:creationId xmlns:p14="http://schemas.microsoft.com/office/powerpoint/2010/main" val="995159298"/>
       </p:ext>
     </p:extLst>
   </p:cSld>
@@ -3544,38 +4302,6 @@
 <file path=ppt/slides/slide2.xml><?xml version="1.0" encoding="utf-8"?>
 <p:sld xmlns:a="http://schemas.openxmlformats.org/drawingml/2006/main" xmlns:r="http://schemas.openxmlformats.org/officeDocument/2006/relationships" xmlns:p="http://schemas.openxmlformats.org/presentationml/2006/main">
   <p:cSld>
-    <p:bg>
-      <p:bgPr>
-        <a:gradFill flip="none" rotWithShape="1">
-          <a:gsLst>
-            <a:gs pos="0">
-              <a:schemeClr val="tx1"/>
-            </a:gs>
-            <a:gs pos="18000">
-              <a:schemeClr val="tx2">
-                <a:lumMod val="75000"/>
-                <a:lumOff val="25000"/>
-              </a:schemeClr>
-            </a:gs>
-            <a:gs pos="44000">
-              <a:schemeClr val="accent1">
-                <a:lumMod val="40000"/>
-                <a:lumOff val="60000"/>
-              </a:schemeClr>
-            </a:gs>
-            <a:gs pos="100000">
-              <a:schemeClr val="accent1">
-                <a:lumMod val="20000"/>
-                <a:lumOff val="80000"/>
-              </a:schemeClr>
-            </a:gs>
-          </a:gsLst>
-          <a:lin ang="5400000" scaled="1"/>
-          <a:tileRect/>
-        </a:gradFill>
-        <a:effectLst/>
-      </p:bgPr>
-    </p:bg>
     <p:spTree>
       <p:nvGrpSpPr>
         <p:cNvPr id="1" name=""/>
@@ -3592,10 +4318,10 @@
       </p:grpSpPr>
       <p:pic>
         <p:nvPicPr>
-          <p:cNvPr id="9" name="그림 8" descr="텍스트, 스크린샷, 로고, 그래픽 디자인이(가) 표시된 사진&#10;&#10;자동 생성된 설명">
-            <a:extLst>
-              <a:ext uri="{FF2B5EF4-FFF2-40B4-BE49-F238E27FC236}">
-                <a16:creationId xmlns:a16="http://schemas.microsoft.com/office/drawing/2014/main" id="{258280FF-651B-CBAC-C38B-5F20339460AD}"/>
+          <p:cNvPr id="3" name="그림 2" descr="텍스트, 스크린샷, 그래픽 디자인, 포유류이(가) 표시된 사진&#10;&#10;자동 생성된 설명">
+            <a:extLst>
+              <a:ext uri="{FF2B5EF4-FFF2-40B4-BE49-F238E27FC236}">
+                <a16:creationId xmlns:a16="http://schemas.microsoft.com/office/drawing/2014/main" id="{B1C40BD4-CC94-7EEC-AD06-80EF66EA505E}"/>
               </a:ext>
             </a:extLst>
           </p:cNvPr>
@@ -3618,8 +4344,8 @@
         </p:blipFill>
         <p:spPr>
           <a:xfrm>
-            <a:off x="3952875" y="0"/>
-            <a:ext cx="4286250" cy="6858000"/>
+            <a:off x="4066239" y="0"/>
+            <a:ext cx="4059521" cy="6858000"/>
           </a:xfrm>
           <a:prstGeom prst="rect">
             <a:avLst/>
@@ -3657,7 +4383,10 @@
             <a:r>
               <a:rPr lang="en-US" altLang="ko-KR" sz="2800" b="1" dirty="0">
                 <a:solidFill>
-                  <a:schemeClr val="bg1"/>
+                  <a:schemeClr val="tx1">
+                    <a:lumMod val="65000"/>
+                    <a:lumOff val="35000"/>
+                  </a:schemeClr>
                 </a:solidFill>
                 <a:latin typeface="Malgun Gothic Semilight" panose="020B0502040204020203" pitchFamily="50" charset="-127"/>
                 <a:ea typeface="Malgun Gothic Semilight" panose="020B0502040204020203" pitchFamily="50" charset="-127"/>
@@ -3668,7 +4397,10 @@
             <a:r>
               <a:rPr lang="ko-KR" altLang="en-US" sz="2800" b="1" dirty="0" err="1">
                 <a:solidFill>
-                  <a:schemeClr val="bg1"/>
+                  <a:schemeClr val="tx1">
+                    <a:lumMod val="85000"/>
+                    <a:lumOff val="15000"/>
+                  </a:schemeClr>
                 </a:solidFill>
                 <a:latin typeface="Malgun Gothic Semilight" panose="020B0502040204020203" pitchFamily="50" charset="-127"/>
                 <a:ea typeface="Malgun Gothic Semilight" panose="020B0502040204020203" pitchFamily="50" charset="-127"/>
@@ -3678,7 +4410,10 @@
             </a:r>
             <a:endParaRPr lang="ko-KR" altLang="en-US" sz="2800" b="1" dirty="0">
               <a:solidFill>
-                <a:schemeClr val="bg1"/>
+                <a:schemeClr val="tx1">
+                  <a:lumMod val="85000"/>
+                  <a:lumOff val="15000"/>
+                </a:schemeClr>
               </a:solidFill>
               <a:latin typeface="Malgun Gothic Semilight" panose="020B0502040204020203" pitchFamily="50" charset="-127"/>
               <a:ea typeface="Malgun Gothic Semilight" panose="020B0502040204020203" pitchFamily="50" charset="-127"/>
@@ -3701,8 +4436,8 @@
         </p:nvSpPr>
         <p:spPr>
           <a:xfrm>
-            <a:off x="4996873" y="1634836"/>
-            <a:ext cx="2207491" cy="600364"/>
+            <a:off x="5135418" y="1663373"/>
+            <a:ext cx="2068946" cy="1684807"/>
           </a:xfrm>
           <a:prstGeom prst="rect">
             <a:avLst/>
@@ -3759,7 +4494,7 @@
         <p:spPr>
           <a:xfrm>
             <a:off x="2918114" y="1935018"/>
-            <a:ext cx="2078759" cy="0"/>
+            <a:ext cx="2217304" cy="570759"/>
           </a:xfrm>
           <a:prstGeom prst="straightConnector1">
             <a:avLst/>
@@ -3858,8 +4593,8 @@
         </p:nvSpPr>
         <p:spPr>
           <a:xfrm>
-            <a:off x="5329382" y="4752109"/>
-            <a:ext cx="1560945" cy="600364"/>
+            <a:off x="5209309" y="4765964"/>
+            <a:ext cx="1995055" cy="674253"/>
           </a:xfrm>
           <a:prstGeom prst="rect">
             <a:avLst/>
@@ -3915,8 +4650,8 @@
         </p:nvCxnSpPr>
         <p:spPr>
           <a:xfrm flipV="1">
-            <a:off x="3361603" y="5052291"/>
-            <a:ext cx="1967779" cy="795985"/>
+            <a:off x="3361603" y="5103091"/>
+            <a:ext cx="1847706" cy="745185"/>
           </a:xfrm>
           <a:prstGeom prst="straightConnector1">
             <a:avLst/>
@@ -4035,10 +4770,10 @@
       </p:sp>
       <p:sp>
         <p:nvSpPr>
-          <p:cNvPr id="32" name="직사각형 31">
-            <a:extLst>
-              <a:ext uri="{FF2B5EF4-FFF2-40B4-BE49-F238E27FC236}">
-                <a16:creationId xmlns:a16="http://schemas.microsoft.com/office/drawing/2014/main" id="{4384A3C4-EA8C-854B-A219-CA834542278C}"/>
+          <p:cNvPr id="16" name="직사각형 15">
+            <a:extLst>
+              <a:ext uri="{FF2B5EF4-FFF2-40B4-BE49-F238E27FC236}">
+                <a16:creationId xmlns:a16="http://schemas.microsoft.com/office/drawing/2014/main" id="{09611DAC-AE41-75F5-DAD0-06C83D9DB91E}"/>
               </a:ext>
             </a:extLst>
           </p:cNvPr>
@@ -4047,8 +4782,8 @@
         </p:nvSpPr>
         <p:spPr>
           <a:xfrm>
-            <a:off x="5689600" y="3011055"/>
-            <a:ext cx="868220" cy="1124645"/>
+            <a:off x="5209309" y="4020778"/>
+            <a:ext cx="1995055" cy="674253"/>
           </a:xfrm>
           <a:prstGeom prst="rect">
             <a:avLst/>
@@ -4088,24 +4823,24 @@
       </p:sp>
       <p:cxnSp>
         <p:nvCxnSpPr>
-          <p:cNvPr id="33" name="직선 화살표 연결선 32">
-            <a:extLst>
-              <a:ext uri="{FF2B5EF4-FFF2-40B4-BE49-F238E27FC236}">
-                <a16:creationId xmlns:a16="http://schemas.microsoft.com/office/drawing/2014/main" id="{E9A80A9B-5F5C-775A-8461-50B5682FD923}"/>
+          <p:cNvPr id="17" name="직선 화살표 연결선 16">
+            <a:extLst>
+              <a:ext uri="{FF2B5EF4-FFF2-40B4-BE49-F238E27FC236}">
+                <a16:creationId xmlns:a16="http://schemas.microsoft.com/office/drawing/2014/main" id="{E704B6DC-6211-713E-E819-6F27B1AE41BD}"/>
               </a:ext>
             </a:extLst>
           </p:cNvPr>
           <p:cNvCxnSpPr>
             <a:cxnSpLocks/>
-            <a:stCxn id="34" idx="1"/>
-            <a:endCxn id="32" idx="3"/>
+            <a:stCxn id="18" idx="3"/>
+            <a:endCxn id="16" idx="1"/>
           </p:cNvCxnSpPr>
           <p:nvPr/>
         </p:nvCxnSpPr>
         <p:spPr>
-          <a:xfrm flipH="1">
-            <a:off x="6557820" y="3573377"/>
-            <a:ext cx="2613889" cy="1"/>
+          <a:xfrm>
+            <a:off x="3370262" y="4119713"/>
+            <a:ext cx="1839047" cy="238192"/>
           </a:xfrm>
           <a:prstGeom prst="straightConnector1">
             <a:avLst/>
@@ -4131,10 +4866,10 @@
       </p:cxnSp>
       <p:sp>
         <p:nvSpPr>
-          <p:cNvPr id="34" name="직사각형 33">
-            <a:extLst>
-              <a:ext uri="{FF2B5EF4-FFF2-40B4-BE49-F238E27FC236}">
-                <a16:creationId xmlns:a16="http://schemas.microsoft.com/office/drawing/2014/main" id="{9EAA162A-7BFB-B2BD-E690-82C7B65D0636}"/>
+          <p:cNvPr id="18" name="직사각형 17">
+            <a:extLst>
+              <a:ext uri="{FF2B5EF4-FFF2-40B4-BE49-F238E27FC236}">
+                <a16:creationId xmlns:a16="http://schemas.microsoft.com/office/drawing/2014/main" id="{EDC41369-7B15-798A-8F0E-4FC50935FE8E}"/>
               </a:ext>
             </a:extLst>
           </p:cNvPr>
@@ -4143,8 +4878,8 @@
         </p:nvSpPr>
         <p:spPr>
           <a:xfrm>
-            <a:off x="9171709" y="2771988"/>
-            <a:ext cx="2918114" cy="1602777"/>
+            <a:off x="349971" y="3521243"/>
+            <a:ext cx="3020291" cy="1196939"/>
           </a:xfrm>
           <a:prstGeom prst="rect">
             <a:avLst/>
@@ -4185,7 +4920,7 @@
                   <a:schemeClr val="tx1"/>
                 </a:solidFill>
               </a:rPr>
-              <a:t>게임 타이틀 이미지</a:t>
+              <a:t>게임 설명 버튼</a:t>
             </a:r>
             <a:endParaRPr lang="en-US" altLang="ko-KR" dirty="0">
               <a:solidFill>
@@ -4201,7 +4936,7 @@
                   <a:srgbClr val="00B050"/>
                 </a:solidFill>
               </a:rPr>
-              <a:t>게임 내 카드 이미지 들이</a:t>
+              <a:t>터치 시 게임에 대한</a:t>
             </a:r>
             <a:endParaRPr lang="en-US" altLang="ko-KR" dirty="0">
               <a:solidFill>
@@ -4217,7 +4952,7 @@
                   <a:srgbClr val="00B050"/>
                 </a:solidFill>
               </a:rPr>
-              <a:t>번갈아 가며 출력됨</a:t>
+              <a:t>설명이 적힌 팝업을 출력함</a:t>
             </a:r>
           </a:p>
         </p:txBody>
@@ -4238,38 +4973,6 @@
 <file path=ppt/slides/slide3.xml><?xml version="1.0" encoding="utf-8"?>
 <p:sld xmlns:a="http://schemas.openxmlformats.org/drawingml/2006/main" xmlns:r="http://schemas.openxmlformats.org/officeDocument/2006/relationships" xmlns:p="http://schemas.openxmlformats.org/presentationml/2006/main">
   <p:cSld>
-    <p:bg>
-      <p:bgPr>
-        <a:gradFill flip="none" rotWithShape="1">
-          <a:gsLst>
-            <a:gs pos="0">
-              <a:schemeClr val="tx1"/>
-            </a:gs>
-            <a:gs pos="18000">
-              <a:schemeClr val="tx2">
-                <a:lumMod val="75000"/>
-                <a:lumOff val="25000"/>
-              </a:schemeClr>
-            </a:gs>
-            <a:gs pos="44000">
-              <a:schemeClr val="accent1">
-                <a:lumMod val="40000"/>
-                <a:lumOff val="60000"/>
-              </a:schemeClr>
-            </a:gs>
-            <a:gs pos="100000">
-              <a:schemeClr val="accent1">
-                <a:lumMod val="20000"/>
-                <a:lumOff val="80000"/>
-              </a:schemeClr>
-            </a:gs>
-          </a:gsLst>
-          <a:lin ang="5400000" scaled="1"/>
-          <a:tileRect/>
-        </a:gradFill>
-        <a:effectLst/>
-      </p:bgPr>
-    </p:bg>
     <p:spTree>
       <p:nvGrpSpPr>
         <p:cNvPr id="1" name=""/>
@@ -4286,10 +4989,10 @@
       </p:grpSpPr>
       <p:pic>
         <p:nvPicPr>
-          <p:cNvPr id="32" name="그림 31" descr="텍스트, 스크린샷, 로고, 그래픽 디자인이(가) 표시된 사진&#10;&#10;자동 생성된 설명">
-            <a:extLst>
-              <a:ext uri="{FF2B5EF4-FFF2-40B4-BE49-F238E27FC236}">
-                <a16:creationId xmlns:a16="http://schemas.microsoft.com/office/drawing/2014/main" id="{634854B4-DB28-9592-C549-6312BA13371F}"/>
+          <p:cNvPr id="3" name="그림 2" descr="텍스트, 스크린샷, 만화 영화, 명함이(가) 표시된 사진&#10;&#10;자동 생성된 설명">
+            <a:extLst>
+              <a:ext uri="{FF2B5EF4-FFF2-40B4-BE49-F238E27FC236}">
+                <a16:creationId xmlns:a16="http://schemas.microsoft.com/office/drawing/2014/main" id="{6EC5C27F-8C9D-D6C8-87F2-7BDA7A750D43}"/>
               </a:ext>
             </a:extLst>
           </p:cNvPr>
@@ -4312,8 +5015,8 @@
         </p:blipFill>
         <p:spPr>
           <a:xfrm>
-            <a:off x="3952875" y="0"/>
-            <a:ext cx="4286250" cy="6858000"/>
+            <a:off x="4065275" y="0"/>
+            <a:ext cx="4061450" cy="6858000"/>
           </a:xfrm>
           <a:prstGeom prst="rect">
             <a:avLst/>
@@ -4351,7 +5054,10 @@
             <a:r>
               <a:rPr lang="en-US" altLang="ko-KR" sz="2800" b="1" dirty="0">
                 <a:solidFill>
-                  <a:schemeClr val="bg1"/>
+                  <a:schemeClr val="tx1">
+                    <a:lumMod val="85000"/>
+                    <a:lumOff val="15000"/>
+                  </a:schemeClr>
                 </a:solidFill>
                 <a:latin typeface="Malgun Gothic Semilight" panose="020B0502040204020203" pitchFamily="50" charset="-127"/>
                 <a:ea typeface="Malgun Gothic Semilight" panose="020B0502040204020203" pitchFamily="50" charset="-127"/>
@@ -4362,23 +5068,26 @@
             <a:r>
               <a:rPr lang="ko-KR" altLang="en-US" sz="2800" b="1" dirty="0">
                 <a:solidFill>
-                  <a:schemeClr val="bg1"/>
+                  <a:schemeClr val="tx1">
+                    <a:lumMod val="85000"/>
+                    <a:lumOff val="15000"/>
+                  </a:schemeClr>
                 </a:solidFill>
                 <a:latin typeface="Malgun Gothic Semilight" panose="020B0502040204020203" pitchFamily="50" charset="-127"/>
                 <a:ea typeface="Malgun Gothic Semilight" panose="020B0502040204020203" pitchFamily="50" charset="-127"/>
                 <a:cs typeface="Malgun Gothic Semilight" panose="020B0502040204020203" pitchFamily="50" charset="-127"/>
               </a:rPr>
-              <a:t>스테이지 선택 화면</a:t>
-            </a:r>
-          </a:p>
-        </p:txBody>
-      </p:sp>
-      <p:sp>
-        <p:nvSpPr>
-          <p:cNvPr id="31" name="직사각형 30">
-            <a:extLst>
-              <a:ext uri="{FF2B5EF4-FFF2-40B4-BE49-F238E27FC236}">
-                <a16:creationId xmlns:a16="http://schemas.microsoft.com/office/drawing/2014/main" id="{779F2C6D-1A0E-032E-C54C-FC7E30F85DB0}"/>
+              <a:t>게임 설명 팝업</a:t>
+            </a:r>
+          </a:p>
+        </p:txBody>
+      </p:sp>
+      <p:sp>
+        <p:nvSpPr>
+          <p:cNvPr id="34" name="직사각형 33">
+            <a:extLst>
+              <a:ext uri="{FF2B5EF4-FFF2-40B4-BE49-F238E27FC236}">
+                <a16:creationId xmlns:a16="http://schemas.microsoft.com/office/drawing/2014/main" id="{2ABBE30B-223A-2153-41DD-2CA5D9EB9248}"/>
               </a:ext>
             </a:extLst>
           </p:cNvPr>
@@ -4387,17 +5096,18 @@
         </p:nvSpPr>
         <p:spPr>
           <a:xfrm>
-            <a:off x="3952874" y="2318327"/>
-            <a:ext cx="4286251" cy="4539673"/>
+            <a:off x="4433455" y="1016001"/>
+            <a:ext cx="3343563" cy="4886036"/>
           </a:xfrm>
           <a:prstGeom prst="rect">
             <a:avLst/>
           </a:prstGeom>
-          <a:solidFill>
-            <a:srgbClr val="5B5AFE"/>
-          </a:solidFill>
+          <a:noFill/>
           <a:ln>
-            <a:noFill/>
+            <a:solidFill>
+              <a:schemeClr val="tx1"/>
+            </a:solidFill>
+            <a:prstDash val="dash"/>
           </a:ln>
         </p:spPr>
         <p:style>
@@ -4425,12 +5135,55 @@
           </a:p>
         </p:txBody>
       </p:sp>
-      <p:sp>
-        <p:nvSpPr>
-          <p:cNvPr id="34" name="직사각형 33">
-            <a:extLst>
-              <a:ext uri="{FF2B5EF4-FFF2-40B4-BE49-F238E27FC236}">
-                <a16:creationId xmlns:a16="http://schemas.microsoft.com/office/drawing/2014/main" id="{2ABBE30B-223A-2153-41DD-2CA5D9EB9248}"/>
+      <p:cxnSp>
+        <p:nvCxnSpPr>
+          <p:cNvPr id="35" name="직선 화살표 연결선 34">
+            <a:extLst>
+              <a:ext uri="{FF2B5EF4-FFF2-40B4-BE49-F238E27FC236}">
+                <a16:creationId xmlns:a16="http://schemas.microsoft.com/office/drawing/2014/main" id="{CD60A46F-79D2-4ABF-19A7-C8C09ECA47C0}"/>
+              </a:ext>
+            </a:extLst>
+          </p:cNvPr>
+          <p:cNvCxnSpPr>
+            <a:cxnSpLocks/>
+            <a:stCxn id="36" idx="3"/>
+            <a:endCxn id="34" idx="1"/>
+          </p:cNvCxnSpPr>
+          <p:nvPr/>
+        </p:nvCxnSpPr>
+        <p:spPr>
+          <a:xfrm>
+            <a:off x="3489036" y="3459019"/>
+            <a:ext cx="944419" cy="0"/>
+          </a:xfrm>
+          <a:prstGeom prst="straightConnector1">
+            <a:avLst/>
+          </a:prstGeom>
+          <a:ln>
+            <a:tailEnd type="triangle"/>
+          </a:ln>
+        </p:spPr>
+        <p:style>
+          <a:lnRef idx="2">
+            <a:schemeClr val="dk1"/>
+          </a:lnRef>
+          <a:fillRef idx="0">
+            <a:schemeClr val="dk1"/>
+          </a:fillRef>
+          <a:effectRef idx="1">
+            <a:schemeClr val="dk1"/>
+          </a:effectRef>
+          <a:fontRef idx="minor">
+            <a:schemeClr val="tx1"/>
+          </a:fontRef>
+        </p:style>
+      </p:cxnSp>
+      <p:sp>
+        <p:nvSpPr>
+          <p:cNvPr id="36" name="직사각형 35">
+            <a:extLst>
+              <a:ext uri="{FF2B5EF4-FFF2-40B4-BE49-F238E27FC236}">
+                <a16:creationId xmlns:a16="http://schemas.microsoft.com/office/drawing/2014/main" id="{0CE85E3D-328F-CA05-1CCA-8BF90E568F37}"/>
               </a:ext>
             </a:extLst>
           </p:cNvPr>
@@ -4439,18 +5192,19 @@
         </p:nvSpPr>
         <p:spPr>
           <a:xfrm>
-            <a:off x="4581235" y="2623127"/>
-            <a:ext cx="3011055" cy="3639128"/>
+            <a:off x="228600" y="2886942"/>
+            <a:ext cx="3260436" cy="1144154"/>
           </a:xfrm>
           <a:prstGeom prst="rect">
             <a:avLst/>
           </a:prstGeom>
-          <a:noFill/>
+          <a:solidFill>
+            <a:schemeClr val="bg1"/>
+          </a:solidFill>
           <a:ln>
             <a:solidFill>
               <a:schemeClr val="tx1"/>
             </a:solidFill>
-            <a:prstDash val="dash"/>
           </a:ln>
         </p:spPr>
         <p:style>
@@ -4474,30 +5228,74 @@
           <a:lstStyle/>
           <a:p>
             <a:pPr algn="ctr"/>
-            <a:endParaRPr lang="ko-KR" altLang="en-US"/>
+            <a:r>
+              <a:rPr lang="ko-KR" altLang="en-US" dirty="0">
+                <a:solidFill>
+                  <a:schemeClr val="tx1"/>
+                </a:solidFill>
+              </a:rPr>
+              <a:t>게임 설명 팝업</a:t>
+            </a:r>
+            <a:endParaRPr lang="en-US" altLang="ko-KR" dirty="0">
+              <a:solidFill>
+                <a:schemeClr val="tx1"/>
+              </a:solidFill>
+            </a:endParaRPr>
+          </a:p>
+          <a:p>
+            <a:pPr algn="ctr"/>
+            <a:r>
+              <a:rPr lang="ko-KR" altLang="en-US" dirty="0">
+                <a:solidFill>
+                  <a:schemeClr val="accent6"/>
+                </a:solidFill>
+              </a:rPr>
+              <a:t>팝업은 별개의 씬 이 아니라</a:t>
+            </a:r>
+            <a:endParaRPr lang="en-US" altLang="ko-KR" dirty="0">
+              <a:solidFill>
+                <a:schemeClr val="accent6"/>
+              </a:solidFill>
+            </a:endParaRPr>
+          </a:p>
+          <a:p>
+            <a:pPr algn="ctr"/>
+            <a:r>
+              <a:rPr lang="ko-KR" altLang="en-US" dirty="0">
+                <a:solidFill>
+                  <a:schemeClr val="accent6"/>
+                </a:solidFill>
+              </a:rPr>
+              <a:t>씬 내부의 오브젝트로 표시됨</a:t>
+            </a:r>
+            <a:endParaRPr lang="en-US" altLang="ko-KR" dirty="0">
+              <a:solidFill>
+                <a:schemeClr val="accent6"/>
+              </a:solidFill>
+            </a:endParaRPr>
           </a:p>
         </p:txBody>
       </p:sp>
       <p:cxnSp>
         <p:nvCxnSpPr>
-          <p:cNvPr id="35" name="직선 화살표 연결선 34">
-            <a:extLst>
-              <a:ext uri="{FF2B5EF4-FFF2-40B4-BE49-F238E27FC236}">
-                <a16:creationId xmlns:a16="http://schemas.microsoft.com/office/drawing/2014/main" id="{CD60A46F-79D2-4ABF-19A7-C8C09ECA47C0}"/>
+          <p:cNvPr id="60" name="직선 화살표 연결선 59">
+            <a:extLst>
+              <a:ext uri="{FF2B5EF4-FFF2-40B4-BE49-F238E27FC236}">
+                <a16:creationId xmlns:a16="http://schemas.microsoft.com/office/drawing/2014/main" id="{9266E946-F048-6E08-B748-8DD4A029FA0B}"/>
               </a:ext>
             </a:extLst>
           </p:cNvPr>
           <p:cNvCxnSpPr>
             <a:cxnSpLocks/>
-            <a:stCxn id="36" idx="3"/>
-            <a:endCxn id="34" idx="1"/>
+            <a:stCxn id="61" idx="1"/>
+            <a:endCxn id="19" idx="6"/>
           </p:cNvCxnSpPr>
           <p:nvPr/>
         </p:nvCxnSpPr>
         <p:spPr>
-          <a:xfrm>
-            <a:off x="3226305" y="4442691"/>
-            <a:ext cx="1354930" cy="0"/>
+          <a:xfrm flipH="1">
+            <a:off x="7444509" y="817131"/>
+            <a:ext cx="1397901" cy="697634"/>
           </a:xfrm>
           <a:prstGeom prst="straightConnector1">
             <a:avLst/>
@@ -4523,10 +5321,10 @@
       </p:cxnSp>
       <p:sp>
         <p:nvSpPr>
-          <p:cNvPr id="36" name="직사각형 35">
-            <a:extLst>
-              <a:ext uri="{FF2B5EF4-FFF2-40B4-BE49-F238E27FC236}">
-                <a16:creationId xmlns:a16="http://schemas.microsoft.com/office/drawing/2014/main" id="{0CE85E3D-328F-CA05-1CCA-8BF90E568F37}"/>
+          <p:cNvPr id="61" name="직사각형 60">
+            <a:extLst>
+              <a:ext uri="{FF2B5EF4-FFF2-40B4-BE49-F238E27FC236}">
+                <a16:creationId xmlns:a16="http://schemas.microsoft.com/office/drawing/2014/main" id="{0C2234FA-2E4F-F9F5-8B4D-FE1718AB5423}"/>
               </a:ext>
             </a:extLst>
           </p:cNvPr>
@@ -4535,8 +5333,8 @@
         </p:nvSpPr>
         <p:spPr>
           <a:xfrm>
-            <a:off x="387135" y="3801918"/>
-            <a:ext cx="2839170" cy="1281546"/>
+            <a:off x="8842410" y="572078"/>
+            <a:ext cx="2579760" cy="490105"/>
           </a:xfrm>
           <a:prstGeom prst="rect">
             <a:avLst/>
@@ -4574,68 +5372,20 @@
             <a:r>
               <a:rPr lang="ko-KR" altLang="en-US" dirty="0">
                 <a:solidFill>
-                  <a:schemeClr val="tx1"/>
-                </a:solidFill>
-              </a:rPr>
-              <a:t>게임 스테이지</a:t>
-            </a:r>
-            <a:endParaRPr lang="en-US" altLang="ko-KR" dirty="0">
-              <a:solidFill>
-                <a:schemeClr val="tx1"/>
-              </a:solidFill>
-            </a:endParaRPr>
-          </a:p>
-          <a:p>
-            <a:pPr algn="ctr"/>
-            <a:r>
-              <a:rPr lang="ko-KR" altLang="en-US" dirty="0">
-                <a:solidFill>
                   <a:schemeClr val="accent6"/>
                 </a:solidFill>
               </a:rPr>
-              <a:t>이름을 터치하면</a:t>
-            </a:r>
-            <a:endParaRPr lang="en-US" altLang="ko-KR" dirty="0">
-              <a:solidFill>
-                <a:schemeClr val="accent6"/>
-              </a:solidFill>
-            </a:endParaRPr>
-          </a:p>
-          <a:p>
-            <a:pPr algn="ctr"/>
-            <a:r>
-              <a:rPr lang="ko-KR" altLang="en-US" dirty="0">
-                <a:solidFill>
-                  <a:schemeClr val="accent6"/>
-                </a:solidFill>
-              </a:rPr>
-              <a:t>해당 스테이지의</a:t>
-            </a:r>
-            <a:endParaRPr lang="en-US" altLang="ko-KR" dirty="0">
-              <a:solidFill>
-                <a:schemeClr val="accent6"/>
-              </a:solidFill>
-            </a:endParaRPr>
-          </a:p>
-          <a:p>
-            <a:pPr algn="ctr"/>
-            <a:r>
-              <a:rPr lang="ko-KR" altLang="en-US" dirty="0">
-                <a:solidFill>
-                  <a:schemeClr val="accent6"/>
-                </a:solidFill>
-              </a:rPr>
-              <a:t>난이도 선택 레벨로 이동</a:t>
-            </a:r>
-          </a:p>
-        </p:txBody>
-      </p:sp>
-      <p:sp>
-        <p:nvSpPr>
-          <p:cNvPr id="38" name="직사각형 37">
-            <a:extLst>
-              <a:ext uri="{FF2B5EF4-FFF2-40B4-BE49-F238E27FC236}">
-                <a16:creationId xmlns:a16="http://schemas.microsoft.com/office/drawing/2014/main" id="{30C623C0-744E-7C45-8CFA-2F19C6A0FEF4}"/>
+              <a:t>터치 시 팝업이 종료됨</a:t>
+            </a:r>
+          </a:p>
+        </p:txBody>
+      </p:sp>
+      <p:sp>
+        <p:nvSpPr>
+          <p:cNvPr id="19" name="타원 18">
+            <a:extLst>
+              <a:ext uri="{FF2B5EF4-FFF2-40B4-BE49-F238E27FC236}">
+                <a16:creationId xmlns:a16="http://schemas.microsoft.com/office/drawing/2014/main" id="{D3B601ED-11E8-65FE-0B53-B8DEE2A62E65}"/>
               </a:ext>
             </a:extLst>
           </p:cNvPr>
@@ -4644,17 +5394,16 @@
         </p:nvSpPr>
         <p:spPr>
           <a:xfrm>
-            <a:off x="4710544" y="2699327"/>
-            <a:ext cx="2770909" cy="729673"/>
-          </a:xfrm>
-          <a:prstGeom prst="rect">
+            <a:off x="6973454" y="1283855"/>
+            <a:ext cx="471055" cy="461819"/>
+          </a:xfrm>
+          <a:prstGeom prst="ellipse">
             <a:avLst/>
           </a:prstGeom>
-          <a:solidFill>
-            <a:schemeClr val="accent6">
-              <a:lumMod val="75000"/>
-            </a:schemeClr>
-          </a:solidFill>
+          <a:noFill/>
+          <a:ln>
+            <a:prstDash val="dash"/>
+          </a:ln>
         </p:spPr>
         <p:style>
           <a:lnRef idx="2">
@@ -4677,31 +5426,16 @@
           <a:lstStyle/>
           <a:p>
             <a:pPr algn="ctr"/>
-            <a:r>
-              <a:rPr lang="ko-KR" altLang="en-US" sz="4000" dirty="0">
-                <a:solidFill>
-                  <a:schemeClr val="bg1"/>
-                </a:solidFill>
-                <a:latin typeface="Malgun Gothic Semilight" panose="020B0502040204020203" pitchFamily="50" charset="-127"/>
-                <a:ea typeface="Malgun Gothic Semilight" panose="020B0502040204020203" pitchFamily="50" charset="-127"/>
-                <a:cs typeface="Malgun Gothic Semilight" panose="020B0502040204020203" pitchFamily="50" charset="-127"/>
-              </a:rPr>
-              <a:t>조윤진</a:t>
-            </a:r>
-            <a:endParaRPr lang="ko-KR" altLang="en-US" sz="4000" dirty="0">
-              <a:latin typeface="Malgun Gothic Semilight" panose="020B0502040204020203" pitchFamily="50" charset="-127"/>
-              <a:ea typeface="Malgun Gothic Semilight" panose="020B0502040204020203" pitchFamily="50" charset="-127"/>
-              <a:cs typeface="Malgun Gothic Semilight" panose="020B0502040204020203" pitchFamily="50" charset="-127"/>
-            </a:endParaRPr>
-          </a:p>
-        </p:txBody>
-      </p:sp>
-      <p:sp>
-        <p:nvSpPr>
-          <p:cNvPr id="39" name="직사각형 38">
-            <a:extLst>
-              <a:ext uri="{FF2B5EF4-FFF2-40B4-BE49-F238E27FC236}">
-                <a16:creationId xmlns:a16="http://schemas.microsoft.com/office/drawing/2014/main" id="{D85FAC22-D760-B8AD-B6FB-FD48F21E73F0}"/>
+            <a:endParaRPr lang="ko-KR" altLang="en-US"/>
+          </a:p>
+        </p:txBody>
+      </p:sp>
+      <p:sp>
+        <p:nvSpPr>
+          <p:cNvPr id="25" name="직사각형 24">
+            <a:extLst>
+              <a:ext uri="{FF2B5EF4-FFF2-40B4-BE49-F238E27FC236}">
+                <a16:creationId xmlns:a16="http://schemas.microsoft.com/office/drawing/2014/main" id="{0D60A0A2-1168-1E7E-5DCE-6C30919A0B8E}"/>
               </a:ext>
             </a:extLst>
           </p:cNvPr>
@@ -4710,17 +5444,20 @@
         </p:nvSpPr>
         <p:spPr>
           <a:xfrm>
-            <a:off x="4710544" y="3595254"/>
-            <a:ext cx="2770909" cy="729673"/>
+            <a:off x="8811491" y="1764141"/>
+            <a:ext cx="2641598" cy="1083926"/>
           </a:xfrm>
           <a:prstGeom prst="rect">
             <a:avLst/>
           </a:prstGeom>
           <a:solidFill>
-            <a:schemeClr val="accent6">
-              <a:lumMod val="75000"/>
-            </a:schemeClr>
+            <a:schemeClr val="bg1"/>
           </a:solidFill>
+          <a:ln>
+            <a:solidFill>
+              <a:schemeClr val="tx1"/>
+            </a:solidFill>
+          </a:ln>
         </p:spPr>
         <p:style>
           <a:lnRef idx="2">
@@ -4744,30 +5481,163 @@
           <a:p>
             <a:pPr algn="ctr"/>
             <a:r>
-              <a:rPr lang="ko-KR" altLang="en-US" sz="4000" dirty="0">
-                <a:solidFill>
-                  <a:schemeClr val="bg1"/>
+              <a:rPr lang="ko-KR" altLang="en-US" dirty="0">
+                <a:solidFill>
+                  <a:schemeClr val="accent6"/>
+                </a:solidFill>
+              </a:rPr>
+              <a:t>별개의 씬 이 아니라</a:t>
+            </a:r>
+            <a:endParaRPr lang="en-US" altLang="ko-KR" dirty="0">
+              <a:solidFill>
+                <a:schemeClr val="accent6"/>
+              </a:solidFill>
+            </a:endParaRPr>
+          </a:p>
+          <a:p>
+            <a:pPr algn="ctr"/>
+            <a:r>
+              <a:rPr lang="ko-KR" altLang="en-US" dirty="0">
+                <a:solidFill>
+                  <a:schemeClr val="accent6"/>
+                </a:solidFill>
+              </a:rPr>
+              <a:t>팝업으로 표시됨</a:t>
+            </a:r>
+          </a:p>
+        </p:txBody>
+      </p:sp>
+    </p:spTree>
+    <p:extLst>
+      <p:ext uri="{BB962C8B-B14F-4D97-AF65-F5344CB8AC3E}">
+        <p14:creationId xmlns:p14="http://schemas.microsoft.com/office/powerpoint/2010/main" val="3935368983"/>
+      </p:ext>
+    </p:extLst>
+  </p:cSld>
+  <p:clrMapOvr>
+    <a:masterClrMapping/>
+  </p:clrMapOvr>
+</p:sld>
+</file>
+
+<file path=ppt/slides/slide4.xml><?xml version="1.0" encoding="utf-8"?>
+<p:sld xmlns:a="http://schemas.openxmlformats.org/drawingml/2006/main" xmlns:r="http://schemas.openxmlformats.org/officeDocument/2006/relationships" xmlns:p="http://schemas.openxmlformats.org/presentationml/2006/main">
+  <p:cSld>
+    <p:spTree>
+      <p:nvGrpSpPr>
+        <p:cNvPr id="1" name=""/>
+        <p:cNvGrpSpPr/>
+        <p:nvPr/>
+      </p:nvGrpSpPr>
+      <p:grpSpPr>
+        <a:xfrm>
+          <a:off x="0" y="0"/>
+          <a:ext cx="0" cy="0"/>
+          <a:chOff x="0" y="0"/>
+          <a:chExt cx="0" cy="0"/>
+        </a:xfrm>
+      </p:grpSpPr>
+      <p:pic>
+        <p:nvPicPr>
+          <p:cNvPr id="3" name="그림 2" descr="텍스트, 스크린샷, 폰트, 디자인이(가) 표시된 사진&#10;&#10;자동 생성된 설명">
+            <a:extLst>
+              <a:ext uri="{FF2B5EF4-FFF2-40B4-BE49-F238E27FC236}">
+                <a16:creationId xmlns:a16="http://schemas.microsoft.com/office/drawing/2014/main" id="{DBD4DEDB-D071-2382-E71F-1B7869FBE813}"/>
+              </a:ext>
+            </a:extLst>
+          </p:cNvPr>
+          <p:cNvPicPr>
+            <a:picLocks noChangeAspect="1"/>
+          </p:cNvPicPr>
+          <p:nvPr/>
+        </p:nvPicPr>
+        <p:blipFill>
+          <a:blip r:embed="rId2">
+            <a:extLst>
+              <a:ext uri="{28A0092B-C50C-407E-A947-70E740481C1C}">
+                <a14:useLocalDpi xmlns:a14="http://schemas.microsoft.com/office/drawing/2010/main" val="0"/>
+              </a:ext>
+            </a:extLst>
+          </a:blip>
+          <a:stretch>
+            <a:fillRect/>
+          </a:stretch>
+        </p:blipFill>
+        <p:spPr>
+          <a:xfrm>
+            <a:off x="4060166" y="0"/>
+            <a:ext cx="4071667" cy="6858000"/>
+          </a:xfrm>
+          <a:prstGeom prst="rect">
+            <a:avLst/>
+          </a:prstGeom>
+        </p:spPr>
+      </p:pic>
+      <p:sp>
+        <p:nvSpPr>
+          <p:cNvPr id="10" name="TextBox 9">
+            <a:extLst>
+              <a:ext uri="{FF2B5EF4-FFF2-40B4-BE49-F238E27FC236}">
+                <a16:creationId xmlns:a16="http://schemas.microsoft.com/office/drawing/2014/main" id="{7565B562-BC7E-0A77-C53E-845C771F04AE}"/>
+              </a:ext>
+            </a:extLst>
+          </p:cNvPr>
+          <p:cNvSpPr txBox="1"/>
+          <p:nvPr/>
+        </p:nvSpPr>
+        <p:spPr>
+          <a:xfrm>
+            <a:off x="0" y="0"/>
+            <a:ext cx="3846947" cy="523220"/>
+          </a:xfrm>
+          <a:prstGeom prst="rect">
+            <a:avLst/>
+          </a:prstGeom>
+          <a:noFill/>
+        </p:spPr>
+        <p:txBody>
+          <a:bodyPr wrap="square" rtlCol="0">
+            <a:spAutoFit/>
+          </a:bodyPr>
+          <a:lstStyle/>
+          <a:p>
+            <a:r>
+              <a:rPr lang="en-US" altLang="ko-KR" sz="2800" b="1" dirty="0">
+                <a:solidFill>
+                  <a:schemeClr val="tx1">
+                    <a:lumMod val="85000"/>
+                    <a:lumOff val="15000"/>
+                  </a:schemeClr>
                 </a:solidFill>
                 <a:latin typeface="Malgun Gothic Semilight" panose="020B0502040204020203" pitchFamily="50" charset="-127"/>
                 <a:ea typeface="Malgun Gothic Semilight" panose="020B0502040204020203" pitchFamily="50" charset="-127"/>
                 <a:cs typeface="Malgun Gothic Semilight" panose="020B0502040204020203" pitchFamily="50" charset="-127"/>
               </a:rPr>
-              <a:t>이태훈</a:t>
-            </a:r>
-            <a:endParaRPr lang="ko-KR" altLang="en-US" sz="4000" dirty="0">
-              <a:latin typeface="Malgun Gothic Semilight" panose="020B0502040204020203" pitchFamily="50" charset="-127"/>
-              <a:ea typeface="Malgun Gothic Semilight" panose="020B0502040204020203" pitchFamily="50" charset="-127"/>
-              <a:cs typeface="Malgun Gothic Semilight" panose="020B0502040204020203" pitchFamily="50" charset="-127"/>
-            </a:endParaRPr>
-          </a:p>
-        </p:txBody>
-      </p:sp>
-      <p:sp>
-        <p:nvSpPr>
-          <p:cNvPr id="40" name="직사각형 39">
-            <a:extLst>
-              <a:ext uri="{FF2B5EF4-FFF2-40B4-BE49-F238E27FC236}">
-                <a16:creationId xmlns:a16="http://schemas.microsoft.com/office/drawing/2014/main" id="{DFBB78A1-9E28-41E1-325E-04277DE43B13}"/>
+              <a:t>3. </a:t>
+            </a:r>
+            <a:r>
+              <a:rPr lang="ko-KR" altLang="en-US" sz="2800" b="1" dirty="0">
+                <a:solidFill>
+                  <a:schemeClr val="tx1">
+                    <a:lumMod val="85000"/>
+                    <a:lumOff val="15000"/>
+                  </a:schemeClr>
+                </a:solidFill>
+                <a:latin typeface="Malgun Gothic Semilight" panose="020B0502040204020203" pitchFamily="50" charset="-127"/>
+                <a:ea typeface="Malgun Gothic Semilight" panose="020B0502040204020203" pitchFamily="50" charset="-127"/>
+                <a:cs typeface="Malgun Gothic Semilight" panose="020B0502040204020203" pitchFamily="50" charset="-127"/>
+              </a:rPr>
+              <a:t>스테이지 선택 화면</a:t>
+            </a:r>
+          </a:p>
+        </p:txBody>
+      </p:sp>
+      <p:sp>
+        <p:nvSpPr>
+          <p:cNvPr id="34" name="직사각형 33">
+            <a:extLst>
+              <a:ext uri="{FF2B5EF4-FFF2-40B4-BE49-F238E27FC236}">
+                <a16:creationId xmlns:a16="http://schemas.microsoft.com/office/drawing/2014/main" id="{2ABBE30B-223A-2153-41DD-2CA5D9EB9248}"/>
               </a:ext>
             </a:extLst>
           </p:cNvPr>
@@ -4776,17 +5646,19 @@
         </p:nvSpPr>
         <p:spPr>
           <a:xfrm>
-            <a:off x="4710544" y="4491181"/>
-            <a:ext cx="2770909" cy="729673"/>
+            <a:off x="5246254" y="3428999"/>
+            <a:ext cx="1727201" cy="2519219"/>
           </a:xfrm>
           <a:prstGeom prst="rect">
             <a:avLst/>
           </a:prstGeom>
-          <a:solidFill>
-            <a:schemeClr val="accent6">
-              <a:lumMod val="75000"/>
-            </a:schemeClr>
-          </a:solidFill>
+          <a:noFill/>
+          <a:ln>
+            <a:solidFill>
+              <a:schemeClr val="tx1"/>
+            </a:solidFill>
+            <a:prstDash val="dash"/>
+          </a:ln>
         </p:spPr>
         <p:style>
           <a:lnRef idx="2">
@@ -4809,31 +5681,59 @@
           <a:lstStyle/>
           <a:p>
             <a:pPr algn="ctr"/>
-            <a:r>
-              <a:rPr lang="ko-KR" altLang="en-US" sz="4000" dirty="0" err="1">
-                <a:solidFill>
-                  <a:schemeClr val="bg1"/>
-                </a:solidFill>
-                <a:latin typeface="Malgun Gothic Semilight" panose="020B0502040204020203" pitchFamily="50" charset="-127"/>
-                <a:ea typeface="Malgun Gothic Semilight" panose="020B0502040204020203" pitchFamily="50" charset="-127"/>
-                <a:cs typeface="Malgun Gothic Semilight" panose="020B0502040204020203" pitchFamily="50" charset="-127"/>
-              </a:rPr>
-              <a:t>최빈</a:t>
-            </a:r>
-            <a:endParaRPr lang="ko-KR" altLang="en-US" sz="4000" dirty="0">
-              <a:latin typeface="Malgun Gothic Semilight" panose="020B0502040204020203" pitchFamily="50" charset="-127"/>
-              <a:ea typeface="Malgun Gothic Semilight" panose="020B0502040204020203" pitchFamily="50" charset="-127"/>
-              <a:cs typeface="Malgun Gothic Semilight" panose="020B0502040204020203" pitchFamily="50" charset="-127"/>
-            </a:endParaRPr>
-          </a:p>
-        </p:txBody>
-      </p:sp>
-      <p:sp>
-        <p:nvSpPr>
-          <p:cNvPr id="41" name="직사각형 40">
-            <a:extLst>
-              <a:ext uri="{FF2B5EF4-FFF2-40B4-BE49-F238E27FC236}">
-                <a16:creationId xmlns:a16="http://schemas.microsoft.com/office/drawing/2014/main" id="{CF4B6ADA-E6E7-F77F-046F-30D6B9521557}"/>
+            <a:endParaRPr lang="ko-KR" altLang="en-US"/>
+          </a:p>
+        </p:txBody>
+      </p:sp>
+      <p:cxnSp>
+        <p:nvCxnSpPr>
+          <p:cNvPr id="35" name="직선 화살표 연결선 34">
+            <a:extLst>
+              <a:ext uri="{FF2B5EF4-FFF2-40B4-BE49-F238E27FC236}">
+                <a16:creationId xmlns:a16="http://schemas.microsoft.com/office/drawing/2014/main" id="{CD60A46F-79D2-4ABF-19A7-C8C09ECA47C0}"/>
+              </a:ext>
+            </a:extLst>
+          </p:cNvPr>
+          <p:cNvCxnSpPr>
+            <a:cxnSpLocks/>
+            <a:stCxn id="36" idx="3"/>
+            <a:endCxn id="34" idx="1"/>
+          </p:cNvCxnSpPr>
+          <p:nvPr/>
+        </p:nvCxnSpPr>
+        <p:spPr>
+          <a:xfrm flipV="1">
+            <a:off x="3447978" y="4688609"/>
+            <a:ext cx="1798276" cy="945573"/>
+          </a:xfrm>
+          <a:prstGeom prst="straightConnector1">
+            <a:avLst/>
+          </a:prstGeom>
+          <a:ln>
+            <a:tailEnd type="triangle"/>
+          </a:ln>
+        </p:spPr>
+        <p:style>
+          <a:lnRef idx="2">
+            <a:schemeClr val="dk1"/>
+          </a:lnRef>
+          <a:fillRef idx="0">
+            <a:schemeClr val="dk1"/>
+          </a:fillRef>
+          <a:effectRef idx="1">
+            <a:schemeClr val="dk1"/>
+          </a:effectRef>
+          <a:fontRef idx="minor">
+            <a:schemeClr val="tx1"/>
+          </a:fontRef>
+        </p:style>
+      </p:cxnSp>
+      <p:sp>
+        <p:nvSpPr>
+          <p:cNvPr id="36" name="직사각형 35">
+            <a:extLst>
+              <a:ext uri="{FF2B5EF4-FFF2-40B4-BE49-F238E27FC236}">
+                <a16:creationId xmlns:a16="http://schemas.microsoft.com/office/drawing/2014/main" id="{0CE85E3D-328F-CA05-1CCA-8BF90E568F37}"/>
               </a:ext>
             </a:extLst>
           </p:cNvPr>
@@ -4842,17 +5742,20 @@
         </p:nvSpPr>
         <p:spPr>
           <a:xfrm>
-            <a:off x="4710543" y="5387108"/>
-            <a:ext cx="2770909" cy="729673"/>
+            <a:off x="608808" y="4993409"/>
+            <a:ext cx="2839170" cy="1281546"/>
           </a:xfrm>
           <a:prstGeom prst="rect">
             <a:avLst/>
           </a:prstGeom>
           <a:solidFill>
-            <a:schemeClr val="accent6">
-              <a:lumMod val="75000"/>
-            </a:schemeClr>
+            <a:schemeClr val="bg1"/>
           </a:solidFill>
+          <a:ln>
+            <a:solidFill>
+              <a:schemeClr val="tx1"/>
+            </a:solidFill>
+          </a:ln>
         </p:spPr>
         <p:style>
           <a:lnRef idx="2">
@@ -4876,73 +5779,70 @@
           <a:p>
             <a:pPr algn="ctr"/>
             <a:r>
-              <a:rPr lang="ko-KR" altLang="en-US" sz="4000" dirty="0">
-                <a:solidFill>
-                  <a:schemeClr val="bg1"/>
-                </a:solidFill>
-                <a:latin typeface="Malgun Gothic Semilight" panose="020B0502040204020203" pitchFamily="50" charset="-127"/>
-                <a:ea typeface="Malgun Gothic Semilight" panose="020B0502040204020203" pitchFamily="50" charset="-127"/>
-                <a:cs typeface="Malgun Gothic Semilight" panose="020B0502040204020203" pitchFamily="50" charset="-127"/>
-              </a:rPr>
-              <a:t>박기도</a:t>
-            </a:r>
-            <a:endParaRPr lang="ko-KR" altLang="en-US" sz="4000" dirty="0">
-              <a:latin typeface="Malgun Gothic Semilight" panose="020B0502040204020203" pitchFamily="50" charset="-127"/>
-              <a:ea typeface="Malgun Gothic Semilight" panose="020B0502040204020203" pitchFamily="50" charset="-127"/>
-              <a:cs typeface="Malgun Gothic Semilight" panose="020B0502040204020203" pitchFamily="50" charset="-127"/>
+              <a:rPr lang="ko-KR" altLang="en-US" dirty="0">
+                <a:solidFill>
+                  <a:schemeClr val="tx1"/>
+                </a:solidFill>
+              </a:rPr>
+              <a:t>게임 스테이지</a:t>
+            </a:r>
+            <a:endParaRPr lang="en-US" altLang="ko-KR" dirty="0">
+              <a:solidFill>
+                <a:schemeClr val="tx1"/>
+              </a:solidFill>
             </a:endParaRPr>
           </a:p>
-        </p:txBody>
-      </p:sp>
-      <p:cxnSp>
-        <p:nvCxnSpPr>
-          <p:cNvPr id="60" name="직선 화살표 연결선 59">
-            <a:extLst>
-              <a:ext uri="{FF2B5EF4-FFF2-40B4-BE49-F238E27FC236}">
-                <a16:creationId xmlns:a16="http://schemas.microsoft.com/office/drawing/2014/main" id="{9266E946-F048-6E08-B748-8DD4A029FA0B}"/>
-              </a:ext>
-            </a:extLst>
-          </p:cNvPr>
-          <p:cNvCxnSpPr>
-            <a:cxnSpLocks/>
-            <a:stCxn id="61" idx="1"/>
-            <a:endCxn id="34" idx="3"/>
-          </p:cNvCxnSpPr>
-          <p:nvPr/>
-        </p:nvCxnSpPr>
-        <p:spPr>
-          <a:xfrm flipH="1">
-            <a:off x="7592290" y="4442691"/>
-            <a:ext cx="1428823" cy="0"/>
-          </a:xfrm>
-          <a:prstGeom prst="straightConnector1">
-            <a:avLst/>
-          </a:prstGeom>
-          <a:ln>
-            <a:tailEnd type="triangle"/>
-          </a:ln>
-        </p:spPr>
-        <p:style>
-          <a:lnRef idx="2">
-            <a:schemeClr val="dk1"/>
-          </a:lnRef>
-          <a:fillRef idx="0">
-            <a:schemeClr val="dk1"/>
-          </a:fillRef>
-          <a:effectRef idx="1">
-            <a:schemeClr val="dk1"/>
-          </a:effectRef>
-          <a:fontRef idx="minor">
-            <a:schemeClr val="tx1"/>
-          </a:fontRef>
-        </p:style>
-      </p:cxnSp>
-      <p:sp>
-        <p:nvSpPr>
-          <p:cNvPr id="61" name="직사각형 60">
-            <a:extLst>
-              <a:ext uri="{FF2B5EF4-FFF2-40B4-BE49-F238E27FC236}">
-                <a16:creationId xmlns:a16="http://schemas.microsoft.com/office/drawing/2014/main" id="{0C2234FA-2E4F-F9F5-8B4D-FE1718AB5423}"/>
+          <a:p>
+            <a:pPr algn="ctr"/>
+            <a:r>
+              <a:rPr lang="ko-KR" altLang="en-US" dirty="0">
+                <a:solidFill>
+                  <a:schemeClr val="accent6"/>
+                </a:solidFill>
+              </a:rPr>
+              <a:t>이름을 터치하면</a:t>
+            </a:r>
+            <a:endParaRPr lang="en-US" altLang="ko-KR" dirty="0">
+              <a:solidFill>
+                <a:schemeClr val="accent6"/>
+              </a:solidFill>
+            </a:endParaRPr>
+          </a:p>
+          <a:p>
+            <a:pPr algn="ctr"/>
+            <a:r>
+              <a:rPr lang="ko-KR" altLang="en-US" dirty="0">
+                <a:solidFill>
+                  <a:schemeClr val="accent6"/>
+                </a:solidFill>
+              </a:rPr>
+              <a:t>해당 스테이지의</a:t>
+            </a:r>
+            <a:endParaRPr lang="en-US" altLang="ko-KR" dirty="0">
+              <a:solidFill>
+                <a:schemeClr val="accent6"/>
+              </a:solidFill>
+            </a:endParaRPr>
+          </a:p>
+          <a:p>
+            <a:pPr algn="ctr"/>
+            <a:r>
+              <a:rPr lang="ko-KR" altLang="en-US" dirty="0">
+                <a:solidFill>
+                  <a:schemeClr val="accent6"/>
+                </a:solidFill>
+              </a:rPr>
+              <a:t>난이도 선택 레벨로 이동</a:t>
+            </a:r>
+          </a:p>
+        </p:txBody>
+      </p:sp>
+      <p:sp>
+        <p:nvSpPr>
+          <p:cNvPr id="52" name="직사각형 51">
+            <a:extLst>
+              <a:ext uri="{FF2B5EF4-FFF2-40B4-BE49-F238E27FC236}">
+                <a16:creationId xmlns:a16="http://schemas.microsoft.com/office/drawing/2014/main" id="{911CF34E-FD66-D9AF-8DEA-BC9DFB2F451E}"/>
               </a:ext>
             </a:extLst>
           </p:cNvPr>
@@ -4951,19 +5851,18 @@
         </p:nvSpPr>
         <p:spPr>
           <a:xfrm>
-            <a:off x="9021113" y="4054186"/>
-            <a:ext cx="1942450" cy="777009"/>
+            <a:off x="4193743" y="179218"/>
+            <a:ext cx="877022" cy="688004"/>
           </a:xfrm>
           <a:prstGeom prst="rect">
             <a:avLst/>
           </a:prstGeom>
-          <a:solidFill>
-            <a:schemeClr val="bg1"/>
-          </a:solidFill>
+          <a:noFill/>
           <a:ln>
             <a:solidFill>
               <a:schemeClr val="tx1"/>
             </a:solidFill>
+            <a:prstDash val="dash"/>
           </a:ln>
         </p:spPr>
         <p:style>
@@ -4987,13 +5886,126 @@
           <a:lstStyle/>
           <a:p>
             <a:pPr algn="ctr"/>
+            <a:endParaRPr lang="ko-KR" altLang="en-US"/>
+          </a:p>
+        </p:txBody>
+      </p:sp>
+      <p:cxnSp>
+        <p:nvCxnSpPr>
+          <p:cNvPr id="53" name="직선 화살표 연결선 52">
+            <a:extLst>
+              <a:ext uri="{FF2B5EF4-FFF2-40B4-BE49-F238E27FC236}">
+                <a16:creationId xmlns:a16="http://schemas.microsoft.com/office/drawing/2014/main" id="{F41D8B12-8661-92D8-2CC6-2451AE5C7662}"/>
+              </a:ext>
+            </a:extLst>
+          </p:cNvPr>
+          <p:cNvCxnSpPr>
+            <a:cxnSpLocks/>
+            <a:stCxn id="54" idx="3"/>
+            <a:endCxn id="52" idx="1"/>
+          </p:cNvCxnSpPr>
+          <p:nvPr/>
+        </p:nvCxnSpPr>
+        <p:spPr>
+          <a:xfrm flipV="1">
+            <a:off x="3009250" y="523220"/>
+            <a:ext cx="1184493" cy="1157956"/>
+          </a:xfrm>
+          <a:prstGeom prst="straightConnector1">
+            <a:avLst/>
+          </a:prstGeom>
+          <a:ln>
+            <a:tailEnd type="triangle"/>
+          </a:ln>
+        </p:spPr>
+        <p:style>
+          <a:lnRef idx="2">
+            <a:schemeClr val="dk1"/>
+          </a:lnRef>
+          <a:fillRef idx="0">
+            <a:schemeClr val="dk1"/>
+          </a:fillRef>
+          <a:effectRef idx="1">
+            <a:schemeClr val="dk1"/>
+          </a:effectRef>
+          <a:fontRef idx="minor">
+            <a:schemeClr val="tx1"/>
+          </a:fontRef>
+        </p:style>
+      </p:cxnSp>
+      <p:sp>
+        <p:nvSpPr>
+          <p:cNvPr id="54" name="직사각형 53">
+            <a:extLst>
+              <a:ext uri="{FF2B5EF4-FFF2-40B4-BE49-F238E27FC236}">
+                <a16:creationId xmlns:a16="http://schemas.microsoft.com/office/drawing/2014/main" id="{06737EB2-E001-F45C-AAEB-C3957EAFBB2D}"/>
+              </a:ext>
+            </a:extLst>
+          </p:cNvPr>
+          <p:cNvSpPr/>
+          <p:nvPr/>
+        </p:nvSpPr>
+        <p:spPr>
+          <a:xfrm>
+            <a:off x="295564" y="1199783"/>
+            <a:ext cx="2713686" cy="962786"/>
+          </a:xfrm>
+          <a:prstGeom prst="rect">
+            <a:avLst/>
+          </a:prstGeom>
+          <a:solidFill>
+            <a:schemeClr val="bg1"/>
+          </a:solidFill>
+          <a:ln>
+            <a:solidFill>
+              <a:schemeClr val="tx1"/>
+            </a:solidFill>
+          </a:ln>
+        </p:spPr>
+        <p:style>
+          <a:lnRef idx="2">
+            <a:schemeClr val="accent1">
+              <a:shade val="15000"/>
+            </a:schemeClr>
+          </a:lnRef>
+          <a:fillRef idx="1">
+            <a:schemeClr val="accent1"/>
+          </a:fillRef>
+          <a:effectRef idx="0">
+            <a:schemeClr val="accent1"/>
+          </a:effectRef>
+          <a:fontRef idx="minor">
+            <a:schemeClr val="lt1"/>
+          </a:fontRef>
+        </p:style>
+        <p:txBody>
+          <a:bodyPr rtlCol="0" anchor="ctr"/>
+          <a:lstStyle/>
+          <a:p>
+            <a:pPr algn="ctr"/>
             <a:r>
               <a:rPr lang="ko-KR" altLang="en-US" dirty="0">
                 <a:solidFill>
+                  <a:schemeClr val="tx1"/>
+                </a:solidFill>
+              </a:rPr>
+              <a:t>돌아가기 버튼</a:t>
+            </a:r>
+            <a:endParaRPr lang="en-US" altLang="ko-KR" dirty="0">
+              <a:solidFill>
+                <a:schemeClr val="tx1"/>
+              </a:solidFill>
+            </a:endParaRPr>
+          </a:p>
+          <a:p>
+            <a:pPr algn="ctr"/>
+            <a:r>
+              <a:rPr lang="ko-KR" altLang="en-US" dirty="0">
+                <a:solidFill>
                   <a:schemeClr val="accent6"/>
                 </a:solidFill>
               </a:rPr>
-              <a:t>스테이지 하나당</a:t>
+              <a:t>터치 시</a:t>
             </a:r>
             <a:endParaRPr lang="en-US" altLang="ko-KR" dirty="0">
               <a:solidFill>
@@ -5009,24 +6021,21 @@
                   <a:schemeClr val="accent6"/>
                 </a:solidFill>
               </a:rPr>
-              <a:t>레벨은 </a:t>
-            </a:r>
-            <a:r>
-              <a:rPr lang="en-US" altLang="ko-KR" dirty="0">
+              <a:t>이전의 화면으로 </a:t>
+            </a:r>
+            <a:r>
+              <a:rPr lang="ko-KR" altLang="en-US" dirty="0" err="1">
                 <a:solidFill>
                   <a:schemeClr val="accent6"/>
                 </a:solidFill>
               </a:rPr>
-              <a:t>4</a:t>
-            </a:r>
-            <a:r>
-              <a:rPr lang="ko-KR" altLang="en-US" dirty="0">
-                <a:solidFill>
-                  <a:schemeClr val="accent6"/>
-                </a:solidFill>
-              </a:rPr>
-              <a:t>개</a:t>
-            </a:r>
+              <a:t>돌아감</a:t>
+            </a:r>
+            <a:endParaRPr lang="ko-KR" altLang="en-US" dirty="0">
+              <a:solidFill>
+                <a:schemeClr val="accent6"/>
+              </a:solidFill>
+            </a:endParaRPr>
           </a:p>
         </p:txBody>
       </p:sp>
@@ -5043,41 +6052,9 @@
 </p:sld>
 </file>
 
-<file path=ppt/slides/slide4.xml><?xml version="1.0" encoding="utf-8"?>
+<file path=ppt/slides/slide5.xml><?xml version="1.0" encoding="utf-8"?>
 <p:sld xmlns:a="http://schemas.openxmlformats.org/drawingml/2006/main" xmlns:r="http://schemas.openxmlformats.org/officeDocument/2006/relationships" xmlns:p="http://schemas.openxmlformats.org/presentationml/2006/main">
   <p:cSld>
-    <p:bg>
-      <p:bgPr>
-        <a:gradFill flip="none" rotWithShape="1">
-          <a:gsLst>
-            <a:gs pos="0">
-              <a:schemeClr val="tx1"/>
-            </a:gs>
-            <a:gs pos="18000">
-              <a:schemeClr val="tx2">
-                <a:lumMod val="75000"/>
-                <a:lumOff val="25000"/>
-              </a:schemeClr>
-            </a:gs>
-            <a:gs pos="44000">
-              <a:schemeClr val="accent1">
-                <a:lumMod val="40000"/>
-                <a:lumOff val="60000"/>
-              </a:schemeClr>
-            </a:gs>
-            <a:gs pos="100000">
-              <a:schemeClr val="accent1">
-                <a:lumMod val="20000"/>
-                <a:lumOff val="80000"/>
-              </a:schemeClr>
-            </a:gs>
-          </a:gsLst>
-          <a:lin ang="5400000" scaled="1"/>
-          <a:tileRect/>
-        </a:gradFill>
-        <a:effectLst/>
-      </p:bgPr>
-    </p:bg>
     <p:spTree>
       <p:nvGrpSpPr>
         <p:cNvPr id="1" name=""/>
@@ -5094,10 +6071,10 @@
       </p:grpSpPr>
       <p:pic>
         <p:nvPicPr>
-          <p:cNvPr id="32" name="그림 31" descr="텍스트, 스크린샷, 로고, 그래픽 디자인이(가) 표시된 사진&#10;&#10;자동 생성된 설명">
-            <a:extLst>
-              <a:ext uri="{FF2B5EF4-FFF2-40B4-BE49-F238E27FC236}">
-                <a16:creationId xmlns:a16="http://schemas.microsoft.com/office/drawing/2014/main" id="{634854B4-DB28-9592-C549-6312BA13371F}"/>
+          <p:cNvPr id="3" name="그림 2" descr="텍스트, 스크린샷, 그래픽 디자인, 포스터이(가) 표시된 사진&#10;&#10;자동 생성된 설명">
+            <a:extLst>
+              <a:ext uri="{FF2B5EF4-FFF2-40B4-BE49-F238E27FC236}">
+                <a16:creationId xmlns:a16="http://schemas.microsoft.com/office/drawing/2014/main" id="{EB6B8EE4-646C-7934-7006-8A844BE97611}"/>
               </a:ext>
             </a:extLst>
           </p:cNvPr>
@@ -5120,8 +6097,8 @@
         </p:blipFill>
         <p:spPr>
           <a:xfrm>
-            <a:off x="3952875" y="0"/>
-            <a:ext cx="4286250" cy="6858000"/>
+            <a:off x="4054108" y="0"/>
+            <a:ext cx="4083784" cy="6858000"/>
           </a:xfrm>
           <a:prstGeom prst="rect">
             <a:avLst/>
@@ -5159,18 +6136,24 @@
             <a:r>
               <a:rPr lang="en-US" altLang="ko-KR" sz="2800" b="1" dirty="0">
                 <a:solidFill>
-                  <a:schemeClr val="bg1"/>
+                  <a:schemeClr val="tx1">
+                    <a:lumMod val="85000"/>
+                    <a:lumOff val="15000"/>
+                  </a:schemeClr>
                 </a:solidFill>
                 <a:latin typeface="Malgun Gothic Semilight" panose="020B0502040204020203" pitchFamily="50" charset="-127"/>
                 <a:ea typeface="Malgun Gothic Semilight" panose="020B0502040204020203" pitchFamily="50" charset="-127"/>
                 <a:cs typeface="Malgun Gothic Semilight" panose="020B0502040204020203" pitchFamily="50" charset="-127"/>
               </a:rPr>
-              <a:t>3. </a:t>
+              <a:t>4. </a:t>
             </a:r>
             <a:r>
               <a:rPr lang="ko-KR" altLang="en-US" sz="2800" b="1" dirty="0">
                 <a:solidFill>
-                  <a:schemeClr val="bg1"/>
+                  <a:schemeClr val="tx1">
+                    <a:lumMod val="85000"/>
+                    <a:lumOff val="15000"/>
+                  </a:schemeClr>
                 </a:solidFill>
                 <a:latin typeface="Malgun Gothic Semilight" panose="020B0502040204020203" pitchFamily="50" charset="-127"/>
                 <a:ea typeface="Malgun Gothic Semilight" panose="020B0502040204020203" pitchFamily="50" charset="-127"/>
@@ -5183,10 +6166,10 @@
       </p:sp>
       <p:sp>
         <p:nvSpPr>
-          <p:cNvPr id="31" name="직사각형 30">
-            <a:extLst>
-              <a:ext uri="{FF2B5EF4-FFF2-40B4-BE49-F238E27FC236}">
-                <a16:creationId xmlns:a16="http://schemas.microsoft.com/office/drawing/2014/main" id="{779F2C6D-1A0E-032E-C54C-FC7E30F85DB0}"/>
+          <p:cNvPr id="34" name="직사각형 33">
+            <a:extLst>
+              <a:ext uri="{FF2B5EF4-FFF2-40B4-BE49-F238E27FC236}">
+                <a16:creationId xmlns:a16="http://schemas.microsoft.com/office/drawing/2014/main" id="{2ABBE30B-223A-2153-41DD-2CA5D9EB9248}"/>
               </a:ext>
             </a:extLst>
           </p:cNvPr>
@@ -5195,17 +6178,18 @@
         </p:nvSpPr>
         <p:spPr>
           <a:xfrm>
-            <a:off x="3952874" y="2318327"/>
-            <a:ext cx="4286251" cy="4539673"/>
+            <a:off x="5246255" y="4017817"/>
+            <a:ext cx="1662545" cy="1939637"/>
           </a:xfrm>
           <a:prstGeom prst="rect">
             <a:avLst/>
           </a:prstGeom>
-          <a:solidFill>
-            <a:srgbClr val="5B5AFE"/>
-          </a:solidFill>
+          <a:noFill/>
           <a:ln>
-            <a:noFill/>
+            <a:solidFill>
+              <a:schemeClr val="tx1"/>
+            </a:solidFill>
+            <a:prstDash val="dash"/>
           </a:ln>
         </p:spPr>
         <p:style>
@@ -5233,12 +6217,55 @@
           </a:p>
         </p:txBody>
       </p:sp>
-      <p:sp>
-        <p:nvSpPr>
-          <p:cNvPr id="34" name="직사각형 33">
-            <a:extLst>
-              <a:ext uri="{FF2B5EF4-FFF2-40B4-BE49-F238E27FC236}">
-                <a16:creationId xmlns:a16="http://schemas.microsoft.com/office/drawing/2014/main" id="{2ABBE30B-223A-2153-41DD-2CA5D9EB9248}"/>
+      <p:cxnSp>
+        <p:nvCxnSpPr>
+          <p:cNvPr id="35" name="직선 화살표 연결선 34">
+            <a:extLst>
+              <a:ext uri="{FF2B5EF4-FFF2-40B4-BE49-F238E27FC236}">
+                <a16:creationId xmlns:a16="http://schemas.microsoft.com/office/drawing/2014/main" id="{CD60A46F-79D2-4ABF-19A7-C8C09ECA47C0}"/>
+              </a:ext>
+            </a:extLst>
+          </p:cNvPr>
+          <p:cNvCxnSpPr>
+            <a:cxnSpLocks/>
+            <a:stCxn id="36" idx="3"/>
+            <a:endCxn id="34" idx="1"/>
+          </p:cNvCxnSpPr>
+          <p:nvPr/>
+        </p:nvCxnSpPr>
+        <p:spPr>
+          <a:xfrm>
+            <a:off x="3226304" y="4987636"/>
+            <a:ext cx="2019951" cy="0"/>
+          </a:xfrm>
+          <a:prstGeom prst="straightConnector1">
+            <a:avLst/>
+          </a:prstGeom>
+          <a:ln>
+            <a:tailEnd type="triangle"/>
+          </a:ln>
+        </p:spPr>
+        <p:style>
+          <a:lnRef idx="2">
+            <a:schemeClr val="dk1"/>
+          </a:lnRef>
+          <a:fillRef idx="0">
+            <a:schemeClr val="dk1"/>
+          </a:fillRef>
+          <a:effectRef idx="1">
+            <a:schemeClr val="dk1"/>
+          </a:effectRef>
+          <a:fontRef idx="minor">
+            <a:schemeClr val="tx1"/>
+          </a:fontRef>
+        </p:style>
+      </p:cxnSp>
+      <p:sp>
+        <p:nvSpPr>
+          <p:cNvPr id="36" name="직사각형 35">
+            <a:extLst>
+              <a:ext uri="{FF2B5EF4-FFF2-40B4-BE49-F238E27FC236}">
+                <a16:creationId xmlns:a16="http://schemas.microsoft.com/office/drawing/2014/main" id="{0CE85E3D-328F-CA05-1CCA-8BF90E568F37}"/>
               </a:ext>
             </a:extLst>
           </p:cNvPr>
@@ -5247,18 +6274,19 @@
         </p:nvSpPr>
         <p:spPr>
           <a:xfrm>
-            <a:off x="4581235" y="2946400"/>
-            <a:ext cx="3011055" cy="2724728"/>
+            <a:off x="387134" y="4167909"/>
+            <a:ext cx="2839170" cy="1639454"/>
           </a:xfrm>
           <a:prstGeom prst="rect">
             <a:avLst/>
           </a:prstGeom>
-          <a:noFill/>
+          <a:solidFill>
+            <a:schemeClr val="bg1"/>
+          </a:solidFill>
           <a:ln>
             <a:solidFill>
               <a:schemeClr val="tx1"/>
             </a:solidFill>
-            <a:prstDash val="dash"/>
           </a:ln>
         </p:spPr>
         <p:style>
@@ -5282,30 +6310,101 @@
           <a:lstStyle/>
           <a:p>
             <a:pPr algn="ctr"/>
-            <a:endParaRPr lang="ko-KR" altLang="en-US"/>
+            <a:r>
+              <a:rPr lang="ko-KR" altLang="en-US" dirty="0">
+                <a:solidFill>
+                  <a:schemeClr val="tx1"/>
+                </a:solidFill>
+              </a:rPr>
+              <a:t>게임 난이도</a:t>
+            </a:r>
+            <a:endParaRPr lang="en-US" altLang="ko-KR" dirty="0">
+              <a:solidFill>
+                <a:schemeClr val="tx1"/>
+              </a:solidFill>
+            </a:endParaRPr>
+          </a:p>
+          <a:p>
+            <a:pPr algn="ctr"/>
+            <a:r>
+              <a:rPr lang="ko-KR" altLang="en-US" dirty="0">
+                <a:solidFill>
+                  <a:schemeClr val="accent6"/>
+                </a:solidFill>
+              </a:rPr>
+              <a:t>난이도를 터치하면</a:t>
+            </a:r>
+            <a:endParaRPr lang="en-US" altLang="ko-KR" dirty="0">
+              <a:solidFill>
+                <a:schemeClr val="accent6"/>
+              </a:solidFill>
+            </a:endParaRPr>
+          </a:p>
+          <a:p>
+            <a:pPr algn="ctr"/>
+            <a:r>
+              <a:rPr lang="ko-KR" altLang="en-US" dirty="0">
+                <a:solidFill>
+                  <a:schemeClr val="accent6"/>
+                </a:solidFill>
+              </a:rPr>
+              <a:t>해당 스테이지의 </a:t>
+            </a:r>
+            <a:endParaRPr lang="en-US" altLang="ko-KR" dirty="0">
+              <a:solidFill>
+                <a:schemeClr val="accent6"/>
+              </a:solidFill>
+            </a:endParaRPr>
+          </a:p>
+          <a:p>
+            <a:pPr algn="ctr"/>
+            <a:r>
+              <a:rPr lang="ko-KR" altLang="en-US" dirty="0">
+                <a:solidFill>
+                  <a:schemeClr val="accent6"/>
+                </a:solidFill>
+              </a:rPr>
+              <a:t>난이도가 설정되고</a:t>
+            </a:r>
+            <a:endParaRPr lang="en-US" altLang="ko-KR" dirty="0">
+              <a:solidFill>
+                <a:schemeClr val="accent6"/>
+              </a:solidFill>
+            </a:endParaRPr>
+          </a:p>
+          <a:p>
+            <a:pPr algn="ctr"/>
+            <a:r>
+              <a:rPr lang="ko-KR" altLang="en-US" dirty="0">
+                <a:solidFill>
+                  <a:schemeClr val="accent6"/>
+                </a:solidFill>
+              </a:rPr>
+              <a:t>게임 레벨로 이동</a:t>
+            </a:r>
           </a:p>
         </p:txBody>
       </p:sp>
       <p:cxnSp>
         <p:nvCxnSpPr>
-          <p:cNvPr id="35" name="직선 화살표 연결선 34">
-            <a:extLst>
-              <a:ext uri="{FF2B5EF4-FFF2-40B4-BE49-F238E27FC236}">
-                <a16:creationId xmlns:a16="http://schemas.microsoft.com/office/drawing/2014/main" id="{CD60A46F-79D2-4ABF-19A7-C8C09ECA47C0}"/>
+          <p:cNvPr id="7" name="직선 화살표 연결선 6">
+            <a:extLst>
+              <a:ext uri="{FF2B5EF4-FFF2-40B4-BE49-F238E27FC236}">
+                <a16:creationId xmlns:a16="http://schemas.microsoft.com/office/drawing/2014/main" id="{3AA51204-6D16-02F7-70B8-B60BF493AB20}"/>
               </a:ext>
             </a:extLst>
           </p:cNvPr>
           <p:cNvCxnSpPr>
             <a:cxnSpLocks/>
-            <a:stCxn id="36" idx="3"/>
-            <a:endCxn id="34" idx="1"/>
+            <a:stCxn id="9" idx="1"/>
+            <a:endCxn id="34" idx="3"/>
           </p:cNvCxnSpPr>
           <p:nvPr/>
         </p:nvCxnSpPr>
         <p:spPr>
-          <a:xfrm>
-            <a:off x="3226304" y="4308764"/>
-            <a:ext cx="1354931" cy="0"/>
+          <a:xfrm flipH="1">
+            <a:off x="6908800" y="4987636"/>
+            <a:ext cx="2056896" cy="0"/>
           </a:xfrm>
           <a:prstGeom prst="straightConnector1">
             <a:avLst/>
@@ -5331,10 +6430,10 @@
       </p:cxnSp>
       <p:sp>
         <p:nvSpPr>
-          <p:cNvPr id="36" name="직사각형 35">
-            <a:extLst>
-              <a:ext uri="{FF2B5EF4-FFF2-40B4-BE49-F238E27FC236}">
-                <a16:creationId xmlns:a16="http://schemas.microsoft.com/office/drawing/2014/main" id="{0CE85E3D-328F-CA05-1CCA-8BF90E568F37}"/>
+          <p:cNvPr id="9" name="직사각형 8">
+            <a:extLst>
+              <a:ext uri="{FF2B5EF4-FFF2-40B4-BE49-F238E27FC236}">
+                <a16:creationId xmlns:a16="http://schemas.microsoft.com/office/drawing/2014/main" id="{C83AA804-36C9-975C-6D4D-15D78BA3896D}"/>
               </a:ext>
             </a:extLst>
           </p:cNvPr>
@@ -5343,8 +6442,8 @@
         </p:nvSpPr>
         <p:spPr>
           <a:xfrm>
-            <a:off x="387134" y="3489037"/>
-            <a:ext cx="2839170" cy="1639454"/>
+            <a:off x="8965696" y="4537363"/>
+            <a:ext cx="2757848" cy="900545"/>
           </a:xfrm>
           <a:prstGeom prst="rect">
             <a:avLst/>
@@ -5382,26 +6481,26 @@
             <a:r>
               <a:rPr lang="ko-KR" altLang="en-US" dirty="0">
                 <a:solidFill>
-                  <a:schemeClr val="tx1"/>
-                </a:solidFill>
-              </a:rPr>
-              <a:t>게임 난이도</a:t>
-            </a:r>
-            <a:endParaRPr lang="en-US" altLang="ko-KR" dirty="0">
-              <a:solidFill>
-                <a:schemeClr val="tx1"/>
-              </a:solidFill>
-            </a:endParaRPr>
-          </a:p>
-          <a:p>
-            <a:pPr algn="ctr"/>
+                  <a:schemeClr val="accent6"/>
+                </a:solidFill>
+              </a:rPr>
+              <a:t>난이도는 </a:t>
+            </a:r>
+            <a:r>
+              <a:rPr lang="en-US" altLang="ko-KR" dirty="0">
+                <a:solidFill>
+                  <a:schemeClr val="accent6"/>
+                </a:solidFill>
+              </a:rPr>
+              <a:t>3</a:t>
+            </a:r>
             <a:r>
               <a:rPr lang="ko-KR" altLang="en-US" dirty="0">
                 <a:solidFill>
                   <a:schemeClr val="accent6"/>
                 </a:solidFill>
               </a:rPr>
-              <a:t>난이도를 터치하면</a:t>
+              <a:t>개이며</a:t>
             </a:r>
             <a:endParaRPr lang="en-US" altLang="ko-KR" dirty="0">
               <a:solidFill>
@@ -5417,7 +6516,7 @@
                   <a:schemeClr val="accent6"/>
                 </a:solidFill>
               </a:rPr>
-              <a:t>해당 스테이지의 </a:t>
+              <a:t>클리어 이후에도</a:t>
             </a:r>
             <a:endParaRPr lang="en-US" altLang="ko-KR" dirty="0">
               <a:solidFill>
@@ -5433,33 +6532,142 @@
                   <a:schemeClr val="accent6"/>
                 </a:solidFill>
               </a:rPr>
-              <a:t>난이도가 설정되고</a:t>
-            </a:r>
-            <a:endParaRPr lang="en-US" altLang="ko-KR" dirty="0">
-              <a:solidFill>
-                <a:schemeClr val="accent6"/>
-              </a:solidFill>
-            </a:endParaRPr>
-          </a:p>
-          <a:p>
-            <a:pPr algn="ctr"/>
-            <a:r>
-              <a:rPr lang="ko-KR" altLang="en-US" dirty="0">
-                <a:solidFill>
-                  <a:schemeClr val="accent6"/>
-                </a:solidFill>
-              </a:rPr>
-              <a:t>게임 레벨로 이동</a:t>
-            </a:r>
-          </a:p>
-        </p:txBody>
-      </p:sp>
-      <p:sp>
-        <p:nvSpPr>
-          <p:cNvPr id="39" name="직사각형 38">
-            <a:extLst>
-              <a:ext uri="{FF2B5EF4-FFF2-40B4-BE49-F238E27FC236}">
-                <a16:creationId xmlns:a16="http://schemas.microsoft.com/office/drawing/2014/main" id="{D85FAC22-D760-B8AD-B6FB-FD48F21E73F0}"/>
+              <a:t>다음 난이도로 이동 가능</a:t>
+            </a:r>
+          </a:p>
+        </p:txBody>
+      </p:sp>
+    </p:spTree>
+    <p:extLst>
+      <p:ext uri="{BB962C8B-B14F-4D97-AF65-F5344CB8AC3E}">
+        <p14:creationId xmlns:p14="http://schemas.microsoft.com/office/powerpoint/2010/main" val="1121609598"/>
+      </p:ext>
+    </p:extLst>
+  </p:cSld>
+  <p:clrMapOvr>
+    <a:masterClrMapping/>
+  </p:clrMapOvr>
+</p:sld>
+</file>
+
+<file path=ppt/slides/slide6.xml><?xml version="1.0" encoding="utf-8"?>
+<p:sld xmlns:a="http://schemas.openxmlformats.org/drawingml/2006/main" xmlns:r="http://schemas.openxmlformats.org/officeDocument/2006/relationships" xmlns:p="http://schemas.openxmlformats.org/presentationml/2006/main">
+  <p:cSld>
+    <p:spTree>
+      <p:nvGrpSpPr>
+        <p:cNvPr id="1" name=""/>
+        <p:cNvGrpSpPr/>
+        <p:nvPr/>
+      </p:nvGrpSpPr>
+      <p:grpSpPr>
+        <a:xfrm>
+          <a:off x="0" y="0"/>
+          <a:ext cx="0" cy="0"/>
+          <a:chOff x="0" y="0"/>
+          <a:chExt cx="0" cy="0"/>
+        </a:xfrm>
+      </p:grpSpPr>
+      <p:pic>
+        <p:nvPicPr>
+          <p:cNvPr id="8" name="그림 7" descr="스크린샷, 직사각형, 사각형, 번호이(가) 표시된 사진&#10;&#10;자동 생성된 설명">
+            <a:extLst>
+              <a:ext uri="{FF2B5EF4-FFF2-40B4-BE49-F238E27FC236}">
+                <a16:creationId xmlns:a16="http://schemas.microsoft.com/office/drawing/2014/main" id="{E82DE13A-040A-DC00-7BA6-AC9744E88337}"/>
+              </a:ext>
+            </a:extLst>
+          </p:cNvPr>
+          <p:cNvPicPr>
+            <a:picLocks noChangeAspect="1"/>
+          </p:cNvPicPr>
+          <p:nvPr/>
+        </p:nvPicPr>
+        <p:blipFill>
+          <a:blip r:embed="rId2">
+            <a:extLst>
+              <a:ext uri="{28A0092B-C50C-407E-A947-70E740481C1C}">
+                <a14:useLocalDpi xmlns:a14="http://schemas.microsoft.com/office/drawing/2010/main" val="0"/>
+              </a:ext>
+            </a:extLst>
+          </a:blip>
+          <a:stretch>
+            <a:fillRect/>
+          </a:stretch>
+        </p:blipFill>
+        <p:spPr>
+          <a:xfrm>
+            <a:off x="4065275" y="0"/>
+            <a:ext cx="4061450" cy="6858000"/>
+          </a:xfrm>
+          <a:prstGeom prst="rect">
+            <a:avLst/>
+          </a:prstGeom>
+        </p:spPr>
+      </p:pic>
+      <p:sp>
+        <p:nvSpPr>
+          <p:cNvPr id="10" name="TextBox 9">
+            <a:extLst>
+              <a:ext uri="{FF2B5EF4-FFF2-40B4-BE49-F238E27FC236}">
+                <a16:creationId xmlns:a16="http://schemas.microsoft.com/office/drawing/2014/main" id="{7565B562-BC7E-0A77-C53E-845C771F04AE}"/>
+              </a:ext>
+            </a:extLst>
+          </p:cNvPr>
+          <p:cNvSpPr txBox="1"/>
+          <p:nvPr/>
+        </p:nvSpPr>
+        <p:spPr>
+          <a:xfrm>
+            <a:off x="0" y="0"/>
+            <a:ext cx="3380509" cy="523220"/>
+          </a:xfrm>
+          <a:prstGeom prst="rect">
+            <a:avLst/>
+          </a:prstGeom>
+          <a:noFill/>
+        </p:spPr>
+        <p:txBody>
+          <a:bodyPr wrap="square" rtlCol="0">
+            <a:spAutoFit/>
+          </a:bodyPr>
+          <a:lstStyle/>
+          <a:p>
+            <a:r>
+              <a:rPr lang="en-US" altLang="ko-KR" sz="2800" b="1" dirty="0">
+                <a:solidFill>
+                  <a:schemeClr val="tx1">
+                    <a:lumMod val="85000"/>
+                    <a:lumOff val="15000"/>
+                  </a:schemeClr>
+                </a:solidFill>
+                <a:latin typeface="Malgun Gothic Semilight" panose="020B0502040204020203" pitchFamily="50" charset="-127"/>
+                <a:ea typeface="Malgun Gothic Semilight" panose="020B0502040204020203" pitchFamily="50" charset="-127"/>
+                <a:cs typeface="Malgun Gothic Semilight" panose="020B0502040204020203" pitchFamily="50" charset="-127"/>
+              </a:rPr>
+              <a:t>5. </a:t>
+            </a:r>
+            <a:r>
+              <a:rPr lang="ko-KR" altLang="en-US" sz="2800" b="1" dirty="0">
+                <a:solidFill>
+                  <a:schemeClr val="tx1">
+                    <a:lumMod val="85000"/>
+                    <a:lumOff val="15000"/>
+                  </a:schemeClr>
+                </a:solidFill>
+                <a:latin typeface="Malgun Gothic Semilight" panose="020B0502040204020203" pitchFamily="50" charset="-127"/>
+                <a:ea typeface="Malgun Gothic Semilight" panose="020B0502040204020203" pitchFamily="50" charset="-127"/>
+                <a:cs typeface="Malgun Gothic Semilight" panose="020B0502040204020203" pitchFamily="50" charset="-127"/>
+              </a:rPr>
+              <a:t>플레이화면</a:t>
+            </a:r>
+          </a:p>
+        </p:txBody>
+      </p:sp>
+      <p:sp>
+        <p:nvSpPr>
+          <p:cNvPr id="15" name="직사각형 14">
+            <a:extLst>
+              <a:ext uri="{FF2B5EF4-FFF2-40B4-BE49-F238E27FC236}">
+                <a16:creationId xmlns:a16="http://schemas.microsoft.com/office/drawing/2014/main" id="{DB0D4506-D75A-785C-509D-61436931C6E7}"/>
               </a:ext>
             </a:extLst>
           </p:cNvPr>
@@ -5468,17 +6676,20 @@
         </p:nvSpPr>
         <p:spPr>
           <a:xfrm>
-            <a:off x="4710544" y="3072245"/>
-            <a:ext cx="2770909" cy="729673"/>
+            <a:off x="9275906" y="2493323"/>
+            <a:ext cx="2456296" cy="1126007"/>
           </a:xfrm>
           <a:prstGeom prst="rect">
             <a:avLst/>
           </a:prstGeom>
           <a:solidFill>
-            <a:schemeClr val="accent6">
-              <a:lumMod val="75000"/>
-            </a:schemeClr>
+            <a:schemeClr val="bg1"/>
           </a:solidFill>
+          <a:ln>
+            <a:solidFill>
+              <a:schemeClr val="tx1"/>
+            </a:solidFill>
+          </a:ln>
         </p:spPr>
         <p:style>
           <a:lnRef idx="2">
@@ -5502,30 +6713,113 @@
           <a:p>
             <a:pPr algn="ctr"/>
             <a:r>
-              <a:rPr lang="en-US" altLang="ko-KR" sz="4000" dirty="0">
-                <a:solidFill>
-                  <a:schemeClr val="bg1"/>
-                </a:solidFill>
-                <a:latin typeface="Malgun Gothic Semilight" panose="020B0502040204020203" pitchFamily="50" charset="-127"/>
-                <a:ea typeface="Malgun Gothic Semilight" panose="020B0502040204020203" pitchFamily="50" charset="-127"/>
-                <a:cs typeface="Malgun Gothic Semilight" panose="020B0502040204020203" pitchFamily="50" charset="-127"/>
-              </a:rPr>
-              <a:t>easy</a:t>
-            </a:r>
-            <a:endParaRPr lang="ko-KR" altLang="en-US" sz="4000" dirty="0">
-              <a:latin typeface="Malgun Gothic Semilight" panose="020B0502040204020203" pitchFamily="50" charset="-127"/>
-              <a:ea typeface="Malgun Gothic Semilight" panose="020B0502040204020203" pitchFamily="50" charset="-127"/>
-              <a:cs typeface="Malgun Gothic Semilight" panose="020B0502040204020203" pitchFamily="50" charset="-127"/>
+              <a:rPr lang="ko-KR" altLang="en-US" dirty="0">
+                <a:solidFill>
+                  <a:schemeClr val="tx1"/>
+                </a:solidFill>
+              </a:rPr>
+              <a:t>게임 타이머 게이지</a:t>
+            </a:r>
+            <a:endParaRPr lang="en-US" altLang="ko-KR" dirty="0">
+              <a:solidFill>
+                <a:schemeClr val="tx1"/>
+              </a:solidFill>
             </a:endParaRPr>
           </a:p>
-        </p:txBody>
-      </p:sp>
-      <p:sp>
-        <p:nvSpPr>
-          <p:cNvPr id="40" name="직사각형 39">
-            <a:extLst>
-              <a:ext uri="{FF2B5EF4-FFF2-40B4-BE49-F238E27FC236}">
-                <a16:creationId xmlns:a16="http://schemas.microsoft.com/office/drawing/2014/main" id="{DFBB78A1-9E28-41E1-325E-04277DE43B13}"/>
+          <a:p>
+            <a:pPr algn="ctr"/>
+            <a:r>
+              <a:rPr lang="ko-KR" altLang="en-US" dirty="0">
+                <a:solidFill>
+                  <a:schemeClr val="accent6"/>
+                </a:solidFill>
+              </a:rPr>
+              <a:t>전부 </a:t>
+            </a:r>
+            <a:r>
+              <a:rPr lang="ko-KR" altLang="en-US" dirty="0">
+                <a:solidFill>
+                  <a:srgbClr val="FF0000"/>
+                </a:solidFill>
+              </a:rPr>
+              <a:t>소진</a:t>
+            </a:r>
+            <a:r>
+              <a:rPr lang="ko-KR" altLang="en-US" dirty="0">
+                <a:solidFill>
+                  <a:schemeClr val="accent6"/>
+                </a:solidFill>
+              </a:rPr>
+              <a:t> 되면</a:t>
+            </a:r>
+            <a:endParaRPr lang="en-US" altLang="ko-KR" dirty="0">
+              <a:solidFill>
+                <a:schemeClr val="accent6"/>
+              </a:solidFill>
+            </a:endParaRPr>
+          </a:p>
+          <a:p>
+            <a:pPr algn="ctr"/>
+            <a:r>
+              <a:rPr lang="ko-KR" altLang="en-US" dirty="0">
+                <a:solidFill>
+                  <a:schemeClr val="accent6"/>
+                </a:solidFill>
+              </a:rPr>
+              <a:t>게임 오버가 됨</a:t>
+            </a:r>
+          </a:p>
+        </p:txBody>
+      </p:sp>
+      <p:cxnSp>
+        <p:nvCxnSpPr>
+          <p:cNvPr id="13" name="직선 화살표 연결선 12">
+            <a:extLst>
+              <a:ext uri="{FF2B5EF4-FFF2-40B4-BE49-F238E27FC236}">
+                <a16:creationId xmlns:a16="http://schemas.microsoft.com/office/drawing/2014/main" id="{4CAE6E22-BEE9-2DF9-1777-ACD46A97613E}"/>
+              </a:ext>
+            </a:extLst>
+          </p:cNvPr>
+          <p:cNvCxnSpPr>
+            <a:cxnSpLocks/>
+            <a:stCxn id="15" idx="1"/>
+            <a:endCxn id="11" idx="3"/>
+          </p:cNvCxnSpPr>
+          <p:nvPr/>
+        </p:nvCxnSpPr>
+        <p:spPr>
+          <a:xfrm flipH="1" flipV="1">
+            <a:off x="7587672" y="1546438"/>
+            <a:ext cx="1688234" cy="1509889"/>
+          </a:xfrm>
+          <a:prstGeom prst="straightConnector1">
+            <a:avLst/>
+          </a:prstGeom>
+          <a:ln>
+            <a:tailEnd type="triangle"/>
+          </a:ln>
+        </p:spPr>
+        <p:style>
+          <a:lnRef idx="2">
+            <a:schemeClr val="dk1"/>
+          </a:lnRef>
+          <a:fillRef idx="0">
+            <a:schemeClr val="dk1"/>
+          </a:fillRef>
+          <a:effectRef idx="1">
+            <a:schemeClr val="dk1"/>
+          </a:effectRef>
+          <a:fontRef idx="minor">
+            <a:schemeClr val="tx1"/>
+          </a:fontRef>
+        </p:style>
+      </p:cxnSp>
+      <p:sp>
+        <p:nvSpPr>
+          <p:cNvPr id="11" name="직사각형 10">
+            <a:extLst>
+              <a:ext uri="{FF2B5EF4-FFF2-40B4-BE49-F238E27FC236}">
+                <a16:creationId xmlns:a16="http://schemas.microsoft.com/office/drawing/2014/main" id="{3670FE83-C717-6319-4201-88078A179FB1}"/>
               </a:ext>
             </a:extLst>
           </p:cNvPr>
@@ -5534,17 +6828,19 @@
         </p:nvSpPr>
         <p:spPr>
           <a:xfrm>
-            <a:off x="4710544" y="3968172"/>
-            <a:ext cx="2770909" cy="729673"/>
+            <a:off x="4604327" y="1347856"/>
+            <a:ext cx="2983345" cy="397164"/>
           </a:xfrm>
           <a:prstGeom prst="rect">
             <a:avLst/>
           </a:prstGeom>
-          <a:solidFill>
-            <a:schemeClr val="accent6">
-              <a:lumMod val="75000"/>
-            </a:schemeClr>
-          </a:solidFill>
+          <a:noFill/>
+          <a:ln>
+            <a:solidFill>
+              <a:schemeClr val="tx1"/>
+            </a:solidFill>
+            <a:prstDash val="dash"/>
+          </a:ln>
         </p:spPr>
         <p:style>
           <a:lnRef idx="2">
@@ -5567,31 +6863,16 @@
           <a:lstStyle/>
           <a:p>
             <a:pPr algn="ctr"/>
-            <a:r>
-              <a:rPr lang="en-US" altLang="ko-KR" sz="4000" dirty="0">
-                <a:solidFill>
-                  <a:schemeClr val="bg1"/>
-                </a:solidFill>
-                <a:latin typeface="Malgun Gothic Semilight" panose="020B0502040204020203" pitchFamily="50" charset="-127"/>
-                <a:ea typeface="Malgun Gothic Semilight" panose="020B0502040204020203" pitchFamily="50" charset="-127"/>
-                <a:cs typeface="Malgun Gothic Semilight" panose="020B0502040204020203" pitchFamily="50" charset="-127"/>
-              </a:rPr>
-              <a:t>normal</a:t>
-            </a:r>
-            <a:endParaRPr lang="ko-KR" altLang="en-US" sz="4000" dirty="0">
-              <a:latin typeface="Malgun Gothic Semilight" panose="020B0502040204020203" pitchFamily="50" charset="-127"/>
-              <a:ea typeface="Malgun Gothic Semilight" panose="020B0502040204020203" pitchFamily="50" charset="-127"/>
-              <a:cs typeface="Malgun Gothic Semilight" panose="020B0502040204020203" pitchFamily="50" charset="-127"/>
-            </a:endParaRPr>
-          </a:p>
-        </p:txBody>
-      </p:sp>
-      <p:sp>
-        <p:nvSpPr>
-          <p:cNvPr id="41" name="직사각형 40">
-            <a:extLst>
-              <a:ext uri="{FF2B5EF4-FFF2-40B4-BE49-F238E27FC236}">
-                <a16:creationId xmlns:a16="http://schemas.microsoft.com/office/drawing/2014/main" id="{CF4B6ADA-E6E7-F77F-046F-30D6B9521557}"/>
+            <a:endParaRPr lang="ko-KR" altLang="en-US"/>
+          </a:p>
+        </p:txBody>
+      </p:sp>
+      <p:sp>
+        <p:nvSpPr>
+          <p:cNvPr id="22" name="직사각형 21">
+            <a:extLst>
+              <a:ext uri="{FF2B5EF4-FFF2-40B4-BE49-F238E27FC236}">
+                <a16:creationId xmlns:a16="http://schemas.microsoft.com/office/drawing/2014/main" id="{9BC7B985-D96D-96CD-CD7D-A8C7AB0F1166}"/>
               </a:ext>
             </a:extLst>
           </p:cNvPr>
@@ -5600,17 +6881,19 @@
         </p:nvSpPr>
         <p:spPr>
           <a:xfrm>
-            <a:off x="4710543" y="4864099"/>
-            <a:ext cx="2770909" cy="729673"/>
+            <a:off x="4147127" y="4045527"/>
+            <a:ext cx="3906982" cy="1948873"/>
           </a:xfrm>
           <a:prstGeom prst="rect">
             <a:avLst/>
           </a:prstGeom>
-          <a:solidFill>
-            <a:schemeClr val="accent6">
-              <a:lumMod val="75000"/>
-            </a:schemeClr>
-          </a:solidFill>
+          <a:noFill/>
+          <a:ln>
+            <a:solidFill>
+              <a:schemeClr val="tx1"/>
+            </a:solidFill>
+            <a:prstDash val="dash"/>
+          </a:ln>
         </p:spPr>
         <p:style>
           <a:lnRef idx="2">
@@ -5633,31 +6916,16 @@
           <a:lstStyle/>
           <a:p>
             <a:pPr algn="ctr"/>
-            <a:r>
-              <a:rPr lang="en-US" altLang="ko-KR" sz="4000" dirty="0">
-                <a:solidFill>
-                  <a:schemeClr val="bg1"/>
-                </a:solidFill>
-                <a:latin typeface="Malgun Gothic Semilight" panose="020B0502040204020203" pitchFamily="50" charset="-127"/>
-                <a:ea typeface="Malgun Gothic Semilight" panose="020B0502040204020203" pitchFamily="50" charset="-127"/>
-                <a:cs typeface="Malgun Gothic Semilight" panose="020B0502040204020203" pitchFamily="50" charset="-127"/>
-              </a:rPr>
-              <a:t>hard</a:t>
-            </a:r>
-            <a:endParaRPr lang="ko-KR" altLang="en-US" sz="4000" dirty="0">
-              <a:latin typeface="Malgun Gothic Semilight" panose="020B0502040204020203" pitchFamily="50" charset="-127"/>
-              <a:ea typeface="Malgun Gothic Semilight" panose="020B0502040204020203" pitchFamily="50" charset="-127"/>
-              <a:cs typeface="Malgun Gothic Semilight" panose="020B0502040204020203" pitchFamily="50" charset="-127"/>
-            </a:endParaRPr>
-          </a:p>
-        </p:txBody>
-      </p:sp>
-      <p:sp>
-        <p:nvSpPr>
-          <p:cNvPr id="8" name="화살표: 오른쪽 7">
-            <a:extLst>
-              <a:ext uri="{FF2B5EF4-FFF2-40B4-BE49-F238E27FC236}">
-                <a16:creationId xmlns:a16="http://schemas.microsoft.com/office/drawing/2014/main" id="{9D475DC7-575A-30EB-5ED1-7A0391A318DD}"/>
+            <a:endParaRPr lang="ko-KR" altLang="en-US"/>
+          </a:p>
+        </p:txBody>
+      </p:sp>
+      <p:sp>
+        <p:nvSpPr>
+          <p:cNvPr id="23" name="직사각형 22">
+            <a:extLst>
+              <a:ext uri="{FF2B5EF4-FFF2-40B4-BE49-F238E27FC236}">
+                <a16:creationId xmlns:a16="http://schemas.microsoft.com/office/drawing/2014/main" id="{273E93B7-EF2C-A54F-A8DE-03CF41F98935}"/>
               </a:ext>
             </a:extLst>
           </p:cNvPr>
@@ -5666,18 +6934,18 @@
         </p:nvSpPr>
         <p:spPr>
           <a:xfrm>
-            <a:off x="4063999" y="117974"/>
-            <a:ext cx="858983" cy="531091"/>
-          </a:xfrm>
-          <a:prstGeom prst="rightArrow">
+            <a:off x="0" y="4036829"/>
+            <a:ext cx="3952875" cy="1957571"/>
+          </a:xfrm>
+          <a:prstGeom prst="rect">
             <a:avLst/>
           </a:prstGeom>
           <a:solidFill>
-            <a:srgbClr val="FF0000"/>
+            <a:schemeClr val="bg1"/>
           </a:solidFill>
           <a:ln>
             <a:solidFill>
-              <a:srgbClr val="C00000"/>
+              <a:schemeClr val="tx1"/>
             </a:solidFill>
           </a:ln>
         </p:spPr>
@@ -5703,165 +6971,12 @@
           <a:p>
             <a:pPr algn="ctr"/>
             <a:r>
-              <a:rPr lang="ko-KR" altLang="en-US" sz="1000" dirty="0"/>
-              <a:t>돌아가기</a:t>
-            </a:r>
-          </a:p>
-        </p:txBody>
-      </p:sp>
-      <p:sp>
-        <p:nvSpPr>
-          <p:cNvPr id="52" name="직사각형 51">
-            <a:extLst>
-              <a:ext uri="{FF2B5EF4-FFF2-40B4-BE49-F238E27FC236}">
-                <a16:creationId xmlns:a16="http://schemas.microsoft.com/office/drawing/2014/main" id="{911CF34E-FD66-D9AF-8DEA-BC9DFB2F451E}"/>
-              </a:ext>
-            </a:extLst>
-          </p:cNvPr>
-          <p:cNvSpPr/>
-          <p:nvPr/>
-        </p:nvSpPr>
-        <p:spPr>
-          <a:xfrm>
-            <a:off x="4045961" y="110835"/>
-            <a:ext cx="877022" cy="538230"/>
-          </a:xfrm>
-          <a:prstGeom prst="rect">
-            <a:avLst/>
-          </a:prstGeom>
-          <a:noFill/>
-          <a:ln>
-            <a:solidFill>
-              <a:schemeClr val="tx1"/>
-            </a:solidFill>
-            <a:prstDash val="dash"/>
-          </a:ln>
-        </p:spPr>
-        <p:style>
-          <a:lnRef idx="2">
-            <a:schemeClr val="accent1">
-              <a:shade val="15000"/>
-            </a:schemeClr>
-          </a:lnRef>
-          <a:fillRef idx="1">
-            <a:schemeClr val="accent1"/>
-          </a:fillRef>
-          <a:effectRef idx="0">
-            <a:schemeClr val="accent1"/>
-          </a:effectRef>
-          <a:fontRef idx="minor">
-            <a:schemeClr val="lt1"/>
-          </a:fontRef>
-        </p:style>
-        <p:txBody>
-          <a:bodyPr rtlCol="0" anchor="ctr"/>
-          <a:lstStyle/>
-          <a:p>
-            <a:pPr algn="ctr"/>
-            <a:endParaRPr lang="ko-KR" altLang="en-US"/>
-          </a:p>
-        </p:txBody>
-      </p:sp>
-      <p:cxnSp>
-        <p:nvCxnSpPr>
-          <p:cNvPr id="53" name="직선 화살표 연결선 52">
-            <a:extLst>
-              <a:ext uri="{FF2B5EF4-FFF2-40B4-BE49-F238E27FC236}">
-                <a16:creationId xmlns:a16="http://schemas.microsoft.com/office/drawing/2014/main" id="{F41D8B12-8661-92D8-2CC6-2451AE5C7662}"/>
-              </a:ext>
-            </a:extLst>
-          </p:cNvPr>
-          <p:cNvCxnSpPr>
-            <a:cxnSpLocks/>
-            <a:stCxn id="54" idx="3"/>
-            <a:endCxn id="52" idx="1"/>
-          </p:cNvCxnSpPr>
-          <p:nvPr/>
-        </p:nvCxnSpPr>
-        <p:spPr>
-          <a:xfrm flipV="1">
-            <a:off x="3009250" y="379950"/>
-            <a:ext cx="1036711" cy="1301226"/>
-          </a:xfrm>
-          <a:prstGeom prst="straightConnector1">
-            <a:avLst/>
-          </a:prstGeom>
-          <a:ln>
-            <a:tailEnd type="triangle"/>
-          </a:ln>
-        </p:spPr>
-        <p:style>
-          <a:lnRef idx="2">
-            <a:schemeClr val="dk1"/>
-          </a:lnRef>
-          <a:fillRef idx="0">
-            <a:schemeClr val="dk1"/>
-          </a:fillRef>
-          <a:effectRef idx="1">
-            <a:schemeClr val="dk1"/>
-          </a:effectRef>
-          <a:fontRef idx="minor">
-            <a:schemeClr val="tx1"/>
-          </a:fontRef>
-        </p:style>
-      </p:cxnSp>
-      <p:sp>
-        <p:nvSpPr>
-          <p:cNvPr id="54" name="직사각형 53">
-            <a:extLst>
-              <a:ext uri="{FF2B5EF4-FFF2-40B4-BE49-F238E27FC236}">
-                <a16:creationId xmlns:a16="http://schemas.microsoft.com/office/drawing/2014/main" id="{06737EB2-E001-F45C-AAEB-C3957EAFBB2D}"/>
-              </a:ext>
-            </a:extLst>
-          </p:cNvPr>
-          <p:cNvSpPr/>
-          <p:nvPr/>
-        </p:nvSpPr>
-        <p:spPr>
-          <a:xfrm>
-            <a:off x="295564" y="1199783"/>
-            <a:ext cx="2713686" cy="962786"/>
-          </a:xfrm>
-          <a:prstGeom prst="rect">
-            <a:avLst/>
-          </a:prstGeom>
-          <a:solidFill>
-            <a:schemeClr val="bg1"/>
-          </a:solidFill>
-          <a:ln>
-            <a:solidFill>
-              <a:schemeClr val="tx1"/>
-            </a:solidFill>
-          </a:ln>
-        </p:spPr>
-        <p:style>
-          <a:lnRef idx="2">
-            <a:schemeClr val="accent1">
-              <a:shade val="15000"/>
-            </a:schemeClr>
-          </a:lnRef>
-          <a:fillRef idx="1">
-            <a:schemeClr val="accent1"/>
-          </a:fillRef>
-          <a:effectRef idx="0">
-            <a:schemeClr val="accent1"/>
-          </a:effectRef>
-          <a:fontRef idx="minor">
-            <a:schemeClr val="lt1"/>
-          </a:fontRef>
-        </p:style>
-        <p:txBody>
-          <a:bodyPr rtlCol="0" anchor="ctr"/>
-          <a:lstStyle/>
-          <a:p>
-            <a:pPr algn="ctr"/>
-            <a:r>
               <a:rPr lang="ko-KR" altLang="en-US" dirty="0">
                 <a:solidFill>
                   <a:schemeClr val="tx1"/>
                 </a:solidFill>
               </a:rPr>
-              <a:t>돌아가기</a:t>
+              <a:t>카드</a:t>
             </a:r>
             <a:endParaRPr lang="en-US" altLang="ko-KR" dirty="0">
               <a:solidFill>
@@ -5877,7 +6992,7 @@
                   <a:schemeClr val="accent6"/>
                 </a:solidFill>
               </a:rPr>
-              <a:t>터치 시</a:t>
+              <a:t>터치 시 카드를 뒤집고 효과음 출력</a:t>
             </a:r>
             <a:endParaRPr lang="en-US" altLang="ko-KR" dirty="0">
               <a:solidFill>
@@ -5893,228 +7008,23 @@
                   <a:schemeClr val="accent6"/>
                 </a:solidFill>
               </a:rPr>
-              <a:t>이전의 화면으로 </a:t>
-            </a:r>
-            <a:r>
-              <a:rPr lang="ko-KR" altLang="en-US" dirty="0" err="1">
+              <a:t>동일한 이미지의 카드가 </a:t>
+            </a:r>
+            <a:r>
+              <a:rPr lang="en-US" altLang="ko-KR" dirty="0">
                 <a:solidFill>
                   <a:schemeClr val="accent6"/>
                 </a:solidFill>
               </a:rPr>
-              <a:t>돌아감</a:t>
-            </a:r>
-            <a:endParaRPr lang="ko-KR" altLang="en-US" dirty="0">
-              <a:solidFill>
-                <a:schemeClr val="accent6"/>
-              </a:solidFill>
-            </a:endParaRPr>
-          </a:p>
-        </p:txBody>
-      </p:sp>
-    </p:spTree>
-    <p:extLst>
-      <p:ext uri="{BB962C8B-B14F-4D97-AF65-F5344CB8AC3E}">
-        <p14:creationId xmlns:p14="http://schemas.microsoft.com/office/powerpoint/2010/main" val="1121609598"/>
-      </p:ext>
-    </p:extLst>
-  </p:cSld>
-  <p:clrMapOvr>
-    <a:masterClrMapping/>
-  </p:clrMapOvr>
-</p:sld>
-</file>
-
-<file path=ppt/slides/slide5.xml><?xml version="1.0" encoding="utf-8"?>
-<p:sld xmlns:a="http://schemas.openxmlformats.org/drawingml/2006/main" xmlns:r="http://schemas.openxmlformats.org/officeDocument/2006/relationships" xmlns:p="http://schemas.openxmlformats.org/presentationml/2006/main">
-  <p:cSld>
-    <p:bg>
-      <p:bgPr>
-        <a:gradFill flip="none" rotWithShape="1">
-          <a:gsLst>
-            <a:gs pos="0">
-              <a:schemeClr val="tx1"/>
-            </a:gs>
-            <a:gs pos="18000">
-              <a:schemeClr val="tx2">
-                <a:lumMod val="75000"/>
-                <a:lumOff val="25000"/>
-              </a:schemeClr>
-            </a:gs>
-            <a:gs pos="44000">
-              <a:schemeClr val="accent1">
-                <a:lumMod val="40000"/>
-                <a:lumOff val="60000"/>
-              </a:schemeClr>
-            </a:gs>
-            <a:gs pos="100000">
-              <a:schemeClr val="accent1">
-                <a:lumMod val="20000"/>
-                <a:lumOff val="80000"/>
-              </a:schemeClr>
-            </a:gs>
-          </a:gsLst>
-          <a:lin ang="5400000" scaled="1"/>
-          <a:tileRect/>
-        </a:gradFill>
-        <a:effectLst/>
-      </p:bgPr>
-    </p:bg>
-    <p:spTree>
-      <p:nvGrpSpPr>
-        <p:cNvPr id="1" name=""/>
-        <p:cNvGrpSpPr/>
-        <p:nvPr/>
-      </p:nvGrpSpPr>
-      <p:grpSpPr>
-        <a:xfrm>
-          <a:off x="0" y="0"/>
-          <a:ext cx="0" cy="0"/>
-          <a:chOff x="0" y="0"/>
-          <a:chExt cx="0" cy="0"/>
-        </a:xfrm>
-      </p:grpSpPr>
-      <p:sp>
-        <p:nvSpPr>
-          <p:cNvPr id="10" name="TextBox 9">
-            <a:extLst>
-              <a:ext uri="{FF2B5EF4-FFF2-40B4-BE49-F238E27FC236}">
-                <a16:creationId xmlns:a16="http://schemas.microsoft.com/office/drawing/2014/main" id="{7565B562-BC7E-0A77-C53E-845C771F04AE}"/>
-              </a:ext>
-            </a:extLst>
-          </p:cNvPr>
-          <p:cNvSpPr txBox="1"/>
-          <p:nvPr/>
-        </p:nvSpPr>
-        <p:spPr>
-          <a:xfrm>
-            <a:off x="0" y="0"/>
-            <a:ext cx="3380509" cy="523220"/>
-          </a:xfrm>
-          <a:prstGeom prst="rect">
-            <a:avLst/>
-          </a:prstGeom>
-          <a:noFill/>
-        </p:spPr>
-        <p:txBody>
-          <a:bodyPr wrap="square" rtlCol="0">
-            <a:spAutoFit/>
-          </a:bodyPr>
-          <a:lstStyle/>
-          <a:p>
-            <a:r>
-              <a:rPr lang="en-US" altLang="ko-KR" sz="2800" b="1" dirty="0">
-                <a:solidFill>
-                  <a:schemeClr val="bg1"/>
-                </a:solidFill>
-                <a:latin typeface="Malgun Gothic Semilight" panose="020B0502040204020203" pitchFamily="50" charset="-127"/>
-                <a:ea typeface="Malgun Gothic Semilight" panose="020B0502040204020203" pitchFamily="50" charset="-127"/>
-                <a:cs typeface="Malgun Gothic Semilight" panose="020B0502040204020203" pitchFamily="50" charset="-127"/>
-              </a:rPr>
-              <a:t>4. </a:t>
-            </a:r>
-            <a:r>
-              <a:rPr lang="ko-KR" altLang="en-US" sz="2800" b="1" dirty="0">
-                <a:solidFill>
-                  <a:schemeClr val="bg1"/>
-                </a:solidFill>
-                <a:latin typeface="Malgun Gothic Semilight" panose="020B0502040204020203" pitchFamily="50" charset="-127"/>
-                <a:ea typeface="Malgun Gothic Semilight" panose="020B0502040204020203" pitchFamily="50" charset="-127"/>
-                <a:cs typeface="Malgun Gothic Semilight" panose="020B0502040204020203" pitchFamily="50" charset="-127"/>
-              </a:rPr>
-              <a:t>플레이화면</a:t>
-            </a:r>
-          </a:p>
-        </p:txBody>
-      </p:sp>
-      <p:sp>
-        <p:nvSpPr>
-          <p:cNvPr id="15" name="직사각형 14">
-            <a:extLst>
-              <a:ext uri="{FF2B5EF4-FFF2-40B4-BE49-F238E27FC236}">
-                <a16:creationId xmlns:a16="http://schemas.microsoft.com/office/drawing/2014/main" id="{DB0D4506-D75A-785C-509D-61436931C6E7}"/>
-              </a:ext>
-            </a:extLst>
-          </p:cNvPr>
-          <p:cNvSpPr/>
-          <p:nvPr/>
-        </p:nvSpPr>
-        <p:spPr>
-          <a:xfrm>
-            <a:off x="9202015" y="3528688"/>
-            <a:ext cx="2456296" cy="1126007"/>
-          </a:xfrm>
-          <a:prstGeom prst="rect">
-            <a:avLst/>
-          </a:prstGeom>
-          <a:solidFill>
-            <a:schemeClr val="bg1"/>
-          </a:solidFill>
-          <a:ln>
-            <a:solidFill>
-              <a:schemeClr val="tx1"/>
-            </a:solidFill>
-          </a:ln>
-        </p:spPr>
-        <p:style>
-          <a:lnRef idx="2">
-            <a:schemeClr val="accent1">
-              <a:shade val="15000"/>
-            </a:schemeClr>
-          </a:lnRef>
-          <a:fillRef idx="1">
-            <a:schemeClr val="accent1"/>
-          </a:fillRef>
-          <a:effectRef idx="0">
-            <a:schemeClr val="accent1"/>
-          </a:effectRef>
-          <a:fontRef idx="minor">
-            <a:schemeClr val="lt1"/>
-          </a:fontRef>
-        </p:style>
-        <p:txBody>
-          <a:bodyPr rtlCol="0" anchor="ctr"/>
-          <a:lstStyle/>
-          <a:p>
-            <a:pPr algn="ctr"/>
+              <a:t>2</a:t>
+            </a:r>
             <a:r>
               <a:rPr lang="ko-KR" altLang="en-US" dirty="0">
                 <a:solidFill>
-                  <a:schemeClr val="tx1"/>
-                </a:solidFill>
-              </a:rPr>
-              <a:t>게임 타이머 게이지</a:t>
-            </a:r>
-            <a:endParaRPr lang="en-US" altLang="ko-KR" dirty="0">
-              <a:solidFill>
-                <a:schemeClr val="tx1"/>
-              </a:solidFill>
-            </a:endParaRPr>
-          </a:p>
-          <a:p>
-            <a:pPr algn="ctr"/>
-            <a:r>
-              <a:rPr lang="ko-KR" altLang="en-US" dirty="0">
-                <a:solidFill>
                   <a:schemeClr val="accent6"/>
                 </a:solidFill>
               </a:rPr>
-              <a:t>전부 </a:t>
-            </a:r>
-            <a:r>
-              <a:rPr lang="ko-KR" altLang="en-US" dirty="0">
-                <a:solidFill>
-                  <a:srgbClr val="FF0000"/>
-                </a:solidFill>
-              </a:rPr>
-              <a:t>빨간색</a:t>
-            </a:r>
-            <a:r>
-              <a:rPr lang="ko-KR" altLang="en-US" dirty="0">
-                <a:solidFill>
-                  <a:schemeClr val="accent6"/>
-                </a:solidFill>
-              </a:rPr>
-              <a:t> 이 되면</a:t>
+              <a:t>개 나오면</a:t>
             </a:r>
             <a:endParaRPr lang="en-US" altLang="ko-KR" dirty="0">
               <a:solidFill>
@@ -6130,406 +7040,23 @@
                   <a:schemeClr val="accent6"/>
                 </a:solidFill>
               </a:rPr>
-              <a:t>게임 오버가 됨</a:t>
-            </a:r>
-          </a:p>
-        </p:txBody>
-      </p:sp>
-      <p:cxnSp>
-        <p:nvCxnSpPr>
-          <p:cNvPr id="13" name="직선 화살표 연결선 12">
-            <a:extLst>
-              <a:ext uri="{FF2B5EF4-FFF2-40B4-BE49-F238E27FC236}">
-                <a16:creationId xmlns:a16="http://schemas.microsoft.com/office/drawing/2014/main" id="{4CAE6E22-BEE9-2DF9-1777-ACD46A97613E}"/>
-              </a:ext>
-            </a:extLst>
-          </p:cNvPr>
-          <p:cNvCxnSpPr>
-            <a:cxnSpLocks/>
-            <a:stCxn id="15" idx="2"/>
-            <a:endCxn id="11" idx="3"/>
-          </p:cNvCxnSpPr>
-          <p:nvPr/>
-        </p:nvCxnSpPr>
-        <p:spPr>
-          <a:xfrm flipH="1">
-            <a:off x="7573818" y="4654695"/>
-            <a:ext cx="2856345" cy="1815376"/>
-          </a:xfrm>
-          <a:prstGeom prst="straightConnector1">
-            <a:avLst/>
-          </a:prstGeom>
-          <a:ln>
-            <a:tailEnd type="triangle"/>
-          </a:ln>
-        </p:spPr>
-        <p:style>
-          <a:lnRef idx="2">
-            <a:schemeClr val="dk1"/>
-          </a:lnRef>
-          <a:fillRef idx="0">
-            <a:schemeClr val="dk1"/>
-          </a:fillRef>
-          <a:effectRef idx="1">
-            <a:schemeClr val="dk1"/>
-          </a:effectRef>
-          <a:fontRef idx="minor">
-            <a:schemeClr val="tx1"/>
-          </a:fontRef>
-        </p:style>
-      </p:cxnSp>
-      <p:sp>
-        <p:nvSpPr>
-          <p:cNvPr id="11" name="직사각형 10">
-            <a:extLst>
-              <a:ext uri="{FF2B5EF4-FFF2-40B4-BE49-F238E27FC236}">
-                <a16:creationId xmlns:a16="http://schemas.microsoft.com/office/drawing/2014/main" id="{3670FE83-C717-6319-4201-88078A179FB1}"/>
-              </a:ext>
-            </a:extLst>
-          </p:cNvPr>
-          <p:cNvSpPr/>
-          <p:nvPr/>
-        </p:nvSpPr>
-        <p:spPr>
-          <a:xfrm>
-            <a:off x="4590473" y="6271489"/>
-            <a:ext cx="2983345" cy="397164"/>
-          </a:xfrm>
-          <a:prstGeom prst="rect">
-            <a:avLst/>
-          </a:prstGeom>
-          <a:noFill/>
-          <a:ln>
-            <a:solidFill>
-              <a:schemeClr val="tx1"/>
-            </a:solidFill>
-            <a:prstDash val="dash"/>
-          </a:ln>
-        </p:spPr>
-        <p:style>
-          <a:lnRef idx="2">
-            <a:schemeClr val="accent1">
-              <a:shade val="15000"/>
-            </a:schemeClr>
-          </a:lnRef>
-          <a:fillRef idx="1">
-            <a:schemeClr val="accent1"/>
-          </a:fillRef>
-          <a:effectRef idx="0">
-            <a:schemeClr val="accent1"/>
-          </a:effectRef>
-          <a:fontRef idx="minor">
-            <a:schemeClr val="lt1"/>
-          </a:fontRef>
-        </p:style>
-        <p:txBody>
-          <a:bodyPr rtlCol="0" anchor="ctr"/>
-          <a:lstStyle/>
-          <a:p>
-            <a:pPr algn="ctr"/>
-            <a:endParaRPr lang="ko-KR" altLang="en-US"/>
-          </a:p>
-        </p:txBody>
-      </p:sp>
-      <p:sp>
-        <p:nvSpPr>
-          <p:cNvPr id="17" name="직사각형 16">
-            <a:extLst>
-              <a:ext uri="{FF2B5EF4-FFF2-40B4-BE49-F238E27FC236}">
-                <a16:creationId xmlns:a16="http://schemas.microsoft.com/office/drawing/2014/main" id="{DC779903-2A61-A86E-AB76-D7BCE0612FD5}"/>
-              </a:ext>
-            </a:extLst>
-          </p:cNvPr>
-          <p:cNvSpPr/>
-          <p:nvPr/>
-        </p:nvSpPr>
-        <p:spPr>
-          <a:xfrm>
-            <a:off x="6982690" y="49141"/>
-            <a:ext cx="1206067" cy="658745"/>
-          </a:xfrm>
-          <a:prstGeom prst="rect">
-            <a:avLst/>
-          </a:prstGeom>
-          <a:noFill/>
-          <a:ln>
-            <a:solidFill>
-              <a:schemeClr val="tx1"/>
-            </a:solidFill>
-            <a:prstDash val="dash"/>
-          </a:ln>
-        </p:spPr>
-        <p:style>
-          <a:lnRef idx="2">
-            <a:schemeClr val="accent1">
-              <a:shade val="15000"/>
-            </a:schemeClr>
-          </a:lnRef>
-          <a:fillRef idx="1">
-            <a:schemeClr val="accent1"/>
-          </a:fillRef>
-          <a:effectRef idx="0">
-            <a:schemeClr val="accent1"/>
-          </a:effectRef>
-          <a:fontRef idx="minor">
-            <a:schemeClr val="lt1"/>
-          </a:fontRef>
-        </p:style>
-        <p:txBody>
-          <a:bodyPr rtlCol="0" anchor="ctr"/>
-          <a:lstStyle/>
-          <a:p>
-            <a:pPr algn="ctr"/>
-            <a:endParaRPr lang="ko-KR" altLang="en-US"/>
-          </a:p>
-        </p:txBody>
-      </p:sp>
-      <p:sp>
-        <p:nvSpPr>
-          <p:cNvPr id="18" name="직사각형 17">
-            <a:extLst>
-              <a:ext uri="{FF2B5EF4-FFF2-40B4-BE49-F238E27FC236}">
-                <a16:creationId xmlns:a16="http://schemas.microsoft.com/office/drawing/2014/main" id="{0A7FB036-217C-69EF-9A5D-96716B53499B}"/>
-              </a:ext>
-            </a:extLst>
-          </p:cNvPr>
-          <p:cNvSpPr/>
-          <p:nvPr/>
-        </p:nvSpPr>
-        <p:spPr>
-          <a:xfrm>
-            <a:off x="8811491" y="598705"/>
-            <a:ext cx="3237345" cy="878342"/>
-          </a:xfrm>
-          <a:prstGeom prst="rect">
-            <a:avLst/>
-          </a:prstGeom>
-          <a:solidFill>
-            <a:schemeClr val="bg1"/>
-          </a:solidFill>
-          <a:ln>
-            <a:solidFill>
-              <a:schemeClr val="tx1"/>
-            </a:solidFill>
-          </a:ln>
-        </p:spPr>
-        <p:style>
-          <a:lnRef idx="2">
-            <a:schemeClr val="accent1">
-              <a:shade val="15000"/>
-            </a:schemeClr>
-          </a:lnRef>
-          <a:fillRef idx="1">
-            <a:schemeClr val="accent1"/>
-          </a:fillRef>
-          <a:effectRef idx="0">
-            <a:schemeClr val="accent1"/>
-          </a:effectRef>
-          <a:fontRef idx="minor">
-            <a:schemeClr val="lt1"/>
-          </a:fontRef>
-        </p:style>
-        <p:txBody>
-          <a:bodyPr rtlCol="0" anchor="ctr"/>
-          <a:lstStyle/>
-          <a:p>
-            <a:pPr algn="ctr"/>
+              <a:t>해당 짝의 </a:t>
+            </a:r>
+            <a:r>
+              <a:rPr lang="en-US" altLang="ko-KR" dirty="0">
+                <a:solidFill>
+                  <a:schemeClr val="accent6"/>
+                </a:solidFill>
+              </a:rPr>
+              <a:t>2</a:t>
+            </a:r>
             <a:r>
               <a:rPr lang="ko-KR" altLang="en-US" dirty="0">
                 <a:solidFill>
-                  <a:schemeClr val="tx1"/>
-                </a:solidFill>
-              </a:rPr>
-              <a:t>난이도</a:t>
-            </a:r>
-            <a:endParaRPr lang="en-US" altLang="ko-KR" dirty="0">
-              <a:solidFill>
-                <a:schemeClr val="tx1"/>
-              </a:solidFill>
-            </a:endParaRPr>
-          </a:p>
-          <a:p>
-            <a:pPr algn="ctr"/>
-            <a:r>
-              <a:rPr lang="ko-KR" altLang="en-US" dirty="0">
-                <a:solidFill>
                   <a:schemeClr val="accent6"/>
                 </a:solidFill>
               </a:rPr>
-              <a:t>레벨의 현재 난이도를 표시함</a:t>
-            </a:r>
-          </a:p>
-        </p:txBody>
-      </p:sp>
-      <p:cxnSp>
-        <p:nvCxnSpPr>
-          <p:cNvPr id="19" name="직선 화살표 연결선 18">
-            <a:extLst>
-              <a:ext uri="{FF2B5EF4-FFF2-40B4-BE49-F238E27FC236}">
-                <a16:creationId xmlns:a16="http://schemas.microsoft.com/office/drawing/2014/main" id="{FC917496-F236-4DC1-9192-1D48A8FF91BE}"/>
-              </a:ext>
-            </a:extLst>
-          </p:cNvPr>
-          <p:cNvCxnSpPr>
-            <a:cxnSpLocks/>
-            <a:stCxn id="18" idx="1"/>
-            <a:endCxn id="17" idx="3"/>
-          </p:cNvCxnSpPr>
-          <p:nvPr/>
-        </p:nvCxnSpPr>
-        <p:spPr>
-          <a:xfrm flipH="1" flipV="1">
-            <a:off x="8188757" y="378514"/>
-            <a:ext cx="622734" cy="659362"/>
-          </a:xfrm>
-          <a:prstGeom prst="straightConnector1">
-            <a:avLst/>
-          </a:prstGeom>
-          <a:ln>
-            <a:tailEnd type="triangle"/>
-          </a:ln>
-        </p:spPr>
-        <p:style>
-          <a:lnRef idx="2">
-            <a:schemeClr val="dk1"/>
-          </a:lnRef>
-          <a:fillRef idx="0">
-            <a:schemeClr val="dk1"/>
-          </a:fillRef>
-          <a:effectRef idx="1">
-            <a:schemeClr val="dk1"/>
-          </a:effectRef>
-          <a:fontRef idx="minor">
-            <a:schemeClr val="tx1"/>
-          </a:fontRef>
-        </p:style>
-      </p:cxnSp>
-      <p:sp>
-        <p:nvSpPr>
-          <p:cNvPr id="22" name="직사각형 21">
-            <a:extLst>
-              <a:ext uri="{FF2B5EF4-FFF2-40B4-BE49-F238E27FC236}">
-                <a16:creationId xmlns:a16="http://schemas.microsoft.com/office/drawing/2014/main" id="{9BC7B985-D96D-96CD-CD7D-A8C7AB0F1166}"/>
-              </a:ext>
-            </a:extLst>
-          </p:cNvPr>
-          <p:cNvSpPr/>
-          <p:nvPr/>
-        </p:nvSpPr>
-        <p:spPr>
-          <a:xfrm>
-            <a:off x="4147127" y="3092875"/>
-            <a:ext cx="979344" cy="998817"/>
-          </a:xfrm>
-          <a:prstGeom prst="rect">
-            <a:avLst/>
-          </a:prstGeom>
-          <a:noFill/>
-          <a:ln>
-            <a:solidFill>
-              <a:schemeClr val="tx1"/>
-            </a:solidFill>
-            <a:prstDash val="dash"/>
-          </a:ln>
-        </p:spPr>
-        <p:style>
-          <a:lnRef idx="2">
-            <a:schemeClr val="accent1">
-              <a:shade val="15000"/>
-            </a:schemeClr>
-          </a:lnRef>
-          <a:fillRef idx="1">
-            <a:schemeClr val="accent1"/>
-          </a:fillRef>
-          <a:effectRef idx="0">
-            <a:schemeClr val="accent1"/>
-          </a:effectRef>
-          <a:fontRef idx="minor">
-            <a:schemeClr val="lt1"/>
-          </a:fontRef>
-        </p:style>
-        <p:txBody>
-          <a:bodyPr rtlCol="0" anchor="ctr"/>
-          <a:lstStyle/>
-          <a:p>
-            <a:pPr algn="ctr"/>
-            <a:endParaRPr lang="ko-KR" altLang="en-US"/>
-          </a:p>
-        </p:txBody>
-      </p:sp>
-      <p:sp>
-        <p:nvSpPr>
-          <p:cNvPr id="23" name="직사각형 22">
-            <a:extLst>
-              <a:ext uri="{FF2B5EF4-FFF2-40B4-BE49-F238E27FC236}">
-                <a16:creationId xmlns:a16="http://schemas.microsoft.com/office/drawing/2014/main" id="{273E93B7-EF2C-A54F-A8DE-03CF41F98935}"/>
-              </a:ext>
-            </a:extLst>
-          </p:cNvPr>
-          <p:cNvSpPr/>
-          <p:nvPr/>
-        </p:nvSpPr>
-        <p:spPr>
-          <a:xfrm>
-            <a:off x="0" y="2886240"/>
-            <a:ext cx="3952875" cy="1412087"/>
-          </a:xfrm>
-          <a:prstGeom prst="rect">
-            <a:avLst/>
-          </a:prstGeom>
-          <a:solidFill>
-            <a:schemeClr val="bg1"/>
-          </a:solidFill>
-          <a:ln>
-            <a:solidFill>
-              <a:schemeClr val="tx1"/>
-            </a:solidFill>
-          </a:ln>
-        </p:spPr>
-        <p:style>
-          <a:lnRef idx="2">
-            <a:schemeClr val="accent1">
-              <a:shade val="15000"/>
-            </a:schemeClr>
-          </a:lnRef>
-          <a:fillRef idx="1">
-            <a:schemeClr val="accent1"/>
-          </a:fillRef>
-          <a:effectRef idx="0">
-            <a:schemeClr val="accent1"/>
-          </a:effectRef>
-          <a:fontRef idx="minor">
-            <a:schemeClr val="lt1"/>
-          </a:fontRef>
-        </p:style>
-        <p:txBody>
-          <a:bodyPr rtlCol="0" anchor="ctr"/>
-          <a:lstStyle/>
-          <a:p>
-            <a:pPr algn="ctr"/>
-            <a:r>
-              <a:rPr lang="ko-KR" altLang="en-US" dirty="0">
-                <a:solidFill>
-                  <a:schemeClr val="tx1"/>
-                </a:solidFill>
-              </a:rPr>
-              <a:t>카드</a:t>
-            </a:r>
-            <a:endParaRPr lang="en-US" altLang="ko-KR" dirty="0">
-              <a:solidFill>
-                <a:schemeClr val="tx1"/>
-              </a:solidFill>
-            </a:endParaRPr>
-          </a:p>
-          <a:p>
-            <a:pPr algn="ctr"/>
-            <a:r>
-              <a:rPr lang="ko-KR" altLang="en-US" dirty="0">
-                <a:solidFill>
-                  <a:schemeClr val="accent6"/>
-                </a:solidFill>
-              </a:rPr>
-              <a:t>터치 시 카드를 뒤집고 효과음 출력</a:t>
+              <a:t>개 카드는 사라짐</a:t>
             </a:r>
             <a:endParaRPr lang="en-US" altLang="ko-KR" dirty="0">
               <a:solidFill>
@@ -6545,23 +7072,7 @@
                   <a:schemeClr val="accent6"/>
                 </a:solidFill>
               </a:rPr>
-              <a:t>동일한 이미지의 카드가 </a:t>
-            </a:r>
-            <a:r>
-              <a:rPr lang="en-US" altLang="ko-KR" dirty="0">
-                <a:solidFill>
-                  <a:schemeClr val="accent6"/>
-                </a:solidFill>
-              </a:rPr>
-              <a:t>2</a:t>
-            </a:r>
-            <a:r>
-              <a:rPr lang="ko-KR" altLang="en-US" dirty="0">
-                <a:solidFill>
-                  <a:schemeClr val="accent6"/>
-                </a:solidFill>
-              </a:rPr>
-              <a:t>개 나오면</a:t>
+              <a:t>난이도가 증가할 때 마다</a:t>
             </a:r>
             <a:endParaRPr lang="en-US" altLang="ko-KR" dirty="0">
               <a:solidFill>
@@ -6577,24 +7088,13 @@
                   <a:schemeClr val="accent6"/>
                 </a:solidFill>
               </a:rPr>
-              <a:t>해당 짝의 </a:t>
-            </a:r>
-            <a:r>
-              <a:rPr lang="en-US" altLang="ko-KR" dirty="0">
-                <a:solidFill>
-                  <a:schemeClr val="accent6"/>
-                </a:solidFill>
-              </a:rPr>
-              <a:t>2</a:t>
-            </a:r>
-            <a:r>
-              <a:rPr lang="ko-KR" altLang="en-US" dirty="0">
-                <a:solidFill>
-                  <a:schemeClr val="accent6"/>
-                </a:solidFill>
-              </a:rPr>
-              <a:t>개 카드는 사라짐</a:t>
-            </a:r>
+              <a:t>카드의 개수와 종류도 늘어남</a:t>
+            </a:r>
+            <a:endParaRPr lang="en-US" altLang="ko-KR" dirty="0">
+              <a:solidFill>
+                <a:schemeClr val="accent6"/>
+              </a:solidFill>
+            </a:endParaRPr>
           </a:p>
         </p:txBody>
       </p:sp>
@@ -6616,2786 +7116,8 @@
         </p:nvCxnSpPr>
         <p:spPr>
           <a:xfrm>
-            <a:off x="3952875" y="3592284"/>
-            <a:ext cx="194252" cy="0"/>
-          </a:xfrm>
-          <a:prstGeom prst="straightConnector1">
-            <a:avLst/>
-          </a:prstGeom>
-          <a:ln>
-            <a:tailEnd type="triangle"/>
-          </a:ln>
-        </p:spPr>
-        <p:style>
-          <a:lnRef idx="2">
-            <a:schemeClr val="dk1"/>
-          </a:lnRef>
-          <a:fillRef idx="0">
-            <a:schemeClr val="dk1"/>
-          </a:fillRef>
-          <a:effectRef idx="1">
-            <a:schemeClr val="dk1"/>
-          </a:effectRef>
-          <a:fontRef idx="minor">
-            <a:schemeClr val="tx1"/>
-          </a:fontRef>
-        </p:style>
-      </p:cxnSp>
-      <p:grpSp>
-        <p:nvGrpSpPr>
-          <p:cNvPr id="12" name="그룹 11">
-            <a:extLst>
-              <a:ext uri="{FF2B5EF4-FFF2-40B4-BE49-F238E27FC236}">
-                <a16:creationId xmlns:a16="http://schemas.microsoft.com/office/drawing/2014/main" id="{2CB9429F-8FC6-A47D-4CC0-8FD17A2A71DA}"/>
-              </a:ext>
-            </a:extLst>
-          </p:cNvPr>
-          <p:cNvGrpSpPr/>
-          <p:nvPr/>
-        </p:nvGrpSpPr>
-        <p:grpSpPr>
-          <a:xfrm>
-            <a:off x="3952875" y="0"/>
-            <a:ext cx="4286250" cy="6858000"/>
-            <a:chOff x="3952875" y="0"/>
-            <a:chExt cx="4286250" cy="6858000"/>
-          </a:xfrm>
-        </p:grpSpPr>
-        <p:pic>
-          <p:nvPicPr>
-            <p:cNvPr id="3" name="그림 2" descr="직사각형, 사각형, 스크린샷이(가) 표시된 사진&#10;&#10;자동 생성된 설명">
-              <a:extLst>
-                <a:ext uri="{FF2B5EF4-FFF2-40B4-BE49-F238E27FC236}">
-                  <a16:creationId xmlns:a16="http://schemas.microsoft.com/office/drawing/2014/main" id="{E17136D9-3D99-64EE-8D6F-72CF87EE39AC}"/>
-                </a:ext>
-              </a:extLst>
-            </p:cNvPr>
-            <p:cNvPicPr>
-              <a:picLocks noChangeAspect="1"/>
-            </p:cNvPicPr>
-            <p:nvPr/>
-          </p:nvPicPr>
-          <p:blipFill>
-            <a:blip r:embed="rId2">
-              <a:extLst>
-                <a:ext uri="{28A0092B-C50C-407E-A947-70E740481C1C}">
-                  <a14:useLocalDpi xmlns:a14="http://schemas.microsoft.com/office/drawing/2010/main" val="0"/>
-                </a:ext>
-              </a:extLst>
-            </a:blip>
-            <a:stretch>
-              <a:fillRect/>
-            </a:stretch>
-          </p:blipFill>
-          <p:spPr>
-            <a:xfrm>
-              <a:off x="3952875" y="0"/>
-              <a:ext cx="4286250" cy="6858000"/>
-            </a:xfrm>
-            <a:prstGeom prst="rect">
-              <a:avLst/>
-            </a:prstGeom>
-          </p:spPr>
-        </p:pic>
-        <p:sp>
-          <p:nvSpPr>
-            <p:cNvPr id="4" name="직사각형 3">
-              <a:extLst>
-                <a:ext uri="{FF2B5EF4-FFF2-40B4-BE49-F238E27FC236}">
-                  <a16:creationId xmlns:a16="http://schemas.microsoft.com/office/drawing/2014/main" id="{6F77CD9B-8277-07FC-3D5B-9EC6B8095D9A}"/>
-                </a:ext>
-              </a:extLst>
-            </p:cNvPr>
-            <p:cNvSpPr/>
-            <p:nvPr/>
-          </p:nvSpPr>
-          <p:spPr>
-            <a:xfrm>
-              <a:off x="4689763" y="6336143"/>
-              <a:ext cx="2812473" cy="267856"/>
-            </a:xfrm>
-            <a:prstGeom prst="rect">
-              <a:avLst/>
-            </a:prstGeom>
-            <a:solidFill>
-              <a:srgbClr val="FF0000"/>
-            </a:solidFill>
-            <a:ln>
-              <a:solidFill>
-                <a:schemeClr val="tx1"/>
-              </a:solidFill>
-            </a:ln>
-          </p:spPr>
-          <p:style>
-            <a:lnRef idx="2">
-              <a:schemeClr val="accent1">
-                <a:shade val="15000"/>
-              </a:schemeClr>
-            </a:lnRef>
-            <a:fillRef idx="1">
-              <a:schemeClr val="accent1"/>
-            </a:fillRef>
-            <a:effectRef idx="0">
-              <a:schemeClr val="accent1"/>
-            </a:effectRef>
-            <a:fontRef idx="minor">
-              <a:schemeClr val="lt1"/>
-            </a:fontRef>
-          </p:style>
-          <p:txBody>
-            <a:bodyPr rtlCol="0" anchor="ctr"/>
-            <a:lstStyle/>
-            <a:p>
-              <a:pPr algn="ctr"/>
-              <a:endParaRPr lang="ko-KR" altLang="en-US"/>
-            </a:p>
-          </p:txBody>
-        </p:sp>
-        <p:sp>
-          <p:nvSpPr>
-            <p:cNvPr id="5" name="직사각형 4">
-              <a:extLst>
-                <a:ext uri="{FF2B5EF4-FFF2-40B4-BE49-F238E27FC236}">
-                  <a16:creationId xmlns:a16="http://schemas.microsoft.com/office/drawing/2014/main" id="{20D95278-E49D-01D6-5A13-AFEBC3398482}"/>
-                </a:ext>
-              </a:extLst>
-            </p:cNvPr>
-            <p:cNvSpPr/>
-            <p:nvPr/>
-          </p:nvSpPr>
-          <p:spPr>
-            <a:xfrm>
-              <a:off x="4689764" y="6336143"/>
-              <a:ext cx="2357582" cy="267856"/>
-            </a:xfrm>
-            <a:prstGeom prst="rect">
-              <a:avLst/>
-            </a:prstGeom>
-            <a:solidFill>
-              <a:schemeClr val="accent6"/>
-            </a:solidFill>
-            <a:ln>
-              <a:solidFill>
-                <a:schemeClr val="tx1"/>
-              </a:solidFill>
-            </a:ln>
-          </p:spPr>
-          <p:style>
-            <a:lnRef idx="2">
-              <a:schemeClr val="accent1">
-                <a:shade val="15000"/>
-              </a:schemeClr>
-            </a:lnRef>
-            <a:fillRef idx="1">
-              <a:schemeClr val="accent1"/>
-            </a:fillRef>
-            <a:effectRef idx="0">
-              <a:schemeClr val="accent1"/>
-            </a:effectRef>
-            <a:fontRef idx="minor">
-              <a:schemeClr val="lt1"/>
-            </a:fontRef>
-          </p:style>
-          <p:txBody>
-            <a:bodyPr rtlCol="0" anchor="ctr"/>
-            <a:lstStyle/>
-            <a:p>
-              <a:pPr algn="ctr"/>
-              <a:endParaRPr lang="ko-KR" altLang="en-US"/>
-            </a:p>
-          </p:txBody>
-        </p:sp>
-        <p:sp>
-          <p:nvSpPr>
-            <p:cNvPr id="16" name="직사각형 15">
-              <a:extLst>
-                <a:ext uri="{FF2B5EF4-FFF2-40B4-BE49-F238E27FC236}">
-                  <a16:creationId xmlns:a16="http://schemas.microsoft.com/office/drawing/2014/main" id="{3C563D0B-1BCD-76BB-7227-8DDBB9396579}"/>
-                </a:ext>
-              </a:extLst>
-            </p:cNvPr>
-            <p:cNvSpPr/>
-            <p:nvPr/>
-          </p:nvSpPr>
-          <p:spPr>
-            <a:xfrm>
-              <a:off x="7084292" y="95325"/>
-              <a:ext cx="1034473" cy="517236"/>
-            </a:xfrm>
-            <a:prstGeom prst="rect">
-              <a:avLst/>
-            </a:prstGeom>
-            <a:solidFill>
-              <a:srgbClr val="FFFF00"/>
-            </a:solidFill>
-            <a:ln>
-              <a:solidFill>
-                <a:schemeClr val="tx1"/>
-              </a:solidFill>
-            </a:ln>
-          </p:spPr>
-          <p:style>
-            <a:lnRef idx="2">
-              <a:schemeClr val="accent1">
-                <a:shade val="15000"/>
-              </a:schemeClr>
-            </a:lnRef>
-            <a:fillRef idx="1">
-              <a:schemeClr val="accent1"/>
-            </a:fillRef>
-            <a:effectRef idx="0">
-              <a:schemeClr val="accent1"/>
-            </a:effectRef>
-            <a:fontRef idx="minor">
-              <a:schemeClr val="lt1"/>
-            </a:fontRef>
-          </p:style>
-          <p:txBody>
-            <a:bodyPr rtlCol="0" anchor="ctr"/>
-            <a:lstStyle/>
-            <a:p>
-              <a:pPr algn="ctr"/>
-              <a:r>
-                <a:rPr lang="ko-KR" altLang="en-US" dirty="0">
-                  <a:solidFill>
-                    <a:schemeClr val="tx1"/>
-                  </a:solidFill>
-                </a:rPr>
-                <a:t>난이도</a:t>
-              </a:r>
-            </a:p>
-          </p:txBody>
-        </p:sp>
-        <p:sp>
-          <p:nvSpPr>
-            <p:cNvPr id="6" name="직사각형 5">
-              <a:extLst>
-                <a:ext uri="{FF2B5EF4-FFF2-40B4-BE49-F238E27FC236}">
-                  <a16:creationId xmlns:a16="http://schemas.microsoft.com/office/drawing/2014/main" id="{542BA408-9711-514E-F513-D548E1D24B27}"/>
-                </a:ext>
-              </a:extLst>
-            </p:cNvPr>
-            <p:cNvSpPr/>
-            <p:nvPr/>
-          </p:nvSpPr>
-          <p:spPr>
-            <a:xfrm>
-              <a:off x="4689762" y="1699488"/>
-              <a:ext cx="2812473" cy="267856"/>
-            </a:xfrm>
-            <a:prstGeom prst="rect">
-              <a:avLst/>
-            </a:prstGeom>
-            <a:solidFill>
-              <a:srgbClr val="5B5AFE"/>
-            </a:solidFill>
-            <a:ln>
-              <a:solidFill>
-                <a:srgbClr val="5B5AFE"/>
-              </a:solidFill>
-            </a:ln>
-          </p:spPr>
-          <p:style>
-            <a:lnRef idx="2">
-              <a:schemeClr val="accent1">
-                <a:shade val="15000"/>
-              </a:schemeClr>
-            </a:lnRef>
-            <a:fillRef idx="1">
-              <a:schemeClr val="accent1"/>
-            </a:fillRef>
-            <a:effectRef idx="0">
-              <a:schemeClr val="accent1"/>
-            </a:effectRef>
-            <a:fontRef idx="minor">
-              <a:schemeClr val="lt1"/>
-            </a:fontRef>
-          </p:style>
-          <p:txBody>
-            <a:bodyPr rtlCol="0" anchor="ctr"/>
-            <a:lstStyle/>
-            <a:p>
-              <a:pPr algn="ctr"/>
-              <a:endParaRPr lang="ko-KR" altLang="en-US"/>
-            </a:p>
-          </p:txBody>
-        </p:sp>
-      </p:grpSp>
-    </p:spTree>
-    <p:extLst>
-      <p:ext uri="{BB962C8B-B14F-4D97-AF65-F5344CB8AC3E}">
-        <p14:creationId xmlns:p14="http://schemas.microsoft.com/office/powerpoint/2010/main" val="2112478974"/>
-      </p:ext>
-    </p:extLst>
-  </p:cSld>
-  <p:clrMapOvr>
-    <a:masterClrMapping/>
-  </p:clrMapOvr>
-</p:sld>
-</file>
-
-<file path=ppt/slides/slide6.xml><?xml version="1.0" encoding="utf-8"?>
-<p:sld xmlns:a="http://schemas.openxmlformats.org/drawingml/2006/main" xmlns:r="http://schemas.openxmlformats.org/officeDocument/2006/relationships" xmlns:p="http://schemas.openxmlformats.org/presentationml/2006/main">
-  <p:cSld>
-    <p:bg>
-      <p:bgPr>
-        <a:gradFill flip="none" rotWithShape="1">
-          <a:gsLst>
-            <a:gs pos="0">
-              <a:schemeClr val="tx1"/>
-            </a:gs>
-            <a:gs pos="18000">
-              <a:schemeClr val="tx2">
-                <a:lumMod val="75000"/>
-                <a:lumOff val="25000"/>
-              </a:schemeClr>
-            </a:gs>
-            <a:gs pos="44000">
-              <a:schemeClr val="accent1">
-                <a:lumMod val="40000"/>
-                <a:lumOff val="60000"/>
-              </a:schemeClr>
-            </a:gs>
-            <a:gs pos="100000">
-              <a:schemeClr val="accent1">
-                <a:lumMod val="20000"/>
-                <a:lumOff val="80000"/>
-              </a:schemeClr>
-            </a:gs>
-          </a:gsLst>
-          <a:lin ang="5400000" scaled="1"/>
-          <a:tileRect/>
-        </a:gradFill>
-        <a:effectLst/>
-      </p:bgPr>
-    </p:bg>
-    <p:spTree>
-      <p:nvGrpSpPr>
-        <p:cNvPr id="1" name=""/>
-        <p:cNvGrpSpPr/>
-        <p:nvPr/>
-      </p:nvGrpSpPr>
-      <p:grpSpPr>
-        <a:xfrm>
-          <a:off x="0" y="0"/>
-          <a:ext cx="0" cy="0"/>
-          <a:chOff x="0" y="0"/>
-          <a:chExt cx="0" cy="0"/>
-        </a:xfrm>
-      </p:grpSpPr>
-      <p:grpSp>
-        <p:nvGrpSpPr>
-          <p:cNvPr id="43" name="그룹 42">
-            <a:extLst>
-              <a:ext uri="{FF2B5EF4-FFF2-40B4-BE49-F238E27FC236}">
-                <a16:creationId xmlns:a16="http://schemas.microsoft.com/office/drawing/2014/main" id="{C62E15D9-AFDC-3D90-B89F-AB3B8D8FF4DD}"/>
-              </a:ext>
-            </a:extLst>
-          </p:cNvPr>
-          <p:cNvGrpSpPr/>
-          <p:nvPr/>
-        </p:nvGrpSpPr>
-        <p:grpSpPr>
-          <a:xfrm>
-            <a:off x="3952875" y="0"/>
-            <a:ext cx="4286250" cy="6858000"/>
-            <a:chOff x="3952875" y="0"/>
-            <a:chExt cx="4286250" cy="6858000"/>
-          </a:xfrm>
-        </p:grpSpPr>
-        <p:pic>
-          <p:nvPicPr>
-            <p:cNvPr id="44" name="그림 43" descr="직사각형, 사각형, 스크린샷이(가) 표시된 사진&#10;&#10;자동 생성된 설명">
-              <a:extLst>
-                <a:ext uri="{FF2B5EF4-FFF2-40B4-BE49-F238E27FC236}">
-                  <a16:creationId xmlns:a16="http://schemas.microsoft.com/office/drawing/2014/main" id="{3B6A0183-FD70-993E-97DD-5FF8A15C7A8F}"/>
-                </a:ext>
-              </a:extLst>
-            </p:cNvPr>
-            <p:cNvPicPr>
-              <a:picLocks noChangeAspect="1"/>
-            </p:cNvPicPr>
-            <p:nvPr/>
-          </p:nvPicPr>
-          <p:blipFill>
-            <a:blip r:embed="rId2">
-              <a:extLst>
-                <a:ext uri="{28A0092B-C50C-407E-A947-70E740481C1C}">
-                  <a14:useLocalDpi xmlns:a14="http://schemas.microsoft.com/office/drawing/2010/main" val="0"/>
-                </a:ext>
-              </a:extLst>
-            </a:blip>
-            <a:stretch>
-              <a:fillRect/>
-            </a:stretch>
-          </p:blipFill>
-          <p:spPr>
-            <a:xfrm>
-              <a:off x="3952875" y="0"/>
-              <a:ext cx="4286250" cy="6858000"/>
-            </a:xfrm>
-            <a:prstGeom prst="rect">
-              <a:avLst/>
-            </a:prstGeom>
-          </p:spPr>
-        </p:pic>
-        <p:sp>
-          <p:nvSpPr>
-            <p:cNvPr id="45" name="직사각형 44">
-              <a:extLst>
-                <a:ext uri="{FF2B5EF4-FFF2-40B4-BE49-F238E27FC236}">
-                  <a16:creationId xmlns:a16="http://schemas.microsoft.com/office/drawing/2014/main" id="{43976159-210D-F431-0C87-019C02A808A8}"/>
-                </a:ext>
-              </a:extLst>
-            </p:cNvPr>
-            <p:cNvSpPr/>
-            <p:nvPr/>
-          </p:nvSpPr>
-          <p:spPr>
-            <a:xfrm>
-              <a:off x="4689763" y="6336143"/>
-              <a:ext cx="2812473" cy="267856"/>
-            </a:xfrm>
-            <a:prstGeom prst="rect">
-              <a:avLst/>
-            </a:prstGeom>
-            <a:solidFill>
-              <a:srgbClr val="FF0000"/>
-            </a:solidFill>
-            <a:ln>
-              <a:solidFill>
-                <a:schemeClr val="tx1"/>
-              </a:solidFill>
-            </a:ln>
-          </p:spPr>
-          <p:style>
-            <a:lnRef idx="2">
-              <a:schemeClr val="accent1">
-                <a:shade val="15000"/>
-              </a:schemeClr>
-            </a:lnRef>
-            <a:fillRef idx="1">
-              <a:schemeClr val="accent1"/>
-            </a:fillRef>
-            <a:effectRef idx="0">
-              <a:schemeClr val="accent1"/>
-            </a:effectRef>
-            <a:fontRef idx="minor">
-              <a:schemeClr val="lt1"/>
-            </a:fontRef>
-          </p:style>
-          <p:txBody>
-            <a:bodyPr rtlCol="0" anchor="ctr"/>
-            <a:lstStyle/>
-            <a:p>
-              <a:pPr algn="ctr"/>
-              <a:endParaRPr lang="ko-KR" altLang="en-US"/>
-            </a:p>
-          </p:txBody>
-        </p:sp>
-        <p:sp>
-          <p:nvSpPr>
-            <p:cNvPr id="46" name="직사각형 45">
-              <a:extLst>
-                <a:ext uri="{FF2B5EF4-FFF2-40B4-BE49-F238E27FC236}">
-                  <a16:creationId xmlns:a16="http://schemas.microsoft.com/office/drawing/2014/main" id="{1A2E33EA-282C-B6A8-A1C1-C9D9DA6E0363}"/>
-                </a:ext>
-              </a:extLst>
-            </p:cNvPr>
-            <p:cNvSpPr/>
-            <p:nvPr/>
-          </p:nvSpPr>
-          <p:spPr>
-            <a:xfrm>
-              <a:off x="4689764" y="6336143"/>
-              <a:ext cx="2357582" cy="267856"/>
-            </a:xfrm>
-            <a:prstGeom prst="rect">
-              <a:avLst/>
-            </a:prstGeom>
-            <a:solidFill>
-              <a:schemeClr val="accent6"/>
-            </a:solidFill>
-            <a:ln>
-              <a:solidFill>
-                <a:schemeClr val="tx1"/>
-              </a:solidFill>
-            </a:ln>
-          </p:spPr>
-          <p:style>
-            <a:lnRef idx="2">
-              <a:schemeClr val="accent1">
-                <a:shade val="15000"/>
-              </a:schemeClr>
-            </a:lnRef>
-            <a:fillRef idx="1">
-              <a:schemeClr val="accent1"/>
-            </a:fillRef>
-            <a:effectRef idx="0">
-              <a:schemeClr val="accent1"/>
-            </a:effectRef>
-            <a:fontRef idx="minor">
-              <a:schemeClr val="lt1"/>
-            </a:fontRef>
-          </p:style>
-          <p:txBody>
-            <a:bodyPr rtlCol="0" anchor="ctr"/>
-            <a:lstStyle/>
-            <a:p>
-              <a:pPr algn="ctr"/>
-              <a:endParaRPr lang="ko-KR" altLang="en-US"/>
-            </a:p>
-          </p:txBody>
-        </p:sp>
-        <p:sp>
-          <p:nvSpPr>
-            <p:cNvPr id="47" name="직사각형 46">
-              <a:extLst>
-                <a:ext uri="{FF2B5EF4-FFF2-40B4-BE49-F238E27FC236}">
-                  <a16:creationId xmlns:a16="http://schemas.microsoft.com/office/drawing/2014/main" id="{E6758DF0-D46C-EC30-5E6D-79BBE29A741A}"/>
-                </a:ext>
-              </a:extLst>
-            </p:cNvPr>
-            <p:cNvSpPr/>
-            <p:nvPr/>
-          </p:nvSpPr>
-          <p:spPr>
-            <a:xfrm>
-              <a:off x="7084292" y="95325"/>
-              <a:ext cx="1034473" cy="517236"/>
-            </a:xfrm>
-            <a:prstGeom prst="rect">
-              <a:avLst/>
-            </a:prstGeom>
-            <a:solidFill>
-              <a:srgbClr val="FFFF00"/>
-            </a:solidFill>
-            <a:ln>
-              <a:solidFill>
-                <a:schemeClr val="tx1"/>
-              </a:solidFill>
-            </a:ln>
-          </p:spPr>
-          <p:style>
-            <a:lnRef idx="2">
-              <a:schemeClr val="accent1">
-                <a:shade val="15000"/>
-              </a:schemeClr>
-            </a:lnRef>
-            <a:fillRef idx="1">
-              <a:schemeClr val="accent1"/>
-            </a:fillRef>
-            <a:effectRef idx="0">
-              <a:schemeClr val="accent1"/>
-            </a:effectRef>
-            <a:fontRef idx="minor">
-              <a:schemeClr val="lt1"/>
-            </a:fontRef>
-          </p:style>
-          <p:txBody>
-            <a:bodyPr rtlCol="0" anchor="ctr"/>
-            <a:lstStyle/>
-            <a:p>
-              <a:pPr algn="ctr"/>
-              <a:r>
-                <a:rPr lang="ko-KR" altLang="en-US" dirty="0">
-                  <a:solidFill>
-                    <a:schemeClr val="tx1"/>
-                  </a:solidFill>
-                </a:rPr>
-                <a:t>난이도</a:t>
-              </a:r>
-            </a:p>
-          </p:txBody>
-        </p:sp>
-        <p:sp>
-          <p:nvSpPr>
-            <p:cNvPr id="48" name="직사각형 47">
-              <a:extLst>
-                <a:ext uri="{FF2B5EF4-FFF2-40B4-BE49-F238E27FC236}">
-                  <a16:creationId xmlns:a16="http://schemas.microsoft.com/office/drawing/2014/main" id="{2A3CDB84-91A1-9A4C-CF8B-4305A1AC1461}"/>
-                </a:ext>
-              </a:extLst>
-            </p:cNvPr>
-            <p:cNvSpPr/>
-            <p:nvPr/>
-          </p:nvSpPr>
-          <p:spPr>
-            <a:xfrm>
-              <a:off x="4689762" y="1699488"/>
-              <a:ext cx="2812473" cy="267856"/>
-            </a:xfrm>
-            <a:prstGeom prst="rect">
-              <a:avLst/>
-            </a:prstGeom>
-            <a:solidFill>
-              <a:srgbClr val="5B5AFE"/>
-            </a:solidFill>
-            <a:ln>
-              <a:solidFill>
-                <a:srgbClr val="5B5AFE"/>
-              </a:solidFill>
-            </a:ln>
-          </p:spPr>
-          <p:style>
-            <a:lnRef idx="2">
-              <a:schemeClr val="accent1">
-                <a:shade val="15000"/>
-              </a:schemeClr>
-            </a:lnRef>
-            <a:fillRef idx="1">
-              <a:schemeClr val="accent1"/>
-            </a:fillRef>
-            <a:effectRef idx="0">
-              <a:schemeClr val="accent1"/>
-            </a:effectRef>
-            <a:fontRef idx="minor">
-              <a:schemeClr val="lt1"/>
-            </a:fontRef>
-          </p:style>
-          <p:txBody>
-            <a:bodyPr rtlCol="0" anchor="ctr"/>
-            <a:lstStyle/>
-            <a:p>
-              <a:pPr algn="ctr"/>
-              <a:endParaRPr lang="ko-KR" altLang="en-US"/>
-            </a:p>
-          </p:txBody>
-        </p:sp>
-      </p:grpSp>
-      <p:sp>
-        <p:nvSpPr>
-          <p:cNvPr id="10" name="TextBox 9">
-            <a:extLst>
-              <a:ext uri="{FF2B5EF4-FFF2-40B4-BE49-F238E27FC236}">
-                <a16:creationId xmlns:a16="http://schemas.microsoft.com/office/drawing/2014/main" id="{7565B562-BC7E-0A77-C53E-845C771F04AE}"/>
-              </a:ext>
-            </a:extLst>
-          </p:cNvPr>
-          <p:cNvSpPr txBox="1"/>
-          <p:nvPr/>
-        </p:nvSpPr>
-        <p:spPr>
-          <a:xfrm>
-            <a:off x="0" y="0"/>
-            <a:ext cx="3380509" cy="523220"/>
-          </a:xfrm>
-          <a:prstGeom prst="rect">
-            <a:avLst/>
-          </a:prstGeom>
-          <a:noFill/>
-        </p:spPr>
-        <p:txBody>
-          <a:bodyPr wrap="square" rtlCol="0">
-            <a:spAutoFit/>
-          </a:bodyPr>
-          <a:lstStyle/>
-          <a:p>
-            <a:r>
-              <a:rPr lang="en-US" altLang="ko-KR" sz="2800" b="1" dirty="0">
-                <a:solidFill>
-                  <a:schemeClr val="bg1"/>
-                </a:solidFill>
-                <a:latin typeface="Malgun Gothic Semilight" panose="020B0502040204020203" pitchFamily="50" charset="-127"/>
-                <a:ea typeface="Malgun Gothic Semilight" panose="020B0502040204020203" pitchFamily="50" charset="-127"/>
-                <a:cs typeface="Malgun Gothic Semilight" panose="020B0502040204020203" pitchFamily="50" charset="-127"/>
-              </a:rPr>
-              <a:t>5. </a:t>
-            </a:r>
-            <a:r>
-              <a:rPr lang="ko-KR" altLang="en-US" sz="2800" b="1" dirty="0">
-                <a:solidFill>
-                  <a:schemeClr val="bg1"/>
-                </a:solidFill>
-                <a:latin typeface="Malgun Gothic Semilight" panose="020B0502040204020203" pitchFamily="50" charset="-127"/>
-                <a:ea typeface="Malgun Gothic Semilight" panose="020B0502040204020203" pitchFamily="50" charset="-127"/>
-                <a:cs typeface="Malgun Gothic Semilight" panose="020B0502040204020203" pitchFamily="50" charset="-127"/>
-              </a:rPr>
-              <a:t>게임 오버 팝업</a:t>
-            </a:r>
-          </a:p>
-        </p:txBody>
-      </p:sp>
-      <p:sp>
-        <p:nvSpPr>
-          <p:cNvPr id="2" name="직사각형 1">
-            <a:extLst>
-              <a:ext uri="{FF2B5EF4-FFF2-40B4-BE49-F238E27FC236}">
-                <a16:creationId xmlns:a16="http://schemas.microsoft.com/office/drawing/2014/main" id="{94CE6C9E-12E7-CC01-C08B-3AF171BEBC1E}"/>
-              </a:ext>
-            </a:extLst>
-          </p:cNvPr>
-          <p:cNvSpPr/>
-          <p:nvPr/>
-        </p:nvSpPr>
-        <p:spPr>
-          <a:xfrm>
-            <a:off x="3952874" y="1"/>
-            <a:ext cx="4286251" cy="6858000"/>
-          </a:xfrm>
-          <a:prstGeom prst="rect">
-            <a:avLst/>
-          </a:prstGeom>
-          <a:solidFill>
-            <a:srgbClr val="5B5AFE">
-              <a:alpha val="45000"/>
-            </a:srgbClr>
-          </a:solidFill>
-          <a:ln>
-            <a:noFill/>
-          </a:ln>
-        </p:spPr>
-        <p:style>
-          <a:lnRef idx="2">
-            <a:schemeClr val="accent1">
-              <a:shade val="15000"/>
-            </a:schemeClr>
-          </a:lnRef>
-          <a:fillRef idx="1">
-            <a:schemeClr val="accent1"/>
-          </a:fillRef>
-          <a:effectRef idx="0">
-            <a:schemeClr val="accent1"/>
-          </a:effectRef>
-          <a:fontRef idx="minor">
-            <a:schemeClr val="lt1"/>
-          </a:fontRef>
-        </p:style>
-        <p:txBody>
-          <a:bodyPr rtlCol="0" anchor="ctr"/>
-          <a:lstStyle/>
-          <a:p>
-            <a:pPr algn="ctr"/>
-            <a:endParaRPr lang="ko-KR" altLang="en-US"/>
-          </a:p>
-        </p:txBody>
-      </p:sp>
-      <p:sp>
-        <p:nvSpPr>
-          <p:cNvPr id="7" name="TextBox 6">
-            <a:extLst>
-              <a:ext uri="{FF2B5EF4-FFF2-40B4-BE49-F238E27FC236}">
-                <a16:creationId xmlns:a16="http://schemas.microsoft.com/office/drawing/2014/main" id="{AA11AEC1-153A-1044-8F36-3B1711A86505}"/>
-              </a:ext>
-            </a:extLst>
-          </p:cNvPr>
-          <p:cNvSpPr txBox="1"/>
-          <p:nvPr/>
-        </p:nvSpPr>
-        <p:spPr>
-          <a:xfrm>
-            <a:off x="4507344" y="822037"/>
-            <a:ext cx="3177309" cy="523220"/>
-          </a:xfrm>
-          <a:prstGeom prst="rect">
-            <a:avLst/>
-          </a:prstGeom>
-          <a:noFill/>
-        </p:spPr>
-        <p:txBody>
-          <a:bodyPr wrap="square" rtlCol="0">
-            <a:spAutoFit/>
-          </a:bodyPr>
-          <a:lstStyle/>
-          <a:p>
-            <a:pPr algn="ctr"/>
-            <a:r>
-              <a:rPr lang="en-US" altLang="ko-KR" sz="2800" dirty="0">
-                <a:solidFill>
-                  <a:schemeClr val="bg1"/>
-                </a:solidFill>
-              </a:rPr>
-              <a:t>GAME OVER</a:t>
-            </a:r>
-            <a:endParaRPr lang="ko-KR" altLang="en-US" sz="2800" dirty="0">
-              <a:solidFill>
-                <a:schemeClr val="bg1"/>
-              </a:solidFill>
-            </a:endParaRPr>
-          </a:p>
-        </p:txBody>
-      </p:sp>
-      <p:sp>
-        <p:nvSpPr>
-          <p:cNvPr id="9" name="직사각형 8">
-            <a:extLst>
-              <a:ext uri="{FF2B5EF4-FFF2-40B4-BE49-F238E27FC236}">
-                <a16:creationId xmlns:a16="http://schemas.microsoft.com/office/drawing/2014/main" id="{8056D5BC-BB74-387B-A71A-06F1725394D4}"/>
-              </a:ext>
-            </a:extLst>
-          </p:cNvPr>
-          <p:cNvSpPr/>
-          <p:nvPr/>
-        </p:nvSpPr>
-        <p:spPr>
-          <a:xfrm>
-            <a:off x="5352471" y="3578409"/>
-            <a:ext cx="1487054" cy="523220"/>
-          </a:xfrm>
-          <a:prstGeom prst="rect">
-            <a:avLst/>
-          </a:prstGeom>
-          <a:solidFill>
-            <a:schemeClr val="accent6"/>
-          </a:solidFill>
-          <a:ln>
-            <a:solidFill>
-              <a:schemeClr val="tx1"/>
-            </a:solidFill>
-          </a:ln>
-        </p:spPr>
-        <p:style>
-          <a:lnRef idx="2">
-            <a:schemeClr val="accent1">
-              <a:shade val="15000"/>
-            </a:schemeClr>
-          </a:lnRef>
-          <a:fillRef idx="1">
-            <a:schemeClr val="accent1"/>
-          </a:fillRef>
-          <a:effectRef idx="0">
-            <a:schemeClr val="accent1"/>
-          </a:effectRef>
-          <a:fontRef idx="minor">
-            <a:schemeClr val="lt1"/>
-          </a:fontRef>
-        </p:style>
-        <p:txBody>
-          <a:bodyPr rtlCol="0" anchor="ctr"/>
-          <a:lstStyle/>
-          <a:p>
-            <a:pPr algn="ctr"/>
-            <a:r>
-              <a:rPr lang="en-US" altLang="ko-KR" dirty="0"/>
-              <a:t>RETRY</a:t>
-            </a:r>
-            <a:endParaRPr lang="ko-KR" altLang="en-US" dirty="0"/>
-          </a:p>
-        </p:txBody>
-      </p:sp>
-      <p:sp>
-        <p:nvSpPr>
-          <p:cNvPr id="12" name="직사각형 11">
-            <a:extLst>
-              <a:ext uri="{FF2B5EF4-FFF2-40B4-BE49-F238E27FC236}">
-                <a16:creationId xmlns:a16="http://schemas.microsoft.com/office/drawing/2014/main" id="{DA27705F-D6A9-579F-A0C5-E9175312B3B4}"/>
-              </a:ext>
-            </a:extLst>
-          </p:cNvPr>
-          <p:cNvSpPr/>
-          <p:nvPr/>
-        </p:nvSpPr>
-        <p:spPr>
-          <a:xfrm>
-            <a:off x="5352471" y="5512742"/>
-            <a:ext cx="1487054" cy="523221"/>
-          </a:xfrm>
-          <a:prstGeom prst="rect">
-            <a:avLst/>
-          </a:prstGeom>
-          <a:solidFill>
-            <a:schemeClr val="accent1">
-              <a:lumMod val="60000"/>
-              <a:lumOff val="40000"/>
-            </a:schemeClr>
-          </a:solidFill>
-          <a:ln>
-            <a:solidFill>
-              <a:schemeClr val="tx1"/>
-            </a:solidFill>
-          </a:ln>
-        </p:spPr>
-        <p:style>
-          <a:lnRef idx="2">
-            <a:schemeClr val="accent1">
-              <a:shade val="15000"/>
-            </a:schemeClr>
-          </a:lnRef>
-          <a:fillRef idx="1">
-            <a:schemeClr val="accent1"/>
-          </a:fillRef>
-          <a:effectRef idx="0">
-            <a:schemeClr val="accent1"/>
-          </a:effectRef>
-          <a:fontRef idx="minor">
-            <a:schemeClr val="lt1"/>
-          </a:fontRef>
-        </p:style>
-        <p:txBody>
-          <a:bodyPr rtlCol="0" anchor="ctr"/>
-          <a:lstStyle/>
-          <a:p>
-            <a:pPr algn="ctr"/>
-            <a:r>
-              <a:rPr lang="en-US" altLang="ko-KR" dirty="0"/>
-              <a:t>MENU</a:t>
-            </a:r>
-            <a:endParaRPr lang="ko-KR" altLang="en-US" dirty="0"/>
-          </a:p>
-        </p:txBody>
-      </p:sp>
-      <p:sp>
-        <p:nvSpPr>
-          <p:cNvPr id="14" name="직사각형 13">
-            <a:extLst>
-              <a:ext uri="{FF2B5EF4-FFF2-40B4-BE49-F238E27FC236}">
-                <a16:creationId xmlns:a16="http://schemas.microsoft.com/office/drawing/2014/main" id="{7B58C55B-7496-8560-0D15-E523BC22B14B}"/>
-              </a:ext>
-            </a:extLst>
-          </p:cNvPr>
-          <p:cNvSpPr/>
-          <p:nvPr/>
-        </p:nvSpPr>
-        <p:spPr>
-          <a:xfrm>
-            <a:off x="5024581" y="845849"/>
-            <a:ext cx="2105891" cy="523220"/>
-          </a:xfrm>
-          <a:prstGeom prst="rect">
-            <a:avLst/>
-          </a:prstGeom>
-          <a:noFill/>
-          <a:ln>
-            <a:solidFill>
-              <a:schemeClr val="tx1"/>
-            </a:solidFill>
-            <a:prstDash val="dash"/>
-          </a:ln>
-        </p:spPr>
-        <p:style>
-          <a:lnRef idx="2">
-            <a:schemeClr val="accent1">
-              <a:shade val="15000"/>
-            </a:schemeClr>
-          </a:lnRef>
-          <a:fillRef idx="1">
-            <a:schemeClr val="accent1"/>
-          </a:fillRef>
-          <a:effectRef idx="0">
-            <a:schemeClr val="accent1"/>
-          </a:effectRef>
-          <a:fontRef idx="minor">
-            <a:schemeClr val="lt1"/>
-          </a:fontRef>
-        </p:style>
-        <p:txBody>
-          <a:bodyPr rtlCol="0" anchor="ctr"/>
-          <a:lstStyle/>
-          <a:p>
-            <a:pPr algn="ctr"/>
-            <a:endParaRPr lang="ko-KR" altLang="en-US"/>
-          </a:p>
-        </p:txBody>
-      </p:sp>
-      <p:sp>
-        <p:nvSpPr>
-          <p:cNvPr id="20" name="직사각형 19">
-            <a:extLst>
-              <a:ext uri="{FF2B5EF4-FFF2-40B4-BE49-F238E27FC236}">
-                <a16:creationId xmlns:a16="http://schemas.microsoft.com/office/drawing/2014/main" id="{8759A735-7CDA-4607-94F4-9E9B97BA8347}"/>
-              </a:ext>
-            </a:extLst>
-          </p:cNvPr>
-          <p:cNvSpPr/>
-          <p:nvPr/>
-        </p:nvSpPr>
-        <p:spPr>
-          <a:xfrm>
-            <a:off x="230909" y="761374"/>
-            <a:ext cx="4082473" cy="692169"/>
-          </a:xfrm>
-          <a:prstGeom prst="rect">
-            <a:avLst/>
-          </a:prstGeom>
-          <a:solidFill>
-            <a:schemeClr val="bg1"/>
-          </a:solidFill>
-          <a:ln>
-            <a:solidFill>
-              <a:schemeClr val="tx1"/>
-            </a:solidFill>
-          </a:ln>
-        </p:spPr>
-        <p:style>
-          <a:lnRef idx="2">
-            <a:schemeClr val="accent1">
-              <a:shade val="15000"/>
-            </a:schemeClr>
-          </a:lnRef>
-          <a:fillRef idx="1">
-            <a:schemeClr val="accent1"/>
-          </a:fillRef>
-          <a:effectRef idx="0">
-            <a:schemeClr val="accent1"/>
-          </a:effectRef>
-          <a:fontRef idx="minor">
-            <a:schemeClr val="lt1"/>
-          </a:fontRef>
-        </p:style>
-        <p:txBody>
-          <a:bodyPr rtlCol="0" anchor="ctr"/>
-          <a:lstStyle/>
-          <a:p>
-            <a:pPr algn="ctr"/>
-            <a:r>
-              <a:rPr lang="ko-KR" altLang="en-US" dirty="0">
-                <a:solidFill>
-                  <a:schemeClr val="tx1"/>
-                </a:solidFill>
-              </a:rPr>
-              <a:t>게임 오버 문구</a:t>
-            </a:r>
-            <a:endParaRPr lang="en-US" altLang="ko-KR" dirty="0">
-              <a:solidFill>
-                <a:schemeClr val="tx1"/>
-              </a:solidFill>
-            </a:endParaRPr>
-          </a:p>
-          <a:p>
-            <a:pPr algn="ctr"/>
-            <a:r>
-              <a:rPr lang="ko-KR" altLang="en-US" dirty="0">
-                <a:solidFill>
-                  <a:schemeClr val="tx1"/>
-                </a:solidFill>
-              </a:rPr>
-              <a:t>게임이 오버 되었다는 걸 알리는 문구</a:t>
-            </a:r>
-            <a:endParaRPr lang="ko-KR" altLang="en-US" dirty="0">
-              <a:solidFill>
-                <a:schemeClr val="accent6"/>
-              </a:solidFill>
-            </a:endParaRPr>
-          </a:p>
-        </p:txBody>
-      </p:sp>
-      <p:cxnSp>
-        <p:nvCxnSpPr>
-          <p:cNvPr id="21" name="직선 화살표 연결선 20">
-            <a:extLst>
-              <a:ext uri="{FF2B5EF4-FFF2-40B4-BE49-F238E27FC236}">
-                <a16:creationId xmlns:a16="http://schemas.microsoft.com/office/drawing/2014/main" id="{4A37742C-57B1-D72C-CBDC-DAAB7BB95C33}"/>
-              </a:ext>
-            </a:extLst>
-          </p:cNvPr>
-          <p:cNvCxnSpPr>
-            <a:cxnSpLocks/>
-            <a:stCxn id="20" idx="3"/>
-            <a:endCxn id="14" idx="1"/>
-          </p:cNvCxnSpPr>
-          <p:nvPr/>
-        </p:nvCxnSpPr>
-        <p:spPr>
-          <a:xfrm>
-            <a:off x="4313382" y="1107459"/>
-            <a:ext cx="711199" cy="0"/>
-          </a:xfrm>
-          <a:prstGeom prst="straightConnector1">
-            <a:avLst/>
-          </a:prstGeom>
-          <a:ln>
-            <a:tailEnd type="triangle"/>
-          </a:ln>
-        </p:spPr>
-        <p:style>
-          <a:lnRef idx="2">
-            <a:schemeClr val="dk1"/>
-          </a:lnRef>
-          <a:fillRef idx="0">
-            <a:schemeClr val="dk1"/>
-          </a:fillRef>
-          <a:effectRef idx="1">
-            <a:schemeClr val="dk1"/>
-          </a:effectRef>
-          <a:fontRef idx="minor">
-            <a:schemeClr val="tx1"/>
-          </a:fontRef>
-        </p:style>
-      </p:cxnSp>
-      <p:sp>
-        <p:nvSpPr>
-          <p:cNvPr id="31" name="직사각형 30">
-            <a:extLst>
-              <a:ext uri="{FF2B5EF4-FFF2-40B4-BE49-F238E27FC236}">
-                <a16:creationId xmlns:a16="http://schemas.microsoft.com/office/drawing/2014/main" id="{97465A9A-97B0-4E2A-EAA1-11D928591199}"/>
-              </a:ext>
-            </a:extLst>
-          </p:cNvPr>
-          <p:cNvSpPr/>
-          <p:nvPr/>
-        </p:nvSpPr>
-        <p:spPr>
-          <a:xfrm>
-            <a:off x="5218543" y="3513474"/>
-            <a:ext cx="1690257" cy="692169"/>
-          </a:xfrm>
-          <a:prstGeom prst="rect">
-            <a:avLst/>
-          </a:prstGeom>
-          <a:noFill/>
-          <a:ln>
-            <a:solidFill>
-              <a:schemeClr val="tx1"/>
-            </a:solidFill>
-            <a:prstDash val="dash"/>
-          </a:ln>
-        </p:spPr>
-        <p:style>
-          <a:lnRef idx="2">
-            <a:schemeClr val="accent1">
-              <a:shade val="15000"/>
-            </a:schemeClr>
-          </a:lnRef>
-          <a:fillRef idx="1">
-            <a:schemeClr val="accent1"/>
-          </a:fillRef>
-          <a:effectRef idx="0">
-            <a:schemeClr val="accent1"/>
-          </a:effectRef>
-          <a:fontRef idx="minor">
-            <a:schemeClr val="lt1"/>
-          </a:fontRef>
-        </p:style>
-        <p:txBody>
-          <a:bodyPr rtlCol="0" anchor="ctr"/>
-          <a:lstStyle/>
-          <a:p>
-            <a:pPr algn="ctr"/>
-            <a:endParaRPr lang="ko-KR" altLang="en-US"/>
-          </a:p>
-        </p:txBody>
-      </p:sp>
-      <p:sp>
-        <p:nvSpPr>
-          <p:cNvPr id="32" name="직사각형 31">
-            <a:extLst>
-              <a:ext uri="{FF2B5EF4-FFF2-40B4-BE49-F238E27FC236}">
-                <a16:creationId xmlns:a16="http://schemas.microsoft.com/office/drawing/2014/main" id="{511FD969-4028-9332-F5D5-3ABCEDE07AD9}"/>
-              </a:ext>
-            </a:extLst>
-          </p:cNvPr>
-          <p:cNvSpPr/>
-          <p:nvPr/>
-        </p:nvSpPr>
-        <p:spPr>
-          <a:xfrm>
-            <a:off x="1189182" y="3317596"/>
-            <a:ext cx="2641598" cy="1083926"/>
-          </a:xfrm>
-          <a:prstGeom prst="rect">
-            <a:avLst/>
-          </a:prstGeom>
-          <a:solidFill>
-            <a:schemeClr val="bg1"/>
-          </a:solidFill>
-          <a:ln>
-            <a:solidFill>
-              <a:schemeClr val="tx1"/>
-            </a:solidFill>
-          </a:ln>
-        </p:spPr>
-        <p:style>
-          <a:lnRef idx="2">
-            <a:schemeClr val="accent1">
-              <a:shade val="15000"/>
-            </a:schemeClr>
-          </a:lnRef>
-          <a:fillRef idx="1">
-            <a:schemeClr val="accent1"/>
-          </a:fillRef>
-          <a:effectRef idx="0">
-            <a:schemeClr val="accent1"/>
-          </a:effectRef>
-          <a:fontRef idx="minor">
-            <a:schemeClr val="lt1"/>
-          </a:fontRef>
-        </p:style>
-        <p:txBody>
-          <a:bodyPr rtlCol="0" anchor="ctr"/>
-          <a:lstStyle/>
-          <a:p>
-            <a:pPr algn="ctr"/>
-            <a:r>
-              <a:rPr lang="ko-KR" altLang="en-US" dirty="0">
-                <a:solidFill>
-                  <a:schemeClr val="tx1"/>
-                </a:solidFill>
-              </a:rPr>
-              <a:t>재시도 버튼</a:t>
-            </a:r>
-            <a:endParaRPr lang="en-US" altLang="ko-KR" dirty="0">
-              <a:solidFill>
-                <a:schemeClr val="tx1"/>
-              </a:solidFill>
-            </a:endParaRPr>
-          </a:p>
-          <a:p>
-            <a:pPr algn="ctr"/>
-            <a:r>
-              <a:rPr lang="ko-KR" altLang="en-US" dirty="0">
-                <a:solidFill>
-                  <a:schemeClr val="accent6"/>
-                </a:solidFill>
-              </a:rPr>
-              <a:t>터치 시 게임 레벨을</a:t>
-            </a:r>
-            <a:endParaRPr lang="en-US" altLang="ko-KR" dirty="0">
-              <a:solidFill>
-                <a:schemeClr val="accent6"/>
-              </a:solidFill>
-            </a:endParaRPr>
-          </a:p>
-          <a:p>
-            <a:pPr algn="ctr"/>
-            <a:r>
-              <a:rPr lang="ko-KR" altLang="en-US" dirty="0">
-                <a:solidFill>
-                  <a:schemeClr val="accent6"/>
-                </a:solidFill>
-              </a:rPr>
-              <a:t>처음부터 재시작 함</a:t>
-            </a:r>
-          </a:p>
-        </p:txBody>
-      </p:sp>
-      <p:cxnSp>
-        <p:nvCxnSpPr>
-          <p:cNvPr id="33" name="직선 화살표 연결선 32">
-            <a:extLst>
-              <a:ext uri="{FF2B5EF4-FFF2-40B4-BE49-F238E27FC236}">
-                <a16:creationId xmlns:a16="http://schemas.microsoft.com/office/drawing/2014/main" id="{B87770EA-14DE-9F6E-514F-5B3145148B6E}"/>
-              </a:ext>
-            </a:extLst>
-          </p:cNvPr>
-          <p:cNvCxnSpPr>
-            <a:cxnSpLocks/>
-            <a:stCxn id="32" idx="3"/>
-            <a:endCxn id="31" idx="1"/>
-          </p:cNvCxnSpPr>
-          <p:nvPr/>
-        </p:nvCxnSpPr>
-        <p:spPr>
-          <a:xfrm>
-            <a:off x="3830780" y="3859559"/>
-            <a:ext cx="1387763" cy="0"/>
-          </a:xfrm>
-          <a:prstGeom prst="straightConnector1">
-            <a:avLst/>
-          </a:prstGeom>
-          <a:ln>
-            <a:tailEnd type="triangle"/>
-          </a:ln>
-        </p:spPr>
-        <p:style>
-          <a:lnRef idx="2">
-            <a:schemeClr val="dk1"/>
-          </a:lnRef>
-          <a:fillRef idx="0">
-            <a:schemeClr val="dk1"/>
-          </a:fillRef>
-          <a:effectRef idx="1">
-            <a:schemeClr val="dk1"/>
-          </a:effectRef>
-          <a:fontRef idx="minor">
-            <a:schemeClr val="tx1"/>
-          </a:fontRef>
-        </p:style>
-      </p:cxnSp>
-      <p:sp>
-        <p:nvSpPr>
-          <p:cNvPr id="39" name="직사각형 38">
-            <a:extLst>
-              <a:ext uri="{FF2B5EF4-FFF2-40B4-BE49-F238E27FC236}">
-                <a16:creationId xmlns:a16="http://schemas.microsoft.com/office/drawing/2014/main" id="{E013CBEA-4FCB-BCDD-6FBC-874BA0335457}"/>
-              </a:ext>
-            </a:extLst>
-          </p:cNvPr>
-          <p:cNvSpPr/>
-          <p:nvPr/>
-        </p:nvSpPr>
-        <p:spPr>
-          <a:xfrm>
-            <a:off x="5216232" y="5407771"/>
-            <a:ext cx="1690257" cy="692169"/>
-          </a:xfrm>
-          <a:prstGeom prst="rect">
-            <a:avLst/>
-          </a:prstGeom>
-          <a:noFill/>
-          <a:ln>
-            <a:solidFill>
-              <a:schemeClr val="tx1"/>
-            </a:solidFill>
-            <a:prstDash val="dash"/>
-          </a:ln>
-        </p:spPr>
-        <p:style>
-          <a:lnRef idx="2">
-            <a:schemeClr val="accent1">
-              <a:shade val="15000"/>
-            </a:schemeClr>
-          </a:lnRef>
-          <a:fillRef idx="1">
-            <a:schemeClr val="accent1"/>
-          </a:fillRef>
-          <a:effectRef idx="0">
-            <a:schemeClr val="accent1"/>
-          </a:effectRef>
-          <a:fontRef idx="minor">
-            <a:schemeClr val="lt1"/>
-          </a:fontRef>
-        </p:style>
-        <p:txBody>
-          <a:bodyPr rtlCol="0" anchor="ctr"/>
-          <a:lstStyle/>
-          <a:p>
-            <a:pPr algn="ctr"/>
-            <a:endParaRPr lang="ko-KR" altLang="en-US"/>
-          </a:p>
-        </p:txBody>
-      </p:sp>
-      <p:sp>
-        <p:nvSpPr>
-          <p:cNvPr id="40" name="직사각형 39">
-            <a:extLst>
-              <a:ext uri="{FF2B5EF4-FFF2-40B4-BE49-F238E27FC236}">
-                <a16:creationId xmlns:a16="http://schemas.microsoft.com/office/drawing/2014/main" id="{37F2A786-016A-DD75-D2DC-E0D2C7DBA7C2}"/>
-              </a:ext>
-            </a:extLst>
-          </p:cNvPr>
-          <p:cNvSpPr/>
-          <p:nvPr/>
-        </p:nvSpPr>
-        <p:spPr>
-          <a:xfrm>
-            <a:off x="230909" y="5211893"/>
-            <a:ext cx="3597560" cy="1083926"/>
-          </a:xfrm>
-          <a:prstGeom prst="rect">
-            <a:avLst/>
-          </a:prstGeom>
-          <a:solidFill>
-            <a:schemeClr val="bg1"/>
-          </a:solidFill>
-          <a:ln>
-            <a:solidFill>
-              <a:schemeClr val="tx1"/>
-            </a:solidFill>
-          </a:ln>
-        </p:spPr>
-        <p:style>
-          <a:lnRef idx="2">
-            <a:schemeClr val="accent1">
-              <a:shade val="15000"/>
-            </a:schemeClr>
-          </a:lnRef>
-          <a:fillRef idx="1">
-            <a:schemeClr val="accent1"/>
-          </a:fillRef>
-          <a:effectRef idx="0">
-            <a:schemeClr val="accent1"/>
-          </a:effectRef>
-          <a:fontRef idx="minor">
-            <a:schemeClr val="lt1"/>
-          </a:fontRef>
-        </p:style>
-        <p:txBody>
-          <a:bodyPr rtlCol="0" anchor="ctr"/>
-          <a:lstStyle/>
-          <a:p>
-            <a:pPr algn="ctr"/>
-            <a:r>
-              <a:rPr lang="ko-KR" altLang="en-US" dirty="0">
-                <a:solidFill>
-                  <a:schemeClr val="tx1"/>
-                </a:solidFill>
-              </a:rPr>
-              <a:t>재시도 버튼</a:t>
-            </a:r>
-            <a:endParaRPr lang="en-US" altLang="ko-KR" dirty="0">
-              <a:solidFill>
-                <a:schemeClr val="tx1"/>
-              </a:solidFill>
-            </a:endParaRPr>
-          </a:p>
-          <a:p>
-            <a:pPr algn="ctr"/>
-            <a:r>
-              <a:rPr lang="ko-KR" altLang="en-US" dirty="0">
-                <a:solidFill>
-                  <a:schemeClr val="accent6"/>
-                </a:solidFill>
-              </a:rPr>
-              <a:t>터치 시 게임을 종료하고</a:t>
-            </a:r>
-            <a:endParaRPr lang="en-US" altLang="ko-KR" dirty="0">
-              <a:solidFill>
-                <a:schemeClr val="accent6"/>
-              </a:solidFill>
-            </a:endParaRPr>
-          </a:p>
-          <a:p>
-            <a:pPr algn="ctr"/>
-            <a:r>
-              <a:rPr lang="ko-KR" altLang="en-US" dirty="0">
-                <a:solidFill>
-                  <a:schemeClr val="accent6"/>
-                </a:solidFill>
-              </a:rPr>
-              <a:t>스테이지 선택 화면으로 이동함</a:t>
-            </a:r>
-          </a:p>
-        </p:txBody>
-      </p:sp>
-      <p:cxnSp>
-        <p:nvCxnSpPr>
-          <p:cNvPr id="41" name="직선 화살표 연결선 40">
-            <a:extLst>
-              <a:ext uri="{FF2B5EF4-FFF2-40B4-BE49-F238E27FC236}">
-                <a16:creationId xmlns:a16="http://schemas.microsoft.com/office/drawing/2014/main" id="{459569BE-9237-21A9-77EA-F7EACF0C2550}"/>
-              </a:ext>
-            </a:extLst>
-          </p:cNvPr>
-          <p:cNvCxnSpPr>
-            <a:cxnSpLocks/>
-            <a:stCxn id="40" idx="3"/>
-            <a:endCxn id="39" idx="1"/>
-          </p:cNvCxnSpPr>
-          <p:nvPr/>
-        </p:nvCxnSpPr>
-        <p:spPr>
-          <a:xfrm>
-            <a:off x="3828469" y="5753856"/>
-            <a:ext cx="1387763" cy="0"/>
-          </a:xfrm>
-          <a:prstGeom prst="straightConnector1">
-            <a:avLst/>
-          </a:prstGeom>
-          <a:ln>
-            <a:tailEnd type="triangle"/>
-          </a:ln>
-        </p:spPr>
-        <p:style>
-          <a:lnRef idx="2">
-            <a:schemeClr val="dk1"/>
-          </a:lnRef>
-          <a:fillRef idx="0">
-            <a:schemeClr val="dk1"/>
-          </a:fillRef>
-          <a:effectRef idx="1">
-            <a:schemeClr val="dk1"/>
-          </a:effectRef>
-          <a:fontRef idx="minor">
-            <a:schemeClr val="tx1"/>
-          </a:fontRef>
-        </p:style>
-      </p:cxnSp>
-      <p:sp>
-        <p:nvSpPr>
-          <p:cNvPr id="49" name="직사각형 48">
-            <a:extLst>
-              <a:ext uri="{FF2B5EF4-FFF2-40B4-BE49-F238E27FC236}">
-                <a16:creationId xmlns:a16="http://schemas.microsoft.com/office/drawing/2014/main" id="{B7C5452A-6A7E-6AC6-6A5D-76777C04DE56}"/>
-              </a:ext>
-            </a:extLst>
-          </p:cNvPr>
-          <p:cNvSpPr/>
-          <p:nvPr/>
-        </p:nvSpPr>
-        <p:spPr>
-          <a:xfrm>
-            <a:off x="8811491" y="1764141"/>
-            <a:ext cx="2641598" cy="1083926"/>
-          </a:xfrm>
-          <a:prstGeom prst="rect">
-            <a:avLst/>
-          </a:prstGeom>
-          <a:solidFill>
-            <a:schemeClr val="bg1"/>
-          </a:solidFill>
-          <a:ln>
-            <a:solidFill>
-              <a:schemeClr val="tx1"/>
-            </a:solidFill>
-          </a:ln>
-        </p:spPr>
-        <p:style>
-          <a:lnRef idx="2">
-            <a:schemeClr val="accent1">
-              <a:shade val="15000"/>
-            </a:schemeClr>
-          </a:lnRef>
-          <a:fillRef idx="1">
-            <a:schemeClr val="accent1"/>
-          </a:fillRef>
-          <a:effectRef idx="0">
-            <a:schemeClr val="accent1"/>
-          </a:effectRef>
-          <a:fontRef idx="minor">
-            <a:schemeClr val="lt1"/>
-          </a:fontRef>
-        </p:style>
-        <p:txBody>
-          <a:bodyPr rtlCol="0" anchor="ctr"/>
-          <a:lstStyle/>
-          <a:p>
-            <a:pPr algn="ctr"/>
-            <a:r>
-              <a:rPr lang="ko-KR" altLang="en-US" dirty="0">
-                <a:solidFill>
-                  <a:schemeClr val="accent6"/>
-                </a:solidFill>
-              </a:rPr>
-              <a:t>별개의 씬 이 아니라</a:t>
-            </a:r>
-            <a:endParaRPr lang="en-US" altLang="ko-KR" dirty="0">
-              <a:solidFill>
-                <a:schemeClr val="accent6"/>
-              </a:solidFill>
-            </a:endParaRPr>
-          </a:p>
-          <a:p>
-            <a:pPr algn="ctr"/>
-            <a:r>
-              <a:rPr lang="ko-KR" altLang="en-US" dirty="0">
-                <a:solidFill>
-                  <a:schemeClr val="accent6"/>
-                </a:solidFill>
-              </a:rPr>
-              <a:t>팝업으로 표시됨</a:t>
-            </a:r>
-          </a:p>
-        </p:txBody>
-      </p:sp>
-    </p:spTree>
-    <p:extLst>
-      <p:ext uri="{BB962C8B-B14F-4D97-AF65-F5344CB8AC3E}">
-        <p14:creationId xmlns:p14="http://schemas.microsoft.com/office/powerpoint/2010/main" val="1603804663"/>
-      </p:ext>
-    </p:extLst>
-  </p:cSld>
-  <p:clrMapOvr>
-    <a:masterClrMapping/>
-  </p:clrMapOvr>
-</p:sld>
-</file>
-
-<file path=ppt/slides/slide7.xml><?xml version="1.0" encoding="utf-8"?>
-<p:sld xmlns:a="http://schemas.openxmlformats.org/drawingml/2006/main" xmlns:r="http://schemas.openxmlformats.org/officeDocument/2006/relationships" xmlns:p="http://schemas.openxmlformats.org/presentationml/2006/main">
-  <p:cSld>
-    <p:bg>
-      <p:bgPr>
-        <a:gradFill flip="none" rotWithShape="1">
-          <a:gsLst>
-            <a:gs pos="0">
-              <a:schemeClr val="tx1"/>
-            </a:gs>
-            <a:gs pos="18000">
-              <a:schemeClr val="tx2">
-                <a:lumMod val="75000"/>
-                <a:lumOff val="25000"/>
-              </a:schemeClr>
-            </a:gs>
-            <a:gs pos="44000">
-              <a:schemeClr val="accent1">
-                <a:lumMod val="40000"/>
-                <a:lumOff val="60000"/>
-              </a:schemeClr>
-            </a:gs>
-            <a:gs pos="100000">
-              <a:schemeClr val="accent1">
-                <a:lumMod val="20000"/>
-                <a:lumOff val="80000"/>
-              </a:schemeClr>
-            </a:gs>
-          </a:gsLst>
-          <a:lin ang="5400000" scaled="1"/>
-          <a:tileRect/>
-        </a:gradFill>
-        <a:effectLst/>
-      </p:bgPr>
-    </p:bg>
-    <p:spTree>
-      <p:nvGrpSpPr>
-        <p:cNvPr id="1" name=""/>
-        <p:cNvGrpSpPr/>
-        <p:nvPr/>
-      </p:nvGrpSpPr>
-      <p:grpSpPr>
-        <a:xfrm>
-          <a:off x="0" y="0"/>
-          <a:ext cx="0" cy="0"/>
-          <a:chOff x="0" y="0"/>
-          <a:chExt cx="0" cy="0"/>
-        </a:xfrm>
-      </p:grpSpPr>
-      <p:grpSp>
-        <p:nvGrpSpPr>
-          <p:cNvPr id="43" name="그룹 42">
-            <a:extLst>
-              <a:ext uri="{FF2B5EF4-FFF2-40B4-BE49-F238E27FC236}">
-                <a16:creationId xmlns:a16="http://schemas.microsoft.com/office/drawing/2014/main" id="{C62E15D9-AFDC-3D90-B89F-AB3B8D8FF4DD}"/>
-              </a:ext>
-            </a:extLst>
-          </p:cNvPr>
-          <p:cNvGrpSpPr/>
-          <p:nvPr/>
-        </p:nvGrpSpPr>
-        <p:grpSpPr>
-          <a:xfrm>
-            <a:off x="3952875" y="0"/>
-            <a:ext cx="4286250" cy="6858000"/>
-            <a:chOff x="3952875" y="0"/>
-            <a:chExt cx="4286250" cy="6858000"/>
-          </a:xfrm>
-        </p:grpSpPr>
-        <p:pic>
-          <p:nvPicPr>
-            <p:cNvPr id="44" name="그림 43" descr="직사각형, 사각형, 스크린샷이(가) 표시된 사진&#10;&#10;자동 생성된 설명">
-              <a:extLst>
-                <a:ext uri="{FF2B5EF4-FFF2-40B4-BE49-F238E27FC236}">
-                  <a16:creationId xmlns:a16="http://schemas.microsoft.com/office/drawing/2014/main" id="{3B6A0183-FD70-993E-97DD-5FF8A15C7A8F}"/>
-                </a:ext>
-              </a:extLst>
-            </p:cNvPr>
-            <p:cNvPicPr>
-              <a:picLocks noChangeAspect="1"/>
-            </p:cNvPicPr>
-            <p:nvPr/>
-          </p:nvPicPr>
-          <p:blipFill>
-            <a:blip r:embed="rId2">
-              <a:extLst>
-                <a:ext uri="{28A0092B-C50C-407E-A947-70E740481C1C}">
-                  <a14:useLocalDpi xmlns:a14="http://schemas.microsoft.com/office/drawing/2010/main" val="0"/>
-                </a:ext>
-              </a:extLst>
-            </a:blip>
-            <a:stretch>
-              <a:fillRect/>
-            </a:stretch>
-          </p:blipFill>
-          <p:spPr>
-            <a:xfrm>
-              <a:off x="3952875" y="0"/>
-              <a:ext cx="4286250" cy="6858000"/>
-            </a:xfrm>
-            <a:prstGeom prst="rect">
-              <a:avLst/>
-            </a:prstGeom>
-          </p:spPr>
-        </p:pic>
-        <p:sp>
-          <p:nvSpPr>
-            <p:cNvPr id="45" name="직사각형 44">
-              <a:extLst>
-                <a:ext uri="{FF2B5EF4-FFF2-40B4-BE49-F238E27FC236}">
-                  <a16:creationId xmlns:a16="http://schemas.microsoft.com/office/drawing/2014/main" id="{43976159-210D-F431-0C87-019C02A808A8}"/>
-                </a:ext>
-              </a:extLst>
-            </p:cNvPr>
-            <p:cNvSpPr/>
-            <p:nvPr/>
-          </p:nvSpPr>
-          <p:spPr>
-            <a:xfrm>
-              <a:off x="4689763" y="6336143"/>
-              <a:ext cx="2812473" cy="267856"/>
-            </a:xfrm>
-            <a:prstGeom prst="rect">
-              <a:avLst/>
-            </a:prstGeom>
-            <a:solidFill>
-              <a:srgbClr val="FF0000"/>
-            </a:solidFill>
-            <a:ln>
-              <a:solidFill>
-                <a:schemeClr val="tx1"/>
-              </a:solidFill>
-            </a:ln>
-          </p:spPr>
-          <p:style>
-            <a:lnRef idx="2">
-              <a:schemeClr val="accent1">
-                <a:shade val="15000"/>
-              </a:schemeClr>
-            </a:lnRef>
-            <a:fillRef idx="1">
-              <a:schemeClr val="accent1"/>
-            </a:fillRef>
-            <a:effectRef idx="0">
-              <a:schemeClr val="accent1"/>
-            </a:effectRef>
-            <a:fontRef idx="minor">
-              <a:schemeClr val="lt1"/>
-            </a:fontRef>
-          </p:style>
-          <p:txBody>
-            <a:bodyPr rtlCol="0" anchor="ctr"/>
-            <a:lstStyle/>
-            <a:p>
-              <a:pPr algn="ctr"/>
-              <a:endParaRPr lang="ko-KR" altLang="en-US"/>
-            </a:p>
-          </p:txBody>
-        </p:sp>
-        <p:sp>
-          <p:nvSpPr>
-            <p:cNvPr id="46" name="직사각형 45">
-              <a:extLst>
-                <a:ext uri="{FF2B5EF4-FFF2-40B4-BE49-F238E27FC236}">
-                  <a16:creationId xmlns:a16="http://schemas.microsoft.com/office/drawing/2014/main" id="{1A2E33EA-282C-B6A8-A1C1-C9D9DA6E0363}"/>
-                </a:ext>
-              </a:extLst>
-            </p:cNvPr>
-            <p:cNvSpPr/>
-            <p:nvPr/>
-          </p:nvSpPr>
-          <p:spPr>
-            <a:xfrm>
-              <a:off x="4689764" y="6336143"/>
-              <a:ext cx="2357582" cy="267856"/>
-            </a:xfrm>
-            <a:prstGeom prst="rect">
-              <a:avLst/>
-            </a:prstGeom>
-            <a:solidFill>
-              <a:schemeClr val="accent6"/>
-            </a:solidFill>
-            <a:ln>
-              <a:solidFill>
-                <a:schemeClr val="tx1"/>
-              </a:solidFill>
-            </a:ln>
-          </p:spPr>
-          <p:style>
-            <a:lnRef idx="2">
-              <a:schemeClr val="accent1">
-                <a:shade val="15000"/>
-              </a:schemeClr>
-            </a:lnRef>
-            <a:fillRef idx="1">
-              <a:schemeClr val="accent1"/>
-            </a:fillRef>
-            <a:effectRef idx="0">
-              <a:schemeClr val="accent1"/>
-            </a:effectRef>
-            <a:fontRef idx="minor">
-              <a:schemeClr val="lt1"/>
-            </a:fontRef>
-          </p:style>
-          <p:txBody>
-            <a:bodyPr rtlCol="0" anchor="ctr"/>
-            <a:lstStyle/>
-            <a:p>
-              <a:pPr algn="ctr"/>
-              <a:endParaRPr lang="ko-KR" altLang="en-US"/>
-            </a:p>
-          </p:txBody>
-        </p:sp>
-        <p:sp>
-          <p:nvSpPr>
-            <p:cNvPr id="47" name="직사각형 46">
-              <a:extLst>
-                <a:ext uri="{FF2B5EF4-FFF2-40B4-BE49-F238E27FC236}">
-                  <a16:creationId xmlns:a16="http://schemas.microsoft.com/office/drawing/2014/main" id="{E6758DF0-D46C-EC30-5E6D-79BBE29A741A}"/>
-                </a:ext>
-              </a:extLst>
-            </p:cNvPr>
-            <p:cNvSpPr/>
-            <p:nvPr/>
-          </p:nvSpPr>
-          <p:spPr>
-            <a:xfrm>
-              <a:off x="7084292" y="95325"/>
-              <a:ext cx="1034473" cy="517236"/>
-            </a:xfrm>
-            <a:prstGeom prst="rect">
-              <a:avLst/>
-            </a:prstGeom>
-            <a:solidFill>
-              <a:srgbClr val="FFFF00"/>
-            </a:solidFill>
-            <a:ln>
-              <a:solidFill>
-                <a:schemeClr val="tx1"/>
-              </a:solidFill>
-            </a:ln>
-          </p:spPr>
-          <p:style>
-            <a:lnRef idx="2">
-              <a:schemeClr val="accent1">
-                <a:shade val="15000"/>
-              </a:schemeClr>
-            </a:lnRef>
-            <a:fillRef idx="1">
-              <a:schemeClr val="accent1"/>
-            </a:fillRef>
-            <a:effectRef idx="0">
-              <a:schemeClr val="accent1"/>
-            </a:effectRef>
-            <a:fontRef idx="minor">
-              <a:schemeClr val="lt1"/>
-            </a:fontRef>
-          </p:style>
-          <p:txBody>
-            <a:bodyPr rtlCol="0" anchor="ctr"/>
-            <a:lstStyle/>
-            <a:p>
-              <a:pPr algn="ctr"/>
-              <a:r>
-                <a:rPr lang="ko-KR" altLang="en-US" dirty="0">
-                  <a:solidFill>
-                    <a:schemeClr val="tx1"/>
-                  </a:solidFill>
-                </a:rPr>
-                <a:t>난이도</a:t>
-              </a:r>
-            </a:p>
-          </p:txBody>
-        </p:sp>
-        <p:sp>
-          <p:nvSpPr>
-            <p:cNvPr id="48" name="직사각형 47">
-              <a:extLst>
-                <a:ext uri="{FF2B5EF4-FFF2-40B4-BE49-F238E27FC236}">
-                  <a16:creationId xmlns:a16="http://schemas.microsoft.com/office/drawing/2014/main" id="{2A3CDB84-91A1-9A4C-CF8B-4305A1AC1461}"/>
-                </a:ext>
-              </a:extLst>
-            </p:cNvPr>
-            <p:cNvSpPr/>
-            <p:nvPr/>
-          </p:nvSpPr>
-          <p:spPr>
-            <a:xfrm>
-              <a:off x="4689762" y="1699488"/>
-              <a:ext cx="2812473" cy="267856"/>
-            </a:xfrm>
-            <a:prstGeom prst="rect">
-              <a:avLst/>
-            </a:prstGeom>
-            <a:solidFill>
-              <a:srgbClr val="5B5AFE"/>
-            </a:solidFill>
-            <a:ln>
-              <a:solidFill>
-                <a:srgbClr val="5B5AFE"/>
-              </a:solidFill>
-            </a:ln>
-          </p:spPr>
-          <p:style>
-            <a:lnRef idx="2">
-              <a:schemeClr val="accent1">
-                <a:shade val="15000"/>
-              </a:schemeClr>
-            </a:lnRef>
-            <a:fillRef idx="1">
-              <a:schemeClr val="accent1"/>
-            </a:fillRef>
-            <a:effectRef idx="0">
-              <a:schemeClr val="accent1"/>
-            </a:effectRef>
-            <a:fontRef idx="minor">
-              <a:schemeClr val="lt1"/>
-            </a:fontRef>
-          </p:style>
-          <p:txBody>
-            <a:bodyPr rtlCol="0" anchor="ctr"/>
-            <a:lstStyle/>
-            <a:p>
-              <a:pPr algn="ctr"/>
-              <a:endParaRPr lang="ko-KR" altLang="en-US"/>
-            </a:p>
-          </p:txBody>
-        </p:sp>
-      </p:grpSp>
-      <p:sp>
-        <p:nvSpPr>
-          <p:cNvPr id="10" name="TextBox 9">
-            <a:extLst>
-              <a:ext uri="{FF2B5EF4-FFF2-40B4-BE49-F238E27FC236}">
-                <a16:creationId xmlns:a16="http://schemas.microsoft.com/office/drawing/2014/main" id="{7565B562-BC7E-0A77-C53E-845C771F04AE}"/>
-              </a:ext>
-            </a:extLst>
-          </p:cNvPr>
-          <p:cNvSpPr txBox="1"/>
-          <p:nvPr/>
-        </p:nvSpPr>
-        <p:spPr>
-          <a:xfrm>
-            <a:off x="0" y="0"/>
-            <a:ext cx="3758912" cy="523220"/>
-          </a:xfrm>
-          <a:prstGeom prst="rect">
-            <a:avLst/>
-          </a:prstGeom>
-          <a:noFill/>
-        </p:spPr>
-        <p:txBody>
-          <a:bodyPr wrap="square" rtlCol="0">
-            <a:spAutoFit/>
-          </a:bodyPr>
-          <a:lstStyle/>
-          <a:p>
-            <a:r>
-              <a:rPr lang="en-US" altLang="ko-KR" sz="2800" b="1" dirty="0">
-                <a:solidFill>
-                  <a:schemeClr val="bg1"/>
-                </a:solidFill>
-                <a:latin typeface="Malgun Gothic Semilight" panose="020B0502040204020203" pitchFamily="50" charset="-127"/>
-                <a:ea typeface="Malgun Gothic Semilight" panose="020B0502040204020203" pitchFamily="50" charset="-127"/>
-                <a:cs typeface="Malgun Gothic Semilight" panose="020B0502040204020203" pitchFamily="50" charset="-127"/>
-              </a:rPr>
-              <a:t>6. </a:t>
-            </a:r>
-            <a:r>
-              <a:rPr lang="ko-KR" altLang="en-US" sz="2800" b="1" dirty="0">
-                <a:solidFill>
-                  <a:schemeClr val="bg1"/>
-                </a:solidFill>
-                <a:latin typeface="Malgun Gothic Semilight" panose="020B0502040204020203" pitchFamily="50" charset="-127"/>
-                <a:ea typeface="Malgun Gothic Semilight" panose="020B0502040204020203" pitchFamily="50" charset="-127"/>
-                <a:cs typeface="Malgun Gothic Semilight" panose="020B0502040204020203" pitchFamily="50" charset="-127"/>
-              </a:rPr>
-              <a:t>게임 일시정지 팝업</a:t>
-            </a:r>
-          </a:p>
-        </p:txBody>
-      </p:sp>
-      <p:sp>
-        <p:nvSpPr>
-          <p:cNvPr id="2" name="직사각형 1">
-            <a:extLst>
-              <a:ext uri="{FF2B5EF4-FFF2-40B4-BE49-F238E27FC236}">
-                <a16:creationId xmlns:a16="http://schemas.microsoft.com/office/drawing/2014/main" id="{94CE6C9E-12E7-CC01-C08B-3AF171BEBC1E}"/>
-              </a:ext>
-            </a:extLst>
-          </p:cNvPr>
-          <p:cNvSpPr/>
-          <p:nvPr/>
-        </p:nvSpPr>
-        <p:spPr>
-          <a:xfrm>
-            <a:off x="3952874" y="1"/>
-            <a:ext cx="4286251" cy="6858000"/>
-          </a:xfrm>
-          <a:prstGeom prst="rect">
-            <a:avLst/>
-          </a:prstGeom>
-          <a:solidFill>
-            <a:srgbClr val="5B5AFE">
-              <a:alpha val="45000"/>
-            </a:srgbClr>
-          </a:solidFill>
-          <a:ln>
-            <a:noFill/>
-          </a:ln>
-        </p:spPr>
-        <p:style>
-          <a:lnRef idx="2">
-            <a:schemeClr val="accent1">
-              <a:shade val="15000"/>
-            </a:schemeClr>
-          </a:lnRef>
-          <a:fillRef idx="1">
-            <a:schemeClr val="accent1"/>
-          </a:fillRef>
-          <a:effectRef idx="0">
-            <a:schemeClr val="accent1"/>
-          </a:effectRef>
-          <a:fontRef idx="minor">
-            <a:schemeClr val="lt1"/>
-          </a:fontRef>
-        </p:style>
-        <p:txBody>
-          <a:bodyPr rtlCol="0" anchor="ctr"/>
-          <a:lstStyle/>
-          <a:p>
-            <a:pPr algn="ctr"/>
-            <a:endParaRPr lang="ko-KR" altLang="en-US"/>
-          </a:p>
-        </p:txBody>
-      </p:sp>
-      <p:sp>
-        <p:nvSpPr>
-          <p:cNvPr id="7" name="TextBox 6">
-            <a:extLst>
-              <a:ext uri="{FF2B5EF4-FFF2-40B4-BE49-F238E27FC236}">
-                <a16:creationId xmlns:a16="http://schemas.microsoft.com/office/drawing/2014/main" id="{AA11AEC1-153A-1044-8F36-3B1711A86505}"/>
-              </a:ext>
-            </a:extLst>
-          </p:cNvPr>
-          <p:cNvSpPr txBox="1"/>
-          <p:nvPr/>
-        </p:nvSpPr>
-        <p:spPr>
-          <a:xfrm>
-            <a:off x="4507344" y="822037"/>
-            <a:ext cx="3177309" cy="523220"/>
-          </a:xfrm>
-          <a:prstGeom prst="rect">
-            <a:avLst/>
-          </a:prstGeom>
-          <a:noFill/>
-        </p:spPr>
-        <p:txBody>
-          <a:bodyPr wrap="square" rtlCol="0">
-            <a:spAutoFit/>
-          </a:bodyPr>
-          <a:lstStyle/>
-          <a:p>
-            <a:pPr algn="ctr"/>
-            <a:r>
-              <a:rPr lang="ko-KR" altLang="en-US" sz="2800" dirty="0">
-                <a:solidFill>
-                  <a:schemeClr val="bg1"/>
-                </a:solidFill>
-              </a:rPr>
-              <a:t>일시 정지</a:t>
-            </a:r>
-          </a:p>
-        </p:txBody>
-      </p:sp>
-      <p:sp>
-        <p:nvSpPr>
-          <p:cNvPr id="9" name="직사각형 8">
-            <a:extLst>
-              <a:ext uri="{FF2B5EF4-FFF2-40B4-BE49-F238E27FC236}">
-                <a16:creationId xmlns:a16="http://schemas.microsoft.com/office/drawing/2014/main" id="{8056D5BC-BB74-387B-A71A-06F1725394D4}"/>
-              </a:ext>
-            </a:extLst>
-          </p:cNvPr>
-          <p:cNvSpPr/>
-          <p:nvPr/>
-        </p:nvSpPr>
-        <p:spPr>
-          <a:xfrm>
-            <a:off x="5352471" y="3578409"/>
-            <a:ext cx="1487054" cy="523220"/>
-          </a:xfrm>
-          <a:prstGeom prst="rect">
-            <a:avLst/>
-          </a:prstGeom>
-          <a:solidFill>
-            <a:schemeClr val="accent6"/>
-          </a:solidFill>
-          <a:ln>
-            <a:solidFill>
-              <a:schemeClr val="tx1"/>
-            </a:solidFill>
-          </a:ln>
-        </p:spPr>
-        <p:style>
-          <a:lnRef idx="2">
-            <a:schemeClr val="accent1">
-              <a:shade val="15000"/>
-            </a:schemeClr>
-          </a:lnRef>
-          <a:fillRef idx="1">
-            <a:schemeClr val="accent1"/>
-          </a:fillRef>
-          <a:effectRef idx="0">
-            <a:schemeClr val="accent1"/>
-          </a:effectRef>
-          <a:fontRef idx="minor">
-            <a:schemeClr val="lt1"/>
-          </a:fontRef>
-        </p:style>
-        <p:txBody>
-          <a:bodyPr rtlCol="0" anchor="ctr"/>
-          <a:lstStyle/>
-          <a:p>
-            <a:pPr algn="ctr"/>
-            <a:r>
-              <a:rPr lang="ko-KR" altLang="en-US" dirty="0"/>
-              <a:t>계속하기</a:t>
-            </a:r>
-          </a:p>
-        </p:txBody>
-      </p:sp>
-      <p:sp>
-        <p:nvSpPr>
-          <p:cNvPr id="12" name="직사각형 11">
-            <a:extLst>
-              <a:ext uri="{FF2B5EF4-FFF2-40B4-BE49-F238E27FC236}">
-                <a16:creationId xmlns:a16="http://schemas.microsoft.com/office/drawing/2014/main" id="{DA27705F-D6A9-579F-A0C5-E9175312B3B4}"/>
-              </a:ext>
-            </a:extLst>
-          </p:cNvPr>
-          <p:cNvSpPr/>
-          <p:nvPr/>
-        </p:nvSpPr>
-        <p:spPr>
-          <a:xfrm>
-            <a:off x="5352471" y="5512742"/>
-            <a:ext cx="1487054" cy="523221"/>
-          </a:xfrm>
-          <a:prstGeom prst="rect">
-            <a:avLst/>
-          </a:prstGeom>
-          <a:solidFill>
-            <a:schemeClr val="accent1">
-              <a:lumMod val="60000"/>
-              <a:lumOff val="40000"/>
-            </a:schemeClr>
-          </a:solidFill>
-          <a:ln>
-            <a:solidFill>
-              <a:schemeClr val="tx1"/>
-            </a:solidFill>
-          </a:ln>
-        </p:spPr>
-        <p:style>
-          <a:lnRef idx="2">
-            <a:schemeClr val="accent1">
-              <a:shade val="15000"/>
-            </a:schemeClr>
-          </a:lnRef>
-          <a:fillRef idx="1">
-            <a:schemeClr val="accent1"/>
-          </a:fillRef>
-          <a:effectRef idx="0">
-            <a:schemeClr val="accent1"/>
-          </a:effectRef>
-          <a:fontRef idx="minor">
-            <a:schemeClr val="lt1"/>
-          </a:fontRef>
-        </p:style>
-        <p:txBody>
-          <a:bodyPr rtlCol="0" anchor="ctr"/>
-          <a:lstStyle/>
-          <a:p>
-            <a:pPr algn="ctr"/>
-            <a:r>
-              <a:rPr lang="ko-KR" altLang="en-US" dirty="0"/>
-              <a:t>그만두기</a:t>
-            </a:r>
-          </a:p>
-        </p:txBody>
-      </p:sp>
-      <p:sp>
-        <p:nvSpPr>
-          <p:cNvPr id="49" name="직사각형 48">
-            <a:extLst>
-              <a:ext uri="{FF2B5EF4-FFF2-40B4-BE49-F238E27FC236}">
-                <a16:creationId xmlns:a16="http://schemas.microsoft.com/office/drawing/2014/main" id="{B7C5452A-6A7E-6AC6-6A5D-76777C04DE56}"/>
-              </a:ext>
-            </a:extLst>
-          </p:cNvPr>
-          <p:cNvSpPr/>
-          <p:nvPr/>
-        </p:nvSpPr>
-        <p:spPr>
-          <a:xfrm>
-            <a:off x="8811491" y="1764141"/>
-            <a:ext cx="2641598" cy="1083926"/>
-          </a:xfrm>
-          <a:prstGeom prst="rect">
-            <a:avLst/>
-          </a:prstGeom>
-          <a:solidFill>
-            <a:schemeClr val="bg1"/>
-          </a:solidFill>
-          <a:ln>
-            <a:solidFill>
-              <a:schemeClr val="tx1"/>
-            </a:solidFill>
-          </a:ln>
-        </p:spPr>
-        <p:style>
-          <a:lnRef idx="2">
-            <a:schemeClr val="accent1">
-              <a:shade val="15000"/>
-            </a:schemeClr>
-          </a:lnRef>
-          <a:fillRef idx="1">
-            <a:schemeClr val="accent1"/>
-          </a:fillRef>
-          <a:effectRef idx="0">
-            <a:schemeClr val="accent1"/>
-          </a:effectRef>
-          <a:fontRef idx="minor">
-            <a:schemeClr val="lt1"/>
-          </a:fontRef>
-        </p:style>
-        <p:txBody>
-          <a:bodyPr rtlCol="0" anchor="ctr"/>
-          <a:lstStyle/>
-          <a:p>
-            <a:pPr algn="ctr"/>
-            <a:r>
-              <a:rPr lang="ko-KR" altLang="en-US" dirty="0">
-                <a:solidFill>
-                  <a:schemeClr val="accent6"/>
-                </a:solidFill>
-              </a:rPr>
-              <a:t>별개의 씬 이 아니라</a:t>
-            </a:r>
-            <a:endParaRPr lang="en-US" altLang="ko-KR" dirty="0">
-              <a:solidFill>
-                <a:schemeClr val="accent6"/>
-              </a:solidFill>
-            </a:endParaRPr>
-          </a:p>
-          <a:p>
-            <a:pPr algn="ctr"/>
-            <a:r>
-              <a:rPr lang="ko-KR" altLang="en-US" dirty="0">
-                <a:solidFill>
-                  <a:schemeClr val="accent6"/>
-                </a:solidFill>
-              </a:rPr>
-              <a:t>팝업으로 표시됨</a:t>
-            </a:r>
-          </a:p>
-        </p:txBody>
-      </p:sp>
-      <p:sp>
-        <p:nvSpPr>
-          <p:cNvPr id="3" name="직사각형 2">
-            <a:extLst>
-              <a:ext uri="{FF2B5EF4-FFF2-40B4-BE49-F238E27FC236}">
-                <a16:creationId xmlns:a16="http://schemas.microsoft.com/office/drawing/2014/main" id="{2CCA787B-2A32-B107-5BE7-F06920C400BC}"/>
-              </a:ext>
-            </a:extLst>
-          </p:cNvPr>
-          <p:cNvSpPr/>
-          <p:nvPr/>
-        </p:nvSpPr>
-        <p:spPr>
-          <a:xfrm>
-            <a:off x="5024581" y="845849"/>
-            <a:ext cx="2105891" cy="523220"/>
-          </a:xfrm>
-          <a:prstGeom prst="rect">
-            <a:avLst/>
-          </a:prstGeom>
-          <a:noFill/>
-          <a:ln>
-            <a:solidFill>
-              <a:schemeClr val="tx1"/>
-            </a:solidFill>
-            <a:prstDash val="dash"/>
-          </a:ln>
-        </p:spPr>
-        <p:style>
-          <a:lnRef idx="2">
-            <a:schemeClr val="accent1">
-              <a:shade val="15000"/>
-            </a:schemeClr>
-          </a:lnRef>
-          <a:fillRef idx="1">
-            <a:schemeClr val="accent1"/>
-          </a:fillRef>
-          <a:effectRef idx="0">
-            <a:schemeClr val="accent1"/>
-          </a:effectRef>
-          <a:fontRef idx="minor">
-            <a:schemeClr val="lt1"/>
-          </a:fontRef>
-        </p:style>
-        <p:txBody>
-          <a:bodyPr rtlCol="0" anchor="ctr"/>
-          <a:lstStyle/>
-          <a:p>
-            <a:pPr algn="ctr"/>
-            <a:endParaRPr lang="ko-KR" altLang="en-US"/>
-          </a:p>
-        </p:txBody>
-      </p:sp>
-      <p:sp>
-        <p:nvSpPr>
-          <p:cNvPr id="4" name="직사각형 3">
-            <a:extLst>
-              <a:ext uri="{FF2B5EF4-FFF2-40B4-BE49-F238E27FC236}">
-                <a16:creationId xmlns:a16="http://schemas.microsoft.com/office/drawing/2014/main" id="{FE22B499-D8BE-A566-0613-48870DADFFFF}"/>
-              </a:ext>
-            </a:extLst>
-          </p:cNvPr>
-          <p:cNvSpPr/>
-          <p:nvPr/>
-        </p:nvSpPr>
-        <p:spPr>
-          <a:xfrm>
-            <a:off x="27133" y="761374"/>
-            <a:ext cx="4480210" cy="692169"/>
-          </a:xfrm>
-          <a:prstGeom prst="rect">
-            <a:avLst/>
-          </a:prstGeom>
-          <a:solidFill>
-            <a:schemeClr val="bg1"/>
-          </a:solidFill>
-          <a:ln>
-            <a:solidFill>
-              <a:schemeClr val="tx1"/>
-            </a:solidFill>
-          </a:ln>
-        </p:spPr>
-        <p:style>
-          <a:lnRef idx="2">
-            <a:schemeClr val="accent1">
-              <a:shade val="15000"/>
-            </a:schemeClr>
-          </a:lnRef>
-          <a:fillRef idx="1">
-            <a:schemeClr val="accent1"/>
-          </a:fillRef>
-          <a:effectRef idx="0">
-            <a:schemeClr val="accent1"/>
-          </a:effectRef>
-          <a:fontRef idx="minor">
-            <a:schemeClr val="lt1"/>
-          </a:fontRef>
-        </p:style>
-        <p:txBody>
-          <a:bodyPr rtlCol="0" anchor="ctr"/>
-          <a:lstStyle/>
-          <a:p>
-            <a:pPr algn="ctr"/>
-            <a:r>
-              <a:rPr lang="ko-KR" altLang="en-US" dirty="0">
-                <a:solidFill>
-                  <a:schemeClr val="tx1"/>
-                </a:solidFill>
-              </a:rPr>
-              <a:t>일시정지 문구</a:t>
-            </a:r>
-            <a:endParaRPr lang="en-US" altLang="ko-KR" dirty="0">
-              <a:solidFill>
-                <a:schemeClr val="tx1"/>
-              </a:solidFill>
-            </a:endParaRPr>
-          </a:p>
-          <a:p>
-            <a:pPr algn="ctr"/>
-            <a:r>
-              <a:rPr lang="ko-KR" altLang="en-US" dirty="0">
-                <a:solidFill>
-                  <a:schemeClr val="tx1"/>
-                </a:solidFill>
-              </a:rPr>
-              <a:t>게임이 일시정지 되었다는 걸 알리는 문구</a:t>
-            </a:r>
-            <a:endParaRPr lang="ko-KR" altLang="en-US" dirty="0">
-              <a:solidFill>
-                <a:schemeClr val="accent6"/>
-              </a:solidFill>
-            </a:endParaRPr>
-          </a:p>
-        </p:txBody>
-      </p:sp>
-      <p:cxnSp>
-        <p:nvCxnSpPr>
-          <p:cNvPr id="5" name="직선 화살표 연결선 4">
-            <a:extLst>
-              <a:ext uri="{FF2B5EF4-FFF2-40B4-BE49-F238E27FC236}">
-                <a16:creationId xmlns:a16="http://schemas.microsoft.com/office/drawing/2014/main" id="{32FF33BD-D7B9-016C-1559-F75653F73F69}"/>
-              </a:ext>
-            </a:extLst>
-          </p:cNvPr>
-          <p:cNvCxnSpPr>
-            <a:cxnSpLocks/>
-            <a:stCxn id="4" idx="3"/>
-            <a:endCxn id="3" idx="1"/>
-          </p:cNvCxnSpPr>
-          <p:nvPr/>
-        </p:nvCxnSpPr>
-        <p:spPr>
-          <a:xfrm>
-            <a:off x="4507343" y="1107459"/>
-            <a:ext cx="517238" cy="0"/>
-          </a:xfrm>
-          <a:prstGeom prst="straightConnector1">
-            <a:avLst/>
-          </a:prstGeom>
-          <a:ln>
-            <a:tailEnd type="triangle"/>
-          </a:ln>
-        </p:spPr>
-        <p:style>
-          <a:lnRef idx="2">
-            <a:schemeClr val="dk1"/>
-          </a:lnRef>
-          <a:fillRef idx="0">
-            <a:schemeClr val="dk1"/>
-          </a:fillRef>
-          <a:effectRef idx="1">
-            <a:schemeClr val="dk1"/>
-          </a:effectRef>
-          <a:fontRef idx="minor">
-            <a:schemeClr val="tx1"/>
-          </a:fontRef>
-        </p:style>
-      </p:cxnSp>
-      <p:sp>
-        <p:nvSpPr>
-          <p:cNvPr id="6" name="직사각형 5">
-            <a:extLst>
-              <a:ext uri="{FF2B5EF4-FFF2-40B4-BE49-F238E27FC236}">
-                <a16:creationId xmlns:a16="http://schemas.microsoft.com/office/drawing/2014/main" id="{B3E51745-9419-6D11-61B4-1775254EB381}"/>
-              </a:ext>
-            </a:extLst>
-          </p:cNvPr>
-          <p:cNvSpPr/>
-          <p:nvPr/>
-        </p:nvSpPr>
-        <p:spPr>
-          <a:xfrm>
-            <a:off x="5218543" y="3513474"/>
-            <a:ext cx="1690257" cy="692169"/>
-          </a:xfrm>
-          <a:prstGeom prst="rect">
-            <a:avLst/>
-          </a:prstGeom>
-          <a:noFill/>
-          <a:ln>
-            <a:solidFill>
-              <a:schemeClr val="tx1"/>
-            </a:solidFill>
-            <a:prstDash val="dash"/>
-          </a:ln>
-        </p:spPr>
-        <p:style>
-          <a:lnRef idx="2">
-            <a:schemeClr val="accent1">
-              <a:shade val="15000"/>
-            </a:schemeClr>
-          </a:lnRef>
-          <a:fillRef idx="1">
-            <a:schemeClr val="accent1"/>
-          </a:fillRef>
-          <a:effectRef idx="0">
-            <a:schemeClr val="accent1"/>
-          </a:effectRef>
-          <a:fontRef idx="minor">
-            <a:schemeClr val="lt1"/>
-          </a:fontRef>
-        </p:style>
-        <p:txBody>
-          <a:bodyPr rtlCol="0" anchor="ctr"/>
-          <a:lstStyle/>
-          <a:p>
-            <a:pPr algn="ctr"/>
-            <a:endParaRPr lang="ko-KR" altLang="en-US"/>
-          </a:p>
-        </p:txBody>
-      </p:sp>
-      <p:sp>
-        <p:nvSpPr>
-          <p:cNvPr id="8" name="직사각형 7">
-            <a:extLst>
-              <a:ext uri="{FF2B5EF4-FFF2-40B4-BE49-F238E27FC236}">
-                <a16:creationId xmlns:a16="http://schemas.microsoft.com/office/drawing/2014/main" id="{2F764712-3E85-B780-B593-1917BDA1698B}"/>
-              </a:ext>
-            </a:extLst>
-          </p:cNvPr>
-          <p:cNvSpPr/>
-          <p:nvPr/>
-        </p:nvSpPr>
-        <p:spPr>
-          <a:xfrm>
-            <a:off x="406400" y="3317596"/>
-            <a:ext cx="3424380" cy="1083926"/>
-          </a:xfrm>
-          <a:prstGeom prst="rect">
-            <a:avLst/>
-          </a:prstGeom>
-          <a:solidFill>
-            <a:schemeClr val="bg1"/>
-          </a:solidFill>
-          <a:ln>
-            <a:solidFill>
-              <a:schemeClr val="tx1"/>
-            </a:solidFill>
-          </a:ln>
-        </p:spPr>
-        <p:style>
-          <a:lnRef idx="2">
-            <a:schemeClr val="accent1">
-              <a:shade val="15000"/>
-            </a:schemeClr>
-          </a:lnRef>
-          <a:fillRef idx="1">
-            <a:schemeClr val="accent1"/>
-          </a:fillRef>
-          <a:effectRef idx="0">
-            <a:schemeClr val="accent1"/>
-          </a:effectRef>
-          <a:fontRef idx="minor">
-            <a:schemeClr val="lt1"/>
-          </a:fontRef>
-        </p:style>
-        <p:txBody>
-          <a:bodyPr rtlCol="0" anchor="ctr"/>
-          <a:lstStyle/>
-          <a:p>
-            <a:pPr algn="ctr"/>
-            <a:r>
-              <a:rPr lang="ko-KR" altLang="en-US" dirty="0">
-                <a:solidFill>
-                  <a:schemeClr val="tx1"/>
-                </a:solidFill>
-              </a:rPr>
-              <a:t>계속하기 버튼</a:t>
-            </a:r>
-            <a:endParaRPr lang="en-US" altLang="ko-KR" dirty="0">
-              <a:solidFill>
-                <a:schemeClr val="tx1"/>
-              </a:solidFill>
-            </a:endParaRPr>
-          </a:p>
-          <a:p>
-            <a:pPr algn="ctr"/>
-            <a:r>
-              <a:rPr lang="ko-KR" altLang="en-US" dirty="0">
-                <a:solidFill>
-                  <a:schemeClr val="accent6"/>
-                </a:solidFill>
-              </a:rPr>
-              <a:t>터치 시 일시 정지를 해체하고</a:t>
-            </a:r>
-            <a:endParaRPr lang="en-US" altLang="ko-KR" dirty="0">
-              <a:solidFill>
-                <a:schemeClr val="accent6"/>
-              </a:solidFill>
-            </a:endParaRPr>
-          </a:p>
-          <a:p>
-            <a:pPr algn="ctr"/>
-            <a:r>
-              <a:rPr lang="ko-KR" altLang="en-US" dirty="0">
-                <a:solidFill>
-                  <a:schemeClr val="accent6"/>
-                </a:solidFill>
-              </a:rPr>
-              <a:t>현재 게임 레벨을 </a:t>
-            </a:r>
-            <a:r>
-              <a:rPr lang="ko-KR" altLang="en-US" dirty="0" err="1">
-                <a:solidFill>
-                  <a:schemeClr val="accent6"/>
-                </a:solidFill>
-              </a:rPr>
-              <a:t>계속진행함</a:t>
-            </a:r>
-            <a:endParaRPr lang="ko-KR" altLang="en-US" dirty="0">
-              <a:solidFill>
-                <a:schemeClr val="accent6"/>
-              </a:solidFill>
-            </a:endParaRPr>
-          </a:p>
-        </p:txBody>
-      </p:sp>
-      <p:cxnSp>
-        <p:nvCxnSpPr>
-          <p:cNvPr id="11" name="직선 화살표 연결선 10">
-            <a:extLst>
-              <a:ext uri="{FF2B5EF4-FFF2-40B4-BE49-F238E27FC236}">
-                <a16:creationId xmlns:a16="http://schemas.microsoft.com/office/drawing/2014/main" id="{3AEABBE5-3E18-A9C0-67AF-809AE1451730}"/>
-              </a:ext>
-            </a:extLst>
-          </p:cNvPr>
-          <p:cNvCxnSpPr>
-            <a:cxnSpLocks/>
-            <a:stCxn id="8" idx="3"/>
-            <a:endCxn id="6" idx="1"/>
-          </p:cNvCxnSpPr>
-          <p:nvPr/>
-        </p:nvCxnSpPr>
-        <p:spPr>
-          <a:xfrm>
-            <a:off x="3830780" y="3859559"/>
-            <a:ext cx="1387763" cy="0"/>
-          </a:xfrm>
-          <a:prstGeom prst="straightConnector1">
-            <a:avLst/>
-          </a:prstGeom>
-          <a:ln>
-            <a:tailEnd type="triangle"/>
-          </a:ln>
-        </p:spPr>
-        <p:style>
-          <a:lnRef idx="2">
-            <a:schemeClr val="dk1"/>
-          </a:lnRef>
-          <a:fillRef idx="0">
-            <a:schemeClr val="dk1"/>
-          </a:fillRef>
-          <a:effectRef idx="1">
-            <a:schemeClr val="dk1"/>
-          </a:effectRef>
-          <a:fontRef idx="minor">
-            <a:schemeClr val="tx1"/>
-          </a:fontRef>
-        </p:style>
-      </p:cxnSp>
-      <p:sp>
-        <p:nvSpPr>
-          <p:cNvPr id="13" name="직사각형 12">
-            <a:extLst>
-              <a:ext uri="{FF2B5EF4-FFF2-40B4-BE49-F238E27FC236}">
-                <a16:creationId xmlns:a16="http://schemas.microsoft.com/office/drawing/2014/main" id="{F5589B6E-87A4-8CEF-CDC4-DA8E7475FF69}"/>
-              </a:ext>
-            </a:extLst>
-          </p:cNvPr>
-          <p:cNvSpPr/>
-          <p:nvPr/>
-        </p:nvSpPr>
-        <p:spPr>
-          <a:xfrm>
-            <a:off x="5216232" y="5407771"/>
-            <a:ext cx="1690257" cy="692169"/>
-          </a:xfrm>
-          <a:prstGeom prst="rect">
-            <a:avLst/>
-          </a:prstGeom>
-          <a:noFill/>
-          <a:ln>
-            <a:solidFill>
-              <a:schemeClr val="tx1"/>
-            </a:solidFill>
-            <a:prstDash val="dash"/>
-          </a:ln>
-        </p:spPr>
-        <p:style>
-          <a:lnRef idx="2">
-            <a:schemeClr val="accent1">
-              <a:shade val="15000"/>
-            </a:schemeClr>
-          </a:lnRef>
-          <a:fillRef idx="1">
-            <a:schemeClr val="accent1"/>
-          </a:fillRef>
-          <a:effectRef idx="0">
-            <a:schemeClr val="accent1"/>
-          </a:effectRef>
-          <a:fontRef idx="minor">
-            <a:schemeClr val="lt1"/>
-          </a:fontRef>
-        </p:style>
-        <p:txBody>
-          <a:bodyPr rtlCol="0" anchor="ctr"/>
-          <a:lstStyle/>
-          <a:p>
-            <a:pPr algn="ctr"/>
-            <a:endParaRPr lang="ko-KR" altLang="en-US"/>
-          </a:p>
-        </p:txBody>
-      </p:sp>
-      <p:sp>
-        <p:nvSpPr>
-          <p:cNvPr id="15" name="직사각형 14">
-            <a:extLst>
-              <a:ext uri="{FF2B5EF4-FFF2-40B4-BE49-F238E27FC236}">
-                <a16:creationId xmlns:a16="http://schemas.microsoft.com/office/drawing/2014/main" id="{447A047A-A1DA-E0F3-199B-524EFAF17A81}"/>
-              </a:ext>
-            </a:extLst>
-          </p:cNvPr>
-          <p:cNvSpPr/>
-          <p:nvPr/>
-        </p:nvSpPr>
-        <p:spPr>
-          <a:xfrm>
-            <a:off x="230909" y="5211893"/>
-            <a:ext cx="3597560" cy="1083926"/>
-          </a:xfrm>
-          <a:prstGeom prst="rect">
-            <a:avLst/>
-          </a:prstGeom>
-          <a:solidFill>
-            <a:schemeClr val="bg1"/>
-          </a:solidFill>
-          <a:ln>
-            <a:solidFill>
-              <a:schemeClr val="tx1"/>
-            </a:solidFill>
-          </a:ln>
-        </p:spPr>
-        <p:style>
-          <a:lnRef idx="2">
-            <a:schemeClr val="accent1">
-              <a:shade val="15000"/>
-            </a:schemeClr>
-          </a:lnRef>
-          <a:fillRef idx="1">
-            <a:schemeClr val="accent1"/>
-          </a:fillRef>
-          <a:effectRef idx="0">
-            <a:schemeClr val="accent1"/>
-          </a:effectRef>
-          <a:fontRef idx="minor">
-            <a:schemeClr val="lt1"/>
-          </a:fontRef>
-        </p:style>
-        <p:txBody>
-          <a:bodyPr rtlCol="0" anchor="ctr"/>
-          <a:lstStyle/>
-          <a:p>
-            <a:pPr algn="ctr"/>
-            <a:r>
-              <a:rPr lang="ko-KR" altLang="en-US" dirty="0">
-                <a:solidFill>
-                  <a:schemeClr val="tx1"/>
-                </a:solidFill>
-              </a:rPr>
-              <a:t>그만두기 버튼</a:t>
-            </a:r>
-            <a:endParaRPr lang="en-US" altLang="ko-KR" dirty="0">
-              <a:solidFill>
-                <a:schemeClr val="tx1"/>
-              </a:solidFill>
-            </a:endParaRPr>
-          </a:p>
-          <a:p>
-            <a:pPr algn="ctr"/>
-            <a:r>
-              <a:rPr lang="ko-KR" altLang="en-US" dirty="0">
-                <a:solidFill>
-                  <a:schemeClr val="accent6"/>
-                </a:solidFill>
-              </a:rPr>
-              <a:t>터치 시 게임을 종료하고</a:t>
-            </a:r>
-            <a:endParaRPr lang="en-US" altLang="ko-KR" dirty="0">
-              <a:solidFill>
-                <a:schemeClr val="accent6"/>
-              </a:solidFill>
-            </a:endParaRPr>
-          </a:p>
-          <a:p>
-            <a:pPr algn="ctr"/>
-            <a:r>
-              <a:rPr lang="ko-KR" altLang="en-US" dirty="0">
-                <a:solidFill>
-                  <a:schemeClr val="accent6"/>
-                </a:solidFill>
-              </a:rPr>
-              <a:t>스테이지 선택 화면으로 이동함</a:t>
-            </a:r>
-          </a:p>
-        </p:txBody>
-      </p:sp>
-      <p:cxnSp>
-        <p:nvCxnSpPr>
-          <p:cNvPr id="16" name="직선 화살표 연결선 15">
-            <a:extLst>
-              <a:ext uri="{FF2B5EF4-FFF2-40B4-BE49-F238E27FC236}">
-                <a16:creationId xmlns:a16="http://schemas.microsoft.com/office/drawing/2014/main" id="{061A02BC-2192-0DD4-6980-57D118095C45}"/>
-              </a:ext>
-            </a:extLst>
-          </p:cNvPr>
-          <p:cNvCxnSpPr>
-            <a:cxnSpLocks/>
-            <a:stCxn id="15" idx="3"/>
-            <a:endCxn id="13" idx="1"/>
-          </p:cNvCxnSpPr>
-          <p:nvPr/>
-        </p:nvCxnSpPr>
-        <p:spPr>
-          <a:xfrm>
-            <a:off x="3828469" y="5753856"/>
-            <a:ext cx="1387763" cy="0"/>
+            <a:off x="3952875" y="5015615"/>
+            <a:ext cx="194252" cy="4349"/>
           </a:xfrm>
           <a:prstGeom prst="straightConnector1">
             <a:avLst/>
@@ -9422,7 +7144,7 @@
     </p:spTree>
     <p:extLst>
       <p:ext uri="{BB962C8B-B14F-4D97-AF65-F5344CB8AC3E}">
-        <p14:creationId xmlns:p14="http://schemas.microsoft.com/office/powerpoint/2010/main" val="1989043796"/>
+        <p14:creationId xmlns:p14="http://schemas.microsoft.com/office/powerpoint/2010/main" val="2112478974"/>
       </p:ext>
     </p:extLst>
   </p:cSld>
@@ -9432,41 +7154,9 @@
 </p:sld>
 </file>
 
-<file path=ppt/slides/slide8.xml><?xml version="1.0" encoding="utf-8"?>
+<file path=ppt/slides/slide7.xml><?xml version="1.0" encoding="utf-8"?>
 <p:sld xmlns:a="http://schemas.openxmlformats.org/drawingml/2006/main" xmlns:r="http://schemas.openxmlformats.org/officeDocument/2006/relationships" xmlns:p="http://schemas.openxmlformats.org/presentationml/2006/main">
   <p:cSld>
-    <p:bg>
-      <p:bgPr>
-        <a:gradFill flip="none" rotWithShape="1">
-          <a:gsLst>
-            <a:gs pos="0">
-              <a:schemeClr val="tx1"/>
-            </a:gs>
-            <a:gs pos="18000">
-              <a:schemeClr val="tx2">
-                <a:lumMod val="75000"/>
-                <a:lumOff val="25000"/>
-              </a:schemeClr>
-            </a:gs>
-            <a:gs pos="44000">
-              <a:schemeClr val="accent1">
-                <a:lumMod val="40000"/>
-                <a:lumOff val="60000"/>
-              </a:schemeClr>
-            </a:gs>
-            <a:gs pos="100000">
-              <a:schemeClr val="accent1">
-                <a:lumMod val="20000"/>
-                <a:lumOff val="80000"/>
-              </a:schemeClr>
-            </a:gs>
-          </a:gsLst>
-          <a:lin ang="5400000" scaled="1"/>
-          <a:tileRect/>
-        </a:gradFill>
-        <a:effectLst/>
-      </p:bgPr>
-    </p:bg>
     <p:spTree>
       <p:nvGrpSpPr>
         <p:cNvPr id="1" name=""/>
@@ -9481,6 +7171,42 @@
           <a:chExt cx="0" cy="0"/>
         </a:xfrm>
       </p:grpSpPr>
+      <p:pic>
+        <p:nvPicPr>
+          <p:cNvPr id="4" name="그림 3" descr="스크린샷, 사각형, 번호, 텍스트이(가) 표시된 사진&#10;&#10;자동 생성된 설명">
+            <a:extLst>
+              <a:ext uri="{FF2B5EF4-FFF2-40B4-BE49-F238E27FC236}">
+                <a16:creationId xmlns:a16="http://schemas.microsoft.com/office/drawing/2014/main" id="{59A87371-D02F-F5BA-EFC2-333B96B9EAD0}"/>
+              </a:ext>
+            </a:extLst>
+          </p:cNvPr>
+          <p:cNvPicPr>
+            <a:picLocks noChangeAspect="1"/>
+          </p:cNvPicPr>
+          <p:nvPr/>
+        </p:nvPicPr>
+        <p:blipFill>
+          <a:blip r:embed="rId2">
+            <a:extLst>
+              <a:ext uri="{28A0092B-C50C-407E-A947-70E740481C1C}">
+                <a14:useLocalDpi xmlns:a14="http://schemas.microsoft.com/office/drawing/2010/main" val="0"/>
+              </a:ext>
+            </a:extLst>
+          </a:blip>
+          <a:stretch>
+            <a:fillRect/>
+          </a:stretch>
+        </p:blipFill>
+        <p:spPr>
+          <a:xfrm>
+            <a:off x="4067820" y="0"/>
+            <a:ext cx="4056360" cy="6858000"/>
+          </a:xfrm>
+          <a:prstGeom prst="rect">
+            <a:avLst/>
+          </a:prstGeom>
+        </p:spPr>
+      </p:pic>
       <p:sp>
         <p:nvSpPr>
           <p:cNvPr id="10" name="TextBox 9">
@@ -9496,7 +7222,7 @@
         <p:spPr>
           <a:xfrm>
             <a:off x="0" y="0"/>
-            <a:ext cx="3846947" cy="523220"/>
+            <a:ext cx="3380509" cy="523220"/>
           </a:xfrm>
           <a:prstGeom prst="rect">
             <a:avLst/>
@@ -9512,24 +7238,30 @@
             <a:r>
               <a:rPr lang="en-US" altLang="ko-KR" sz="2800" b="1" dirty="0">
                 <a:solidFill>
-                  <a:schemeClr val="bg1"/>
+                  <a:schemeClr val="tx1">
+                    <a:lumMod val="85000"/>
+                    <a:lumOff val="15000"/>
+                  </a:schemeClr>
                 </a:solidFill>
                 <a:latin typeface="Malgun Gothic Semilight" panose="020B0502040204020203" pitchFamily="50" charset="-127"/>
                 <a:ea typeface="Malgun Gothic Semilight" panose="020B0502040204020203" pitchFamily="50" charset="-127"/>
                 <a:cs typeface="Malgun Gothic Semilight" panose="020B0502040204020203" pitchFamily="50" charset="-127"/>
               </a:rPr>
-              <a:t>7. </a:t>
+              <a:t>6. </a:t>
             </a:r>
             <a:r>
               <a:rPr lang="ko-KR" altLang="en-US" sz="2800" b="1" dirty="0">
                 <a:solidFill>
-                  <a:schemeClr val="bg1"/>
+                  <a:schemeClr val="tx1">
+                    <a:lumMod val="85000"/>
+                    <a:lumOff val="15000"/>
+                  </a:schemeClr>
                 </a:solidFill>
                 <a:latin typeface="Malgun Gothic Semilight" panose="020B0502040204020203" pitchFamily="50" charset="-127"/>
                 <a:ea typeface="Malgun Gothic Semilight" panose="020B0502040204020203" pitchFamily="50" charset="-127"/>
                 <a:cs typeface="Malgun Gothic Semilight" panose="020B0502040204020203" pitchFamily="50" charset="-127"/>
               </a:rPr>
-              <a:t>갤러리 선택 화면</a:t>
+              <a:t>게임 오버 팝업</a:t>
             </a:r>
           </a:p>
         </p:txBody>
@@ -9539,7 +7271,7 @@
           <p:cNvPr id="31" name="직사각형 30">
             <a:extLst>
               <a:ext uri="{FF2B5EF4-FFF2-40B4-BE49-F238E27FC236}">
-                <a16:creationId xmlns:a16="http://schemas.microsoft.com/office/drawing/2014/main" id="{779F2C6D-1A0E-032E-C54C-FC7E30F85DB0}"/>
+                <a16:creationId xmlns:a16="http://schemas.microsoft.com/office/drawing/2014/main" id="{97465A9A-97B0-4E2A-EAA1-11D928591199}"/>
               </a:ext>
             </a:extLst>
           </p:cNvPr>
@@ -9548,17 +7280,18 @@
         </p:nvSpPr>
         <p:spPr>
           <a:xfrm>
-            <a:off x="3952874" y="1"/>
-            <a:ext cx="4286251" cy="6858000"/>
+            <a:off x="5250871" y="3082915"/>
+            <a:ext cx="1690257" cy="692169"/>
           </a:xfrm>
           <a:prstGeom prst="rect">
             <a:avLst/>
           </a:prstGeom>
-          <a:solidFill>
-            <a:srgbClr val="5B5AFE"/>
-          </a:solidFill>
+          <a:noFill/>
           <a:ln>
-            <a:noFill/>
+            <a:solidFill>
+              <a:schemeClr val="tx1"/>
+            </a:solidFill>
+            <a:prstDash val="dash"/>
           </a:ln>
         </p:spPr>
         <p:style>
@@ -9588,10 +7321,10 @@
       </p:sp>
       <p:sp>
         <p:nvSpPr>
-          <p:cNvPr id="34" name="직사각형 33">
-            <a:extLst>
-              <a:ext uri="{FF2B5EF4-FFF2-40B4-BE49-F238E27FC236}">
-                <a16:creationId xmlns:a16="http://schemas.microsoft.com/office/drawing/2014/main" id="{2ABBE30B-223A-2153-41DD-2CA5D9EB9248}"/>
+          <p:cNvPr id="32" name="직사각형 31">
+            <a:extLst>
+              <a:ext uri="{FF2B5EF4-FFF2-40B4-BE49-F238E27FC236}">
+                <a16:creationId xmlns:a16="http://schemas.microsoft.com/office/drawing/2014/main" id="{511FD969-4028-9332-F5D5-3ABCEDE07AD9}"/>
               </a:ext>
             </a:extLst>
           </p:cNvPr>
@@ -9600,18 +7333,19 @@
         </p:nvSpPr>
         <p:spPr>
           <a:xfrm>
-            <a:off x="5514109" y="800100"/>
-            <a:ext cx="1246909" cy="523220"/>
+            <a:off x="1152236" y="2887037"/>
+            <a:ext cx="2641598" cy="1083926"/>
           </a:xfrm>
           <a:prstGeom prst="rect">
             <a:avLst/>
           </a:prstGeom>
-          <a:noFill/>
+          <a:solidFill>
+            <a:schemeClr val="bg1"/>
+          </a:solidFill>
           <a:ln>
             <a:solidFill>
               <a:schemeClr val="tx1"/>
             </a:solidFill>
-            <a:prstDash val="dash"/>
           </a:ln>
         </p:spPr>
         <p:style>
@@ -9635,29 +7369,69 @@
           <a:lstStyle/>
           <a:p>
             <a:pPr algn="ctr"/>
-            <a:endParaRPr lang="ko-KR" altLang="en-US"/>
+            <a:r>
+              <a:rPr lang="ko-KR" altLang="en-US" dirty="0">
+                <a:solidFill>
+                  <a:schemeClr val="tx1"/>
+                </a:solidFill>
+              </a:rPr>
+              <a:t>재시도 버튼</a:t>
+            </a:r>
+            <a:endParaRPr lang="en-US" altLang="ko-KR" dirty="0">
+              <a:solidFill>
+                <a:schemeClr val="tx1"/>
+              </a:solidFill>
+            </a:endParaRPr>
+          </a:p>
+          <a:p>
+            <a:pPr algn="ctr"/>
+            <a:r>
+              <a:rPr lang="ko-KR" altLang="en-US" dirty="0">
+                <a:solidFill>
+                  <a:schemeClr val="accent6"/>
+                </a:solidFill>
+              </a:rPr>
+              <a:t>터치 시 게임 레벨을</a:t>
+            </a:r>
+            <a:endParaRPr lang="en-US" altLang="ko-KR" dirty="0">
+              <a:solidFill>
+                <a:schemeClr val="accent6"/>
+              </a:solidFill>
+            </a:endParaRPr>
+          </a:p>
+          <a:p>
+            <a:pPr algn="ctr"/>
+            <a:r>
+              <a:rPr lang="ko-KR" altLang="en-US" dirty="0">
+                <a:solidFill>
+                  <a:schemeClr val="accent6"/>
+                </a:solidFill>
+              </a:rPr>
+              <a:t>처음부터 재시작 함</a:t>
+            </a:r>
           </a:p>
         </p:txBody>
       </p:sp>
       <p:cxnSp>
         <p:nvCxnSpPr>
-          <p:cNvPr id="35" name="직선 화살표 연결선 34">
-            <a:extLst>
-              <a:ext uri="{FF2B5EF4-FFF2-40B4-BE49-F238E27FC236}">
-                <a16:creationId xmlns:a16="http://schemas.microsoft.com/office/drawing/2014/main" id="{CD60A46F-79D2-4ABF-19A7-C8C09ECA47C0}"/>
+          <p:cNvPr id="33" name="직선 화살표 연결선 32">
+            <a:extLst>
+              <a:ext uri="{FF2B5EF4-FFF2-40B4-BE49-F238E27FC236}">
+                <a16:creationId xmlns:a16="http://schemas.microsoft.com/office/drawing/2014/main" id="{B87770EA-14DE-9F6E-514F-5B3145148B6E}"/>
               </a:ext>
             </a:extLst>
           </p:cNvPr>
           <p:cNvCxnSpPr>
             <a:cxnSpLocks/>
-            <a:stCxn id="36" idx="3"/>
+            <a:stCxn id="32" idx="3"/>
+            <a:endCxn id="31" idx="1"/>
           </p:cNvCxnSpPr>
           <p:nvPr/>
         </p:nvCxnSpPr>
         <p:spPr>
-          <a:xfrm flipV="1">
-            <a:off x="3846947" y="1073649"/>
-            <a:ext cx="1667162" cy="9998"/>
+          <a:xfrm>
+            <a:off x="3793834" y="3429000"/>
+            <a:ext cx="1457037" cy="0"/>
           </a:xfrm>
           <a:prstGeom prst="straightConnector1">
             <a:avLst/>
@@ -9683,10 +7457,10 @@
       </p:cxnSp>
       <p:sp>
         <p:nvSpPr>
-          <p:cNvPr id="36" name="직사각형 35">
-            <a:extLst>
-              <a:ext uri="{FF2B5EF4-FFF2-40B4-BE49-F238E27FC236}">
-                <a16:creationId xmlns:a16="http://schemas.microsoft.com/office/drawing/2014/main" id="{0CE85E3D-328F-CA05-1CCA-8BF90E568F37}"/>
+          <p:cNvPr id="49" name="직사각형 48">
+            <a:extLst>
+              <a:ext uri="{FF2B5EF4-FFF2-40B4-BE49-F238E27FC236}">
+                <a16:creationId xmlns:a16="http://schemas.microsoft.com/office/drawing/2014/main" id="{B7C5452A-6A7E-6AC6-6A5D-76777C04DE56}"/>
               </a:ext>
             </a:extLst>
           </p:cNvPr>
@@ -9695,8 +7469,8 @@
         </p:nvSpPr>
         <p:spPr>
           <a:xfrm>
-            <a:off x="188554" y="657620"/>
-            <a:ext cx="3658393" cy="852054"/>
+            <a:off x="8811491" y="1764141"/>
+            <a:ext cx="2641598" cy="1083926"/>
           </a:xfrm>
           <a:prstGeom prst="rect">
             <a:avLst/>
@@ -9734,41 +7508,204 @@
             <a:r>
               <a:rPr lang="ko-KR" altLang="en-US" dirty="0">
                 <a:solidFill>
-                  <a:schemeClr val="tx1"/>
-                </a:solidFill>
-              </a:rPr>
-              <a:t>클리어 문구</a:t>
+                  <a:schemeClr val="accent6"/>
+                </a:solidFill>
+              </a:rPr>
+              <a:t>별개의 씬 이 아니라</a:t>
             </a:r>
             <a:endParaRPr lang="en-US" altLang="ko-KR" dirty="0">
-              <a:solidFill>
-                <a:schemeClr val="tx1"/>
-              </a:solidFill>
-            </a:endParaRPr>
-          </a:p>
-          <a:p>
-            <a:pPr algn="ctr"/>
-            <a:r>
-              <a:rPr lang="ko-KR" altLang="en-US" dirty="0">
-                <a:solidFill>
-                  <a:schemeClr val="tx1"/>
-                </a:solidFill>
-              </a:rPr>
-              <a:t>게임 레벨을 클리어 했다는 문구</a:t>
-            </a:r>
-            <a:endParaRPr lang="ko-KR" altLang="en-US" dirty="0">
               <a:solidFill>
                 <a:schemeClr val="accent6"/>
               </a:solidFill>
             </a:endParaRPr>
           </a:p>
-        </p:txBody>
-      </p:sp>
-      <p:sp>
-        <p:nvSpPr>
-          <p:cNvPr id="39" name="직사각형 38">
-            <a:extLst>
-              <a:ext uri="{FF2B5EF4-FFF2-40B4-BE49-F238E27FC236}">
-                <a16:creationId xmlns:a16="http://schemas.microsoft.com/office/drawing/2014/main" id="{D85FAC22-D760-B8AD-B6FB-FD48F21E73F0}"/>
+          <a:p>
+            <a:pPr algn="ctr"/>
+            <a:r>
+              <a:rPr lang="ko-KR" altLang="en-US" dirty="0">
+                <a:solidFill>
+                  <a:schemeClr val="accent6"/>
+                </a:solidFill>
+              </a:rPr>
+              <a:t>팝업으로 표시됨</a:t>
+            </a:r>
+          </a:p>
+        </p:txBody>
+      </p:sp>
+    </p:spTree>
+    <p:extLst>
+      <p:ext uri="{BB962C8B-B14F-4D97-AF65-F5344CB8AC3E}">
+        <p14:creationId xmlns:p14="http://schemas.microsoft.com/office/powerpoint/2010/main" val="1603804663"/>
+      </p:ext>
+    </p:extLst>
+  </p:cSld>
+  <p:clrMapOvr>
+    <a:masterClrMapping/>
+  </p:clrMapOvr>
+</p:sld>
+</file>
+
+<file path=ppt/slides/slide8.xml><?xml version="1.0" encoding="utf-8"?>
+<p:sld xmlns:a="http://schemas.openxmlformats.org/drawingml/2006/main" xmlns:r="http://schemas.openxmlformats.org/officeDocument/2006/relationships" xmlns:p="http://schemas.openxmlformats.org/presentationml/2006/main">
+  <p:cSld>
+    <p:spTree>
+      <p:nvGrpSpPr>
+        <p:cNvPr id="1" name=""/>
+        <p:cNvGrpSpPr/>
+        <p:nvPr/>
+      </p:nvGrpSpPr>
+      <p:grpSpPr>
+        <a:xfrm>
+          <a:off x="0" y="0"/>
+          <a:ext cx="0" cy="0"/>
+          <a:chOff x="0" y="0"/>
+          <a:chExt cx="0" cy="0"/>
+        </a:xfrm>
+      </p:grpSpPr>
+      <p:pic>
+        <p:nvPicPr>
+          <p:cNvPr id="4" name="그림 3" descr="텍스트, 스크린샷, 그래픽 디자인, 폰트이(가) 표시된 사진&#10;&#10;자동 생성된 설명">
+            <a:extLst>
+              <a:ext uri="{FF2B5EF4-FFF2-40B4-BE49-F238E27FC236}">
+                <a16:creationId xmlns:a16="http://schemas.microsoft.com/office/drawing/2014/main" id="{38B6DCC1-7584-0EFF-3763-C2D2C772D08C}"/>
+              </a:ext>
+            </a:extLst>
+          </p:cNvPr>
+          <p:cNvPicPr>
+            <a:picLocks noChangeAspect="1"/>
+          </p:cNvPicPr>
+          <p:nvPr/>
+        </p:nvPicPr>
+        <p:blipFill>
+          <a:blip r:embed="rId2">
+            <a:extLst>
+              <a:ext uri="{28A0092B-C50C-407E-A947-70E740481C1C}">
+                <a14:useLocalDpi xmlns:a14="http://schemas.microsoft.com/office/drawing/2010/main" val="0"/>
+              </a:ext>
+            </a:extLst>
+          </a:blip>
+          <a:stretch>
+            <a:fillRect/>
+          </a:stretch>
+        </p:blipFill>
+        <p:spPr>
+          <a:xfrm>
+            <a:off x="4060166" y="0"/>
+            <a:ext cx="4071667" cy="6858000"/>
+          </a:xfrm>
+          <a:prstGeom prst="rect">
+            <a:avLst/>
+          </a:prstGeom>
+        </p:spPr>
+      </p:pic>
+      <p:sp>
+        <p:nvSpPr>
+          <p:cNvPr id="10" name="TextBox 9">
+            <a:extLst>
+              <a:ext uri="{FF2B5EF4-FFF2-40B4-BE49-F238E27FC236}">
+                <a16:creationId xmlns:a16="http://schemas.microsoft.com/office/drawing/2014/main" id="{7565B562-BC7E-0A77-C53E-845C771F04AE}"/>
+              </a:ext>
+            </a:extLst>
+          </p:cNvPr>
+          <p:cNvSpPr txBox="1"/>
+          <p:nvPr/>
+        </p:nvSpPr>
+        <p:spPr>
+          <a:xfrm>
+            <a:off x="0" y="0"/>
+            <a:ext cx="3846947" cy="523220"/>
+          </a:xfrm>
+          <a:prstGeom prst="rect">
+            <a:avLst/>
+          </a:prstGeom>
+          <a:noFill/>
+        </p:spPr>
+        <p:txBody>
+          <a:bodyPr wrap="square" rtlCol="0">
+            <a:spAutoFit/>
+          </a:bodyPr>
+          <a:lstStyle/>
+          <a:p>
+            <a:r>
+              <a:rPr lang="en-US" altLang="ko-KR" sz="2800" b="1" dirty="0">
+                <a:solidFill>
+                  <a:schemeClr val="tx1">
+                    <a:lumMod val="85000"/>
+                    <a:lumOff val="15000"/>
+                  </a:schemeClr>
+                </a:solidFill>
+                <a:latin typeface="Malgun Gothic Semilight" panose="020B0502040204020203" pitchFamily="50" charset="-127"/>
+                <a:ea typeface="Malgun Gothic Semilight" panose="020B0502040204020203" pitchFamily="50" charset="-127"/>
+                <a:cs typeface="Malgun Gothic Semilight" panose="020B0502040204020203" pitchFamily="50" charset="-127"/>
+              </a:rPr>
+              <a:t>7. </a:t>
+            </a:r>
+            <a:r>
+              <a:rPr lang="ko-KR" altLang="en-US" sz="2800" b="1" dirty="0">
+                <a:solidFill>
+                  <a:schemeClr val="tx1">
+                    <a:lumMod val="85000"/>
+                    <a:lumOff val="15000"/>
+                  </a:schemeClr>
+                </a:solidFill>
+                <a:latin typeface="Malgun Gothic Semilight" panose="020B0502040204020203" pitchFamily="50" charset="-127"/>
+                <a:ea typeface="Malgun Gothic Semilight" panose="020B0502040204020203" pitchFamily="50" charset="-127"/>
+                <a:cs typeface="Malgun Gothic Semilight" panose="020B0502040204020203" pitchFamily="50" charset="-127"/>
+              </a:rPr>
+              <a:t>갤러리 선택 팝업</a:t>
+            </a:r>
+          </a:p>
+        </p:txBody>
+      </p:sp>
+      <p:cxnSp>
+        <p:nvCxnSpPr>
+          <p:cNvPr id="13" name="직선 화살표 연결선 12">
+            <a:extLst>
+              <a:ext uri="{FF2B5EF4-FFF2-40B4-BE49-F238E27FC236}">
+                <a16:creationId xmlns:a16="http://schemas.microsoft.com/office/drawing/2014/main" id="{59EB70C8-4A38-4BBA-50D1-4C180058A554}"/>
+              </a:ext>
+            </a:extLst>
+          </p:cNvPr>
+          <p:cNvCxnSpPr>
+            <a:cxnSpLocks/>
+            <a:stCxn id="14" idx="3"/>
+            <a:endCxn id="17" idx="1"/>
+          </p:cNvCxnSpPr>
+          <p:nvPr/>
+        </p:nvCxnSpPr>
+        <p:spPr>
+          <a:xfrm>
+            <a:off x="3846947" y="2888270"/>
+            <a:ext cx="1430848" cy="0"/>
+          </a:xfrm>
+          <a:prstGeom prst="straightConnector1">
+            <a:avLst/>
+          </a:prstGeom>
+          <a:ln>
+            <a:tailEnd type="triangle"/>
+          </a:ln>
+        </p:spPr>
+        <p:style>
+          <a:lnRef idx="2">
+            <a:schemeClr val="dk1"/>
+          </a:lnRef>
+          <a:fillRef idx="0">
+            <a:schemeClr val="dk1"/>
+          </a:fillRef>
+          <a:effectRef idx="1">
+            <a:schemeClr val="dk1"/>
+          </a:effectRef>
+          <a:fontRef idx="minor">
+            <a:schemeClr val="tx1"/>
+          </a:fontRef>
+        </p:style>
+      </p:cxnSp>
+      <p:sp>
+        <p:nvSpPr>
+          <p:cNvPr id="14" name="직사각형 13">
+            <a:extLst>
+              <a:ext uri="{FF2B5EF4-FFF2-40B4-BE49-F238E27FC236}">
+                <a16:creationId xmlns:a16="http://schemas.microsoft.com/office/drawing/2014/main" id="{BAB6BF9B-10A9-5C25-5F38-0DEEF1C70CF0}"/>
               </a:ext>
             </a:extLst>
           </p:cNvPr>
@@ -9777,17 +7714,20 @@
         </p:nvSpPr>
         <p:spPr>
           <a:xfrm>
-            <a:off x="4710544" y="3072245"/>
-            <a:ext cx="2770909" cy="729673"/>
+            <a:off x="188554" y="2265317"/>
+            <a:ext cx="3658393" cy="1245905"/>
           </a:xfrm>
           <a:prstGeom prst="rect">
             <a:avLst/>
           </a:prstGeom>
           <a:solidFill>
-            <a:schemeClr val="accent6">
-              <a:lumMod val="75000"/>
-            </a:schemeClr>
+            <a:schemeClr val="bg1"/>
           </a:solidFill>
+          <a:ln>
+            <a:solidFill>
+              <a:schemeClr val="tx1"/>
+            </a:solidFill>
+          </a:ln>
         </p:spPr>
         <p:style>
           <a:lnRef idx="2">
@@ -9811,30 +7751,86 @@
           <a:p>
             <a:pPr algn="ctr"/>
             <a:r>
-              <a:rPr lang="ko-KR" altLang="en-US" sz="2800" dirty="0">
-                <a:solidFill>
-                  <a:schemeClr val="bg1"/>
-                </a:solidFill>
-                <a:latin typeface="Malgun Gothic Semilight" panose="020B0502040204020203" pitchFamily="50" charset="-127"/>
-                <a:ea typeface="Malgun Gothic Semilight" panose="020B0502040204020203" pitchFamily="50" charset="-127"/>
-                <a:cs typeface="Malgun Gothic Semilight" panose="020B0502040204020203" pitchFamily="50" charset="-127"/>
-              </a:rPr>
-              <a:t>갤러리</a:t>
-            </a:r>
-            <a:endParaRPr lang="ko-KR" altLang="en-US" sz="2800" dirty="0">
-              <a:latin typeface="Malgun Gothic Semilight" panose="020B0502040204020203" pitchFamily="50" charset="-127"/>
-              <a:ea typeface="Malgun Gothic Semilight" panose="020B0502040204020203" pitchFamily="50" charset="-127"/>
-              <a:cs typeface="Malgun Gothic Semilight" panose="020B0502040204020203" pitchFamily="50" charset="-127"/>
+              <a:rPr lang="ko-KR" altLang="en-US" dirty="0">
+                <a:solidFill>
+                  <a:schemeClr val="tx1"/>
+                </a:solidFill>
+              </a:rPr>
+              <a:t>갤러리 이동 버튼</a:t>
+            </a:r>
+            <a:endParaRPr lang="en-US" altLang="ko-KR" dirty="0">
+              <a:solidFill>
+                <a:schemeClr val="tx1"/>
+              </a:solidFill>
             </a:endParaRPr>
           </a:p>
-        </p:txBody>
-      </p:sp>
-      <p:sp>
-        <p:nvSpPr>
-          <p:cNvPr id="40" name="직사각형 39">
-            <a:extLst>
-              <a:ext uri="{FF2B5EF4-FFF2-40B4-BE49-F238E27FC236}">
-                <a16:creationId xmlns:a16="http://schemas.microsoft.com/office/drawing/2014/main" id="{DFBB78A1-9E28-41E1-325E-04277DE43B13}"/>
+          <a:p>
+            <a:pPr algn="ctr"/>
+            <a:r>
+              <a:rPr lang="ko-KR" altLang="en-US" dirty="0">
+                <a:solidFill>
+                  <a:schemeClr val="accent6"/>
+                </a:solidFill>
+              </a:rPr>
+              <a:t>해당 레벨을 제작하신 분이</a:t>
+            </a:r>
+            <a:endParaRPr lang="en-US" altLang="ko-KR" dirty="0">
+              <a:solidFill>
+                <a:schemeClr val="accent6"/>
+              </a:solidFill>
+            </a:endParaRPr>
+          </a:p>
+          <a:p>
+            <a:pPr algn="ctr"/>
+            <a:r>
+              <a:rPr lang="ko-KR" altLang="en-US" dirty="0">
+                <a:solidFill>
+                  <a:schemeClr val="accent6"/>
+                </a:solidFill>
+              </a:rPr>
+              <a:t>만드신 갤러리의 내용이 작성된</a:t>
+            </a:r>
+            <a:endParaRPr lang="en-US" altLang="ko-KR" dirty="0">
+              <a:solidFill>
+                <a:schemeClr val="accent6"/>
+              </a:solidFill>
+            </a:endParaRPr>
+          </a:p>
+          <a:p>
+            <a:pPr algn="ctr"/>
+            <a:r>
+              <a:rPr lang="ko-KR" altLang="en-US" dirty="0">
+                <a:solidFill>
+                  <a:schemeClr val="accent6"/>
+                </a:solidFill>
+              </a:rPr>
+              <a:t>씬 </a:t>
+            </a:r>
+            <a:r>
+              <a:rPr lang="ko-KR" altLang="en-US" dirty="0" err="1">
+                <a:solidFill>
+                  <a:schemeClr val="accent6"/>
+                </a:solidFill>
+              </a:rPr>
+              <a:t>으로</a:t>
+            </a:r>
+            <a:r>
+              <a:rPr lang="ko-KR" altLang="en-US" dirty="0">
+                <a:solidFill>
+                  <a:schemeClr val="accent6"/>
+                </a:solidFill>
+              </a:rPr>
+              <a:t> 이동시켜주는 버튼</a:t>
+            </a:r>
+          </a:p>
+        </p:txBody>
+      </p:sp>
+      <p:sp>
+        <p:nvSpPr>
+          <p:cNvPr id="17" name="직사각형 16">
+            <a:extLst>
+              <a:ext uri="{FF2B5EF4-FFF2-40B4-BE49-F238E27FC236}">
+                <a16:creationId xmlns:a16="http://schemas.microsoft.com/office/drawing/2014/main" id="{7C683A73-1F2E-0F03-C3CC-437FC8F798F0}"/>
               </a:ext>
             </a:extLst>
           </p:cNvPr>
@@ -9843,17 +7839,19 @@
         </p:nvSpPr>
         <p:spPr>
           <a:xfrm>
-            <a:off x="4710544" y="3968172"/>
-            <a:ext cx="2770909" cy="729673"/>
+            <a:off x="5277795" y="2700831"/>
+            <a:ext cx="1649478" cy="374878"/>
           </a:xfrm>
           <a:prstGeom prst="rect">
             <a:avLst/>
           </a:prstGeom>
-          <a:solidFill>
-            <a:schemeClr val="accent6">
-              <a:lumMod val="75000"/>
-            </a:schemeClr>
-          </a:solidFill>
+          <a:noFill/>
+          <a:ln>
+            <a:solidFill>
+              <a:schemeClr val="tx1"/>
+            </a:solidFill>
+            <a:prstDash val="dash"/>
+          </a:ln>
         </p:spPr>
         <p:style>
           <a:lnRef idx="2">
@@ -9876,140 +7874,36 @@
           <a:lstStyle/>
           <a:p>
             <a:pPr algn="ctr"/>
-            <a:r>
-              <a:rPr lang="ko-KR" altLang="en-US" sz="2800" dirty="0">
-                <a:latin typeface="Malgun Gothic Semilight" panose="020B0502040204020203" pitchFamily="50" charset="-127"/>
-                <a:ea typeface="Malgun Gothic Semilight" panose="020B0502040204020203" pitchFamily="50" charset="-127"/>
-                <a:cs typeface="Malgun Gothic Semilight" panose="020B0502040204020203" pitchFamily="50" charset="-127"/>
-              </a:rPr>
-              <a:t>다음 레벨</a:t>
-            </a:r>
-          </a:p>
-        </p:txBody>
-      </p:sp>
-      <p:sp>
-        <p:nvSpPr>
-          <p:cNvPr id="2" name="TextBox 1">
-            <a:extLst>
-              <a:ext uri="{FF2B5EF4-FFF2-40B4-BE49-F238E27FC236}">
-                <a16:creationId xmlns:a16="http://schemas.microsoft.com/office/drawing/2014/main" id="{22CA6F19-5F5B-6824-8A5A-06D103C80A92}"/>
-              </a:ext>
-            </a:extLst>
-          </p:cNvPr>
-          <p:cNvSpPr txBox="1"/>
+            <a:endParaRPr lang="ko-KR" altLang="en-US"/>
+          </a:p>
+        </p:txBody>
+      </p:sp>
+      <p:sp>
+        <p:nvSpPr>
+          <p:cNvPr id="18" name="직사각형 17">
+            <a:extLst>
+              <a:ext uri="{FF2B5EF4-FFF2-40B4-BE49-F238E27FC236}">
+                <a16:creationId xmlns:a16="http://schemas.microsoft.com/office/drawing/2014/main" id="{9BF7A381-31C8-3368-B107-FC7A5E3D2C34}"/>
+              </a:ext>
+            </a:extLst>
+          </p:cNvPr>
+          <p:cNvSpPr/>
           <p:nvPr/>
         </p:nvSpPr>
         <p:spPr>
           <a:xfrm>
-            <a:off x="4507344" y="822037"/>
-            <a:ext cx="3177309" cy="523220"/>
+            <a:off x="5112324" y="4787905"/>
+            <a:ext cx="1971967" cy="469031"/>
           </a:xfrm>
           <a:prstGeom prst="rect">
             <a:avLst/>
           </a:prstGeom>
           <a:noFill/>
-        </p:spPr>
-        <p:txBody>
-          <a:bodyPr wrap="square" rtlCol="0">
-            <a:spAutoFit/>
-          </a:bodyPr>
-          <a:lstStyle/>
-          <a:p>
-            <a:pPr algn="ctr"/>
-            <a:r>
-              <a:rPr lang="ko-KR" altLang="en-US" sz="2800" dirty="0">
-                <a:solidFill>
-                  <a:schemeClr val="bg1"/>
-                </a:solidFill>
-              </a:rPr>
-              <a:t>클리어</a:t>
-            </a:r>
-            <a:r>
-              <a:rPr lang="en-US" altLang="ko-KR" sz="2800" dirty="0">
-                <a:solidFill>
-                  <a:schemeClr val="bg1"/>
-                </a:solidFill>
-              </a:rPr>
-              <a:t>!</a:t>
-            </a:r>
-            <a:endParaRPr lang="ko-KR" altLang="en-US" sz="2800" dirty="0">
-              <a:solidFill>
-                <a:schemeClr val="bg1"/>
-              </a:solidFill>
-            </a:endParaRPr>
-          </a:p>
-        </p:txBody>
-      </p:sp>
-      <p:cxnSp>
-        <p:nvCxnSpPr>
-          <p:cNvPr id="13" name="직선 화살표 연결선 12">
-            <a:extLst>
-              <a:ext uri="{FF2B5EF4-FFF2-40B4-BE49-F238E27FC236}">
-                <a16:creationId xmlns:a16="http://schemas.microsoft.com/office/drawing/2014/main" id="{59EB70C8-4A38-4BBA-50D1-4C180058A554}"/>
-              </a:ext>
-            </a:extLst>
-          </p:cNvPr>
-          <p:cNvCxnSpPr>
-            <a:cxnSpLocks/>
-            <a:stCxn id="14" idx="3"/>
-            <a:endCxn id="17" idx="1"/>
-          </p:cNvCxnSpPr>
-          <p:nvPr/>
-        </p:nvCxnSpPr>
-        <p:spPr>
-          <a:xfrm>
-            <a:off x="3846946" y="2704447"/>
-            <a:ext cx="822033" cy="733108"/>
-          </a:xfrm>
-          <a:prstGeom prst="straightConnector1">
-            <a:avLst/>
-          </a:prstGeom>
-          <a:ln>
-            <a:tailEnd type="triangle"/>
-          </a:ln>
-        </p:spPr>
-        <p:style>
-          <a:lnRef idx="2">
-            <a:schemeClr val="dk1"/>
-          </a:lnRef>
-          <a:fillRef idx="0">
-            <a:schemeClr val="dk1"/>
-          </a:fillRef>
-          <a:effectRef idx="1">
-            <a:schemeClr val="dk1"/>
-          </a:effectRef>
-          <a:fontRef idx="minor">
-            <a:schemeClr val="tx1"/>
-          </a:fontRef>
-        </p:style>
-      </p:cxnSp>
-      <p:sp>
-        <p:nvSpPr>
-          <p:cNvPr id="14" name="직사각형 13">
-            <a:extLst>
-              <a:ext uri="{FF2B5EF4-FFF2-40B4-BE49-F238E27FC236}">
-                <a16:creationId xmlns:a16="http://schemas.microsoft.com/office/drawing/2014/main" id="{BAB6BF9B-10A9-5C25-5F38-0DEEF1C70CF0}"/>
-              </a:ext>
-            </a:extLst>
-          </p:cNvPr>
-          <p:cNvSpPr/>
-          <p:nvPr/>
-        </p:nvSpPr>
-        <p:spPr>
-          <a:xfrm>
-            <a:off x="188553" y="2081494"/>
-            <a:ext cx="3658393" cy="1245905"/>
-          </a:xfrm>
-          <a:prstGeom prst="rect">
-            <a:avLst/>
-          </a:prstGeom>
-          <a:solidFill>
-            <a:schemeClr val="bg1"/>
-          </a:solidFill>
           <a:ln>
             <a:solidFill>
               <a:schemeClr val="tx1"/>
             </a:solidFill>
+            <a:prstDash val="dash"/>
           </a:ln>
         </p:spPr>
         <p:style>
@@ -10033,79 +7927,59 @@
           <a:lstStyle/>
           <a:p>
             <a:pPr algn="ctr"/>
-            <a:r>
-              <a:rPr lang="ko-KR" altLang="en-US" dirty="0">
-                <a:solidFill>
-                  <a:schemeClr val="tx1"/>
-                </a:solidFill>
-              </a:rPr>
-              <a:t>갤러리 이동 버튼</a:t>
-            </a:r>
-            <a:endParaRPr lang="en-US" altLang="ko-KR" dirty="0">
-              <a:solidFill>
-                <a:schemeClr val="tx1"/>
-              </a:solidFill>
-            </a:endParaRPr>
-          </a:p>
-          <a:p>
-            <a:pPr algn="ctr"/>
-            <a:r>
-              <a:rPr lang="ko-KR" altLang="en-US" dirty="0">
-                <a:solidFill>
-                  <a:schemeClr val="accent6"/>
-                </a:solidFill>
-              </a:rPr>
-              <a:t>해당 레벨을 제작하신 분이</a:t>
-            </a:r>
-            <a:endParaRPr lang="en-US" altLang="ko-KR" dirty="0">
-              <a:solidFill>
-                <a:schemeClr val="accent6"/>
-              </a:solidFill>
-            </a:endParaRPr>
-          </a:p>
-          <a:p>
-            <a:pPr algn="ctr"/>
-            <a:r>
-              <a:rPr lang="ko-KR" altLang="en-US" dirty="0">
-                <a:solidFill>
-                  <a:schemeClr val="accent6"/>
-                </a:solidFill>
-              </a:rPr>
-              <a:t>만드신 갤러리의 내용이 작성된</a:t>
-            </a:r>
-            <a:endParaRPr lang="en-US" altLang="ko-KR" dirty="0">
-              <a:solidFill>
-                <a:schemeClr val="accent6"/>
-              </a:solidFill>
-            </a:endParaRPr>
-          </a:p>
-          <a:p>
-            <a:pPr algn="ctr"/>
-            <a:r>
-              <a:rPr lang="ko-KR" altLang="en-US" dirty="0" err="1">
-                <a:solidFill>
-                  <a:schemeClr val="accent6"/>
-                </a:solidFill>
-              </a:rPr>
-              <a:t>씬으로</a:t>
-            </a:r>
-            <a:r>
-              <a:rPr lang="ko-KR" altLang="en-US" dirty="0">
-                <a:solidFill>
-                  <a:schemeClr val="accent6"/>
-                </a:solidFill>
-              </a:rPr>
-              <a:t> 이동시켜주는 버튼</a:t>
-            </a:r>
-          </a:p>
-        </p:txBody>
-      </p:sp>
-      <p:sp>
-        <p:nvSpPr>
-          <p:cNvPr id="17" name="직사각형 16">
-            <a:extLst>
-              <a:ext uri="{FF2B5EF4-FFF2-40B4-BE49-F238E27FC236}">
-                <a16:creationId xmlns:a16="http://schemas.microsoft.com/office/drawing/2014/main" id="{7C683A73-1F2E-0F03-C3CC-437FC8F798F0}"/>
+            <a:endParaRPr lang="ko-KR" altLang="en-US"/>
+          </a:p>
+        </p:txBody>
+      </p:sp>
+      <p:cxnSp>
+        <p:nvCxnSpPr>
+          <p:cNvPr id="23" name="직선 화살표 연결선 22">
+            <a:extLst>
+              <a:ext uri="{FF2B5EF4-FFF2-40B4-BE49-F238E27FC236}">
+                <a16:creationId xmlns:a16="http://schemas.microsoft.com/office/drawing/2014/main" id="{64A552EA-9B1F-5E17-CF56-79AE31C8CE7C}"/>
+              </a:ext>
+            </a:extLst>
+          </p:cNvPr>
+          <p:cNvCxnSpPr>
+            <a:cxnSpLocks/>
+            <a:stCxn id="24" idx="3"/>
+            <a:endCxn id="18" idx="1"/>
+          </p:cNvCxnSpPr>
+          <p:nvPr/>
+        </p:nvCxnSpPr>
+        <p:spPr>
+          <a:xfrm>
+            <a:off x="3699165" y="5022421"/>
+            <a:ext cx="1413159" cy="0"/>
+          </a:xfrm>
+          <a:prstGeom prst="straightConnector1">
+            <a:avLst/>
+          </a:prstGeom>
+          <a:ln>
+            <a:tailEnd type="triangle"/>
+          </a:ln>
+        </p:spPr>
+        <p:style>
+          <a:lnRef idx="2">
+            <a:schemeClr val="dk1"/>
+          </a:lnRef>
+          <a:fillRef idx="0">
+            <a:schemeClr val="dk1"/>
+          </a:fillRef>
+          <a:effectRef idx="1">
+            <a:schemeClr val="dk1"/>
+          </a:effectRef>
+          <a:fontRef idx="minor">
+            <a:schemeClr val="tx1"/>
+          </a:fontRef>
+        </p:style>
+      </p:cxnSp>
+      <p:sp>
+        <p:nvSpPr>
+          <p:cNvPr id="24" name="직사각형 23">
+            <a:extLst>
+              <a:ext uri="{FF2B5EF4-FFF2-40B4-BE49-F238E27FC236}">
+                <a16:creationId xmlns:a16="http://schemas.microsoft.com/office/drawing/2014/main" id="{ADF677EC-3235-BA93-CAFB-77E39042B2AD}"/>
               </a:ext>
             </a:extLst>
           </p:cNvPr>
@@ -10114,18 +7988,19 @@
         </p:nvSpPr>
         <p:spPr>
           <a:xfrm>
-            <a:off x="4668979" y="3035149"/>
-            <a:ext cx="2854038" cy="804812"/>
+            <a:off x="452584" y="4399468"/>
+            <a:ext cx="3246581" cy="1245905"/>
           </a:xfrm>
           <a:prstGeom prst="rect">
             <a:avLst/>
           </a:prstGeom>
-          <a:noFill/>
+          <a:solidFill>
+            <a:schemeClr val="bg1"/>
+          </a:solidFill>
           <a:ln>
             <a:solidFill>
               <a:schemeClr val="tx1"/>
             </a:solidFill>
-            <a:prstDash val="dash"/>
           </a:ln>
         </p:spPr>
         <p:style>
@@ -10149,16 +8024,98 @@
           <a:lstStyle/>
           <a:p>
             <a:pPr algn="ctr"/>
-            <a:endParaRPr lang="ko-KR" altLang="en-US"/>
-          </a:p>
-        </p:txBody>
-      </p:sp>
-      <p:sp>
-        <p:nvSpPr>
-          <p:cNvPr id="18" name="직사각형 17">
-            <a:extLst>
-              <a:ext uri="{FF2B5EF4-FFF2-40B4-BE49-F238E27FC236}">
-                <a16:creationId xmlns:a16="http://schemas.microsoft.com/office/drawing/2014/main" id="{9BF7A381-31C8-3368-B107-FC7A5E3D2C34}"/>
+            <a:r>
+              <a:rPr lang="ko-KR" altLang="en-US" dirty="0">
+                <a:solidFill>
+                  <a:schemeClr val="tx1"/>
+                </a:solidFill>
+              </a:rPr>
+              <a:t>다음 레벨 이동 버튼</a:t>
+            </a:r>
+            <a:endParaRPr lang="en-US" altLang="ko-KR" dirty="0">
+              <a:solidFill>
+                <a:schemeClr val="tx1"/>
+              </a:solidFill>
+            </a:endParaRPr>
+          </a:p>
+          <a:p>
+            <a:pPr algn="ctr"/>
+            <a:r>
+              <a:rPr lang="ko-KR" altLang="en-US" dirty="0">
+                <a:solidFill>
+                  <a:schemeClr val="accent6"/>
+                </a:solidFill>
+              </a:rPr>
+              <a:t>해당 스테이지의 다음 레벨로</a:t>
+            </a:r>
+            <a:endParaRPr lang="en-US" altLang="ko-KR" dirty="0">
+              <a:solidFill>
+                <a:schemeClr val="accent6"/>
+              </a:solidFill>
+            </a:endParaRPr>
+          </a:p>
+          <a:p>
+            <a:pPr algn="ctr"/>
+            <a:r>
+              <a:rPr lang="ko-KR" altLang="en-US" dirty="0">
+                <a:solidFill>
+                  <a:schemeClr val="accent6"/>
+                </a:solidFill>
+              </a:rPr>
+              <a:t>이동하는 버튼</a:t>
+            </a:r>
+          </a:p>
+        </p:txBody>
+      </p:sp>
+      <p:cxnSp>
+        <p:nvCxnSpPr>
+          <p:cNvPr id="27" name="직선 화살표 연결선 26">
+            <a:extLst>
+              <a:ext uri="{FF2B5EF4-FFF2-40B4-BE49-F238E27FC236}">
+                <a16:creationId xmlns:a16="http://schemas.microsoft.com/office/drawing/2014/main" id="{0C34F966-634A-057F-974F-9659B26C328A}"/>
+              </a:ext>
+            </a:extLst>
+          </p:cNvPr>
+          <p:cNvCxnSpPr>
+            <a:cxnSpLocks/>
+            <a:stCxn id="28" idx="1"/>
+            <a:endCxn id="18" idx="3"/>
+          </p:cNvCxnSpPr>
+          <p:nvPr/>
+        </p:nvCxnSpPr>
+        <p:spPr>
+          <a:xfrm flipH="1">
+            <a:off x="7084291" y="5022421"/>
+            <a:ext cx="1408543" cy="0"/>
+          </a:xfrm>
+          <a:prstGeom prst="straightConnector1">
+            <a:avLst/>
+          </a:prstGeom>
+          <a:ln>
+            <a:tailEnd type="triangle"/>
+          </a:ln>
+        </p:spPr>
+        <p:style>
+          <a:lnRef idx="2">
+            <a:schemeClr val="dk1"/>
+          </a:lnRef>
+          <a:fillRef idx="0">
+            <a:schemeClr val="dk1"/>
+          </a:fillRef>
+          <a:effectRef idx="1">
+            <a:schemeClr val="dk1"/>
+          </a:effectRef>
+          <a:fontRef idx="minor">
+            <a:schemeClr val="tx1"/>
+          </a:fontRef>
+        </p:style>
+      </p:cxnSp>
+      <p:sp>
+        <p:nvSpPr>
+          <p:cNvPr id="28" name="직사각형 27">
+            <a:extLst>
+              <a:ext uri="{FF2B5EF4-FFF2-40B4-BE49-F238E27FC236}">
+                <a16:creationId xmlns:a16="http://schemas.microsoft.com/office/drawing/2014/main" id="{BA101F87-1190-81E3-3653-48631551F042}"/>
               </a:ext>
             </a:extLst>
           </p:cNvPr>
@@ -10167,18 +8124,19 @@
         </p:nvSpPr>
         <p:spPr>
           <a:xfrm>
-            <a:off x="4668979" y="3927713"/>
-            <a:ext cx="2854038" cy="804812"/>
+            <a:off x="8492834" y="4660379"/>
+            <a:ext cx="3218875" cy="724083"/>
           </a:xfrm>
           <a:prstGeom prst="rect">
             <a:avLst/>
           </a:prstGeom>
-          <a:noFill/>
+          <a:solidFill>
+            <a:schemeClr val="bg1"/>
+          </a:solidFill>
           <a:ln>
             <a:solidFill>
               <a:schemeClr val="tx1"/>
             </a:solidFill>
-            <a:prstDash val="dash"/>
           </a:ln>
         </p:spPr>
         <p:style>
@@ -10202,59 +8160,47 @@
           <a:lstStyle/>
           <a:p>
             <a:pPr algn="ctr"/>
-            <a:endParaRPr lang="ko-KR" altLang="en-US"/>
-          </a:p>
-        </p:txBody>
-      </p:sp>
-      <p:cxnSp>
-        <p:nvCxnSpPr>
-          <p:cNvPr id="23" name="직선 화살표 연결선 22">
-            <a:extLst>
-              <a:ext uri="{FF2B5EF4-FFF2-40B4-BE49-F238E27FC236}">
-                <a16:creationId xmlns:a16="http://schemas.microsoft.com/office/drawing/2014/main" id="{64A552EA-9B1F-5E17-CF56-79AE31C8CE7C}"/>
-              </a:ext>
-            </a:extLst>
-          </p:cNvPr>
-          <p:cNvCxnSpPr>
-            <a:cxnSpLocks/>
-            <a:stCxn id="24" idx="3"/>
-            <a:endCxn id="18" idx="1"/>
-          </p:cNvCxnSpPr>
-          <p:nvPr/>
-        </p:nvCxnSpPr>
-        <p:spPr>
-          <a:xfrm>
-            <a:off x="3846946" y="4330119"/>
-            <a:ext cx="822033" cy="0"/>
-          </a:xfrm>
-          <a:prstGeom prst="straightConnector1">
-            <a:avLst/>
-          </a:prstGeom>
-          <a:ln>
-            <a:tailEnd type="triangle"/>
-          </a:ln>
-        </p:spPr>
-        <p:style>
-          <a:lnRef idx="2">
-            <a:schemeClr val="dk1"/>
-          </a:lnRef>
-          <a:fillRef idx="0">
-            <a:schemeClr val="dk1"/>
-          </a:fillRef>
-          <a:effectRef idx="1">
-            <a:schemeClr val="dk1"/>
-          </a:effectRef>
-          <a:fontRef idx="minor">
-            <a:schemeClr val="tx1"/>
-          </a:fontRef>
-        </p:style>
-      </p:cxnSp>
-      <p:sp>
-        <p:nvSpPr>
-          <p:cNvPr id="24" name="직사각형 23">
-            <a:extLst>
-              <a:ext uri="{FF2B5EF4-FFF2-40B4-BE49-F238E27FC236}">
-                <a16:creationId xmlns:a16="http://schemas.microsoft.com/office/drawing/2014/main" id="{ADF677EC-3235-BA93-CAFB-77E39042B2AD}"/>
+            <a:r>
+              <a:rPr lang="ko-KR" altLang="en-US" dirty="0">
+                <a:solidFill>
+                  <a:schemeClr val="accent6"/>
+                </a:solidFill>
+              </a:rPr>
+              <a:t>마지막 레벨 </a:t>
+            </a:r>
+            <a:r>
+              <a:rPr lang="ko-KR" altLang="en-US">
+                <a:solidFill>
+                  <a:schemeClr val="accent6"/>
+                </a:solidFill>
+              </a:rPr>
+              <a:t>클리어 이후에는</a:t>
+            </a:r>
+            <a:endParaRPr lang="en-US" altLang="ko-KR" dirty="0">
+              <a:solidFill>
+                <a:schemeClr val="accent6"/>
+              </a:solidFill>
+            </a:endParaRPr>
+          </a:p>
+          <a:p>
+            <a:pPr algn="ctr"/>
+            <a:r>
+              <a:rPr lang="ko-KR" altLang="en-US" dirty="0">
+                <a:solidFill>
+                  <a:schemeClr val="accent6"/>
+                </a:solidFill>
+              </a:rPr>
+              <a:t>출력되지 않음</a:t>
+            </a:r>
+          </a:p>
+        </p:txBody>
+      </p:sp>
+      <p:sp>
+        <p:nvSpPr>
+          <p:cNvPr id="29" name="직사각형 28">
+            <a:extLst>
+              <a:ext uri="{FF2B5EF4-FFF2-40B4-BE49-F238E27FC236}">
+                <a16:creationId xmlns:a16="http://schemas.microsoft.com/office/drawing/2014/main" id="{236E959B-0125-A21D-DC8F-FEFE71299A05}"/>
               </a:ext>
             </a:extLst>
           </p:cNvPr>
@@ -10263,8 +8209,8 @@
         </p:nvSpPr>
         <p:spPr>
           <a:xfrm>
-            <a:off x="188553" y="3707166"/>
-            <a:ext cx="3658393" cy="1245905"/>
+            <a:off x="8811491" y="1764141"/>
+            <a:ext cx="2641598" cy="1083926"/>
           </a:xfrm>
           <a:prstGeom prst="rect">
             <a:avLst/>
@@ -10302,26 +8248,10 @@
             <a:r>
               <a:rPr lang="ko-KR" altLang="en-US" dirty="0">
                 <a:solidFill>
-                  <a:schemeClr val="tx1"/>
-                </a:solidFill>
-              </a:rPr>
-              <a:t>다음 레벨 이동 버튼</a:t>
-            </a:r>
-            <a:endParaRPr lang="en-US" altLang="ko-KR" dirty="0">
-              <a:solidFill>
-                <a:schemeClr val="tx1"/>
-              </a:solidFill>
-            </a:endParaRPr>
-          </a:p>
-          <a:p>
-            <a:pPr algn="ctr"/>
-            <a:r>
-              <a:rPr lang="ko-KR" altLang="en-US" dirty="0">
-                <a:solidFill>
                   <a:schemeClr val="accent6"/>
                 </a:solidFill>
               </a:rPr>
-              <a:t>해당 스테이지의 다음 레벨로</a:t>
+              <a:t>별개의 씬 이 아니라</a:t>
             </a:r>
             <a:endParaRPr lang="en-US" altLang="ko-KR" dirty="0">
               <a:solidFill>
@@ -10337,31 +8267,156 @@
                   <a:schemeClr val="accent6"/>
                 </a:solidFill>
               </a:rPr>
-              <a:t>이동하는 버튼</a:t>
+              <a:t>팝업으로 표시됨</a:t>
+            </a:r>
+          </a:p>
+        </p:txBody>
+      </p:sp>
+    </p:spTree>
+    <p:extLst>
+      <p:ext uri="{BB962C8B-B14F-4D97-AF65-F5344CB8AC3E}">
+        <p14:creationId xmlns:p14="http://schemas.microsoft.com/office/powerpoint/2010/main" val="376288463"/>
+      </p:ext>
+    </p:extLst>
+  </p:cSld>
+  <p:clrMapOvr>
+    <a:masterClrMapping/>
+  </p:clrMapOvr>
+</p:sld>
+</file>
+
+<file path=ppt/slides/slide9.xml><?xml version="1.0" encoding="utf-8"?>
+<p:sld xmlns:a="http://schemas.openxmlformats.org/drawingml/2006/main" xmlns:r="http://schemas.openxmlformats.org/officeDocument/2006/relationships" xmlns:p="http://schemas.openxmlformats.org/presentationml/2006/main">
+  <p:cSld>
+    <p:spTree>
+      <p:nvGrpSpPr>
+        <p:cNvPr id="1" name=""/>
+        <p:cNvGrpSpPr/>
+        <p:nvPr/>
+      </p:nvGrpSpPr>
+      <p:grpSpPr>
+        <a:xfrm>
+          <a:off x="0" y="0"/>
+          <a:ext cx="0" cy="0"/>
+          <a:chOff x="0" y="0"/>
+          <a:chExt cx="0" cy="0"/>
+        </a:xfrm>
+      </p:grpSpPr>
+      <p:pic>
+        <p:nvPicPr>
+          <p:cNvPr id="14" name="그림 13" descr="스크린샷, 텍스트이(가) 표시된 사진&#10;&#10;자동 생성된 설명">
+            <a:extLst>
+              <a:ext uri="{FF2B5EF4-FFF2-40B4-BE49-F238E27FC236}">
+                <a16:creationId xmlns:a16="http://schemas.microsoft.com/office/drawing/2014/main" id="{8BD40474-57CA-5C5A-5B00-5C43D4B2566A}"/>
+              </a:ext>
+            </a:extLst>
+          </p:cNvPr>
+          <p:cNvPicPr>
+            <a:picLocks noChangeAspect="1"/>
+          </p:cNvPicPr>
+          <p:nvPr/>
+        </p:nvPicPr>
+        <p:blipFill>
+          <a:blip r:embed="rId2">
+            <a:extLst>
+              <a:ext uri="{28A0092B-C50C-407E-A947-70E740481C1C}">
+                <a14:useLocalDpi xmlns:a14="http://schemas.microsoft.com/office/drawing/2010/main" val="0"/>
+              </a:ext>
+            </a:extLst>
+          </a:blip>
+          <a:stretch>
+            <a:fillRect/>
+          </a:stretch>
+        </p:blipFill>
+        <p:spPr>
+          <a:xfrm>
+            <a:off x="4058292" y="0"/>
+            <a:ext cx="4075416" cy="6858000"/>
+          </a:xfrm>
+          <a:prstGeom prst="rect">
+            <a:avLst/>
+          </a:prstGeom>
+        </p:spPr>
+      </p:pic>
+      <p:sp>
+        <p:nvSpPr>
+          <p:cNvPr id="10" name="TextBox 9">
+            <a:extLst>
+              <a:ext uri="{FF2B5EF4-FFF2-40B4-BE49-F238E27FC236}">
+                <a16:creationId xmlns:a16="http://schemas.microsoft.com/office/drawing/2014/main" id="{7565B562-BC7E-0A77-C53E-845C771F04AE}"/>
+              </a:ext>
+            </a:extLst>
+          </p:cNvPr>
+          <p:cNvSpPr txBox="1"/>
+          <p:nvPr/>
+        </p:nvSpPr>
+        <p:spPr>
+          <a:xfrm>
+            <a:off x="0" y="0"/>
+            <a:ext cx="3846947" cy="523220"/>
+          </a:xfrm>
+          <a:prstGeom prst="rect">
+            <a:avLst/>
+          </a:prstGeom>
+          <a:noFill/>
+        </p:spPr>
+        <p:txBody>
+          <a:bodyPr wrap="square" rtlCol="0">
+            <a:spAutoFit/>
+          </a:bodyPr>
+          <a:lstStyle/>
+          <a:p>
+            <a:r>
+              <a:rPr lang="en-US" altLang="ko-KR" sz="2800" b="1" dirty="0">
+                <a:solidFill>
+                  <a:schemeClr val="tx1">
+                    <a:lumMod val="85000"/>
+                    <a:lumOff val="15000"/>
+                  </a:schemeClr>
+                </a:solidFill>
+                <a:latin typeface="Malgun Gothic Semilight" panose="020B0502040204020203" pitchFamily="50" charset="-127"/>
+                <a:ea typeface="Malgun Gothic Semilight" panose="020B0502040204020203" pitchFamily="50" charset="-127"/>
+                <a:cs typeface="Malgun Gothic Semilight" panose="020B0502040204020203" pitchFamily="50" charset="-127"/>
+              </a:rPr>
+              <a:t>8. </a:t>
+            </a:r>
+            <a:r>
+              <a:rPr lang="ko-KR" altLang="en-US" sz="2800" b="1" dirty="0">
+                <a:solidFill>
+                  <a:schemeClr val="tx1">
+                    <a:lumMod val="85000"/>
+                    <a:lumOff val="15000"/>
+                  </a:schemeClr>
+                </a:solidFill>
+                <a:latin typeface="Malgun Gothic Semilight" panose="020B0502040204020203" pitchFamily="50" charset="-127"/>
+                <a:ea typeface="Malgun Gothic Semilight" panose="020B0502040204020203" pitchFamily="50" charset="-127"/>
+                <a:cs typeface="Malgun Gothic Semilight" panose="020B0502040204020203" pitchFamily="50" charset="-127"/>
+              </a:rPr>
+              <a:t>갤러리 화면</a:t>
             </a:r>
           </a:p>
         </p:txBody>
       </p:sp>
       <p:cxnSp>
         <p:nvCxnSpPr>
-          <p:cNvPr id="27" name="직선 화살표 연결선 26">
-            <a:extLst>
-              <a:ext uri="{FF2B5EF4-FFF2-40B4-BE49-F238E27FC236}">
-                <a16:creationId xmlns:a16="http://schemas.microsoft.com/office/drawing/2014/main" id="{0C34F966-634A-057F-974F-9659B26C328A}"/>
+          <p:cNvPr id="12" name="직선 화살표 연결선 11">
+            <a:extLst>
+              <a:ext uri="{FF2B5EF4-FFF2-40B4-BE49-F238E27FC236}">
+                <a16:creationId xmlns:a16="http://schemas.microsoft.com/office/drawing/2014/main" id="{A2658DD9-9FF7-5148-84CF-AC37735ED2E5}"/>
               </a:ext>
             </a:extLst>
           </p:cNvPr>
           <p:cNvCxnSpPr>
             <a:cxnSpLocks/>
-            <a:stCxn id="28" idx="1"/>
-            <a:endCxn id="18" idx="3"/>
+            <a:stCxn id="15" idx="3"/>
+            <a:endCxn id="16" idx="1"/>
           </p:cNvCxnSpPr>
           <p:nvPr/>
         </p:nvCxnSpPr>
         <p:spPr>
-          <a:xfrm flipH="1" flipV="1">
-            <a:off x="7523017" y="4330119"/>
-            <a:ext cx="822035" cy="1173401"/>
+          <a:xfrm>
+            <a:off x="3666186" y="2108874"/>
+            <a:ext cx="392107" cy="0"/>
           </a:xfrm>
           <a:prstGeom prst="straightConnector1">
             <a:avLst/>
@@ -10387,10 +8442,10 @@
       </p:cxnSp>
       <p:sp>
         <p:nvSpPr>
-          <p:cNvPr id="28" name="직사각형 27">
-            <a:extLst>
-              <a:ext uri="{FF2B5EF4-FFF2-40B4-BE49-F238E27FC236}">
-                <a16:creationId xmlns:a16="http://schemas.microsoft.com/office/drawing/2014/main" id="{BA101F87-1190-81E3-3653-48631551F042}"/>
+          <p:cNvPr id="15" name="직사각형 14">
+            <a:extLst>
+              <a:ext uri="{FF2B5EF4-FFF2-40B4-BE49-F238E27FC236}">
+                <a16:creationId xmlns:a16="http://schemas.microsoft.com/office/drawing/2014/main" id="{1D698833-1506-967D-701F-CB1BC7662905}"/>
               </a:ext>
             </a:extLst>
           </p:cNvPr>
@@ -10399,8 +8454,8 @@
         </p:nvSpPr>
         <p:spPr>
           <a:xfrm>
-            <a:off x="8345052" y="5141478"/>
-            <a:ext cx="3726873" cy="724083"/>
+            <a:off x="7793" y="1395911"/>
+            <a:ext cx="3658393" cy="1425925"/>
           </a:xfrm>
           <a:prstGeom prst="rect">
             <a:avLst/>
@@ -10438,14 +8493,14 @@
             <a:r>
               <a:rPr lang="ko-KR" altLang="en-US" dirty="0">
                 <a:solidFill>
-                  <a:schemeClr val="accent6"/>
-                </a:solidFill>
-              </a:rPr>
-              <a:t>마지막 레벨 클리어 시에는</a:t>
+                  <a:schemeClr val="tx1"/>
+                </a:solidFill>
+              </a:rPr>
+              <a:t>갤러리</a:t>
             </a:r>
             <a:endParaRPr lang="en-US" altLang="ko-KR" dirty="0">
               <a:solidFill>
-                <a:schemeClr val="accent6"/>
+                <a:schemeClr val="tx1"/>
               </a:solidFill>
             </a:endParaRPr>
           </a:p>
@@ -10454,154 +8509,85 @@
             <a:r>
               <a:rPr lang="ko-KR" altLang="en-US" dirty="0">
                 <a:solidFill>
-                  <a:schemeClr val="accent6"/>
-                </a:solidFill>
-              </a:rPr>
-              <a:t>메인 메뉴로 가는 버튼으로 교체됨</a:t>
-            </a:r>
-          </a:p>
-        </p:txBody>
-      </p:sp>
-    </p:spTree>
-    <p:extLst>
-      <p:ext uri="{BB962C8B-B14F-4D97-AF65-F5344CB8AC3E}">
-        <p14:creationId xmlns:p14="http://schemas.microsoft.com/office/powerpoint/2010/main" val="376288463"/>
-      </p:ext>
-    </p:extLst>
-  </p:cSld>
-  <p:clrMapOvr>
-    <a:masterClrMapping/>
-  </p:clrMapOvr>
-</p:sld>
-</file>
-
-<file path=ppt/slides/slide9.xml><?xml version="1.0" encoding="utf-8"?>
-<p:sld xmlns:a="http://schemas.openxmlformats.org/drawingml/2006/main" xmlns:r="http://schemas.openxmlformats.org/officeDocument/2006/relationships" xmlns:p="http://schemas.openxmlformats.org/presentationml/2006/main">
-  <p:cSld>
-    <p:bg>
-      <p:bgPr>
-        <a:gradFill flip="none" rotWithShape="1">
-          <a:gsLst>
-            <a:gs pos="0">
-              <a:schemeClr val="tx1"/>
-            </a:gs>
-            <a:gs pos="18000">
-              <a:schemeClr val="tx2">
-                <a:lumMod val="75000"/>
-                <a:lumOff val="25000"/>
-              </a:schemeClr>
-            </a:gs>
-            <a:gs pos="44000">
-              <a:schemeClr val="accent1">
-                <a:lumMod val="40000"/>
-                <a:lumOff val="60000"/>
-              </a:schemeClr>
-            </a:gs>
-            <a:gs pos="100000">
-              <a:schemeClr val="accent1">
-                <a:lumMod val="20000"/>
-                <a:lumOff val="80000"/>
-              </a:schemeClr>
-            </a:gs>
-          </a:gsLst>
-          <a:lin ang="5400000" scaled="1"/>
-          <a:tileRect/>
-        </a:gradFill>
-        <a:effectLst/>
-      </p:bgPr>
-    </p:bg>
-    <p:spTree>
-      <p:nvGrpSpPr>
-        <p:cNvPr id="1" name=""/>
-        <p:cNvGrpSpPr/>
-        <p:nvPr/>
-      </p:nvGrpSpPr>
-      <p:grpSpPr>
-        <a:xfrm>
-          <a:off x="0" y="0"/>
-          <a:ext cx="0" cy="0"/>
-          <a:chOff x="0" y="0"/>
-          <a:chExt cx="0" cy="0"/>
-        </a:xfrm>
-      </p:grpSpPr>
-      <p:sp>
-        <p:nvSpPr>
-          <p:cNvPr id="10" name="TextBox 9">
-            <a:extLst>
-              <a:ext uri="{FF2B5EF4-FFF2-40B4-BE49-F238E27FC236}">
-                <a16:creationId xmlns:a16="http://schemas.microsoft.com/office/drawing/2014/main" id="{7565B562-BC7E-0A77-C53E-845C771F04AE}"/>
-              </a:ext>
-            </a:extLst>
-          </p:cNvPr>
-          <p:cNvSpPr txBox="1"/>
+                  <a:schemeClr val="tx1"/>
+                </a:solidFill>
+              </a:rPr>
+              <a:t>팀원들이 좋아하는 각종 게임이나</a:t>
+            </a:r>
+            <a:endParaRPr lang="en-US" altLang="ko-KR" dirty="0">
+              <a:solidFill>
+                <a:schemeClr val="tx1"/>
+              </a:solidFill>
+            </a:endParaRPr>
+          </a:p>
+          <a:p>
+            <a:pPr algn="ctr"/>
+            <a:r>
+              <a:rPr lang="ko-KR" altLang="en-US" dirty="0">
+                <a:solidFill>
+                  <a:schemeClr val="tx1"/>
+                </a:solidFill>
+              </a:rPr>
+              <a:t>창작물들의 이미지가 출력되지만</a:t>
+            </a:r>
+            <a:endParaRPr lang="en-US" altLang="ko-KR" dirty="0">
+              <a:solidFill>
+                <a:schemeClr val="tx1"/>
+              </a:solidFill>
+            </a:endParaRPr>
+          </a:p>
+          <a:p>
+            <a:pPr algn="ctr"/>
+            <a:r>
+              <a:rPr lang="ko-KR" altLang="en-US" dirty="0">
+                <a:solidFill>
+                  <a:schemeClr val="tx1"/>
+                </a:solidFill>
+              </a:rPr>
+              <a:t>첫 레벨 클리어 시에는 </a:t>
+            </a:r>
+            <a:r>
+              <a:rPr lang="ko-KR" altLang="en-US" dirty="0" err="1">
+                <a:solidFill>
+                  <a:schemeClr val="tx1"/>
+                </a:solidFill>
+              </a:rPr>
+              <a:t>잠겨있음</a:t>
+            </a:r>
+            <a:endParaRPr lang="en-US" altLang="ko-KR" dirty="0">
+              <a:solidFill>
+                <a:schemeClr val="tx1"/>
+              </a:solidFill>
+            </a:endParaRPr>
+          </a:p>
+        </p:txBody>
+      </p:sp>
+      <p:sp>
+        <p:nvSpPr>
+          <p:cNvPr id="16" name="직사각형 15">
+            <a:extLst>
+              <a:ext uri="{FF2B5EF4-FFF2-40B4-BE49-F238E27FC236}">
+                <a16:creationId xmlns:a16="http://schemas.microsoft.com/office/drawing/2014/main" id="{B9782413-3D07-5520-65C0-363F09F22CE9}"/>
+              </a:ext>
+            </a:extLst>
+          </p:cNvPr>
+          <p:cNvSpPr/>
           <p:nvPr/>
         </p:nvSpPr>
         <p:spPr>
           <a:xfrm>
-            <a:off x="0" y="0"/>
-            <a:ext cx="3846947" cy="523220"/>
+            <a:off x="4058293" y="969818"/>
+            <a:ext cx="4075416" cy="2278111"/>
           </a:xfrm>
           <a:prstGeom prst="rect">
             <a:avLst/>
           </a:prstGeom>
           <a:noFill/>
-        </p:spPr>
-        <p:txBody>
-          <a:bodyPr wrap="square" rtlCol="0">
-            <a:spAutoFit/>
-          </a:bodyPr>
-          <a:lstStyle/>
-          <a:p>
-            <a:r>
-              <a:rPr lang="en-US" altLang="ko-KR" sz="2800" b="1" dirty="0">
-                <a:solidFill>
-                  <a:schemeClr val="bg1"/>
-                </a:solidFill>
-                <a:latin typeface="Malgun Gothic Semilight" panose="020B0502040204020203" pitchFamily="50" charset="-127"/>
-                <a:ea typeface="Malgun Gothic Semilight" panose="020B0502040204020203" pitchFamily="50" charset="-127"/>
-                <a:cs typeface="Malgun Gothic Semilight" panose="020B0502040204020203" pitchFamily="50" charset="-127"/>
-              </a:rPr>
-              <a:t>8. </a:t>
-            </a:r>
-            <a:r>
-              <a:rPr lang="ko-KR" altLang="en-US" sz="2800" b="1" dirty="0">
-                <a:solidFill>
-                  <a:schemeClr val="bg1"/>
-                </a:solidFill>
-                <a:latin typeface="Malgun Gothic Semilight" panose="020B0502040204020203" pitchFamily="50" charset="-127"/>
-                <a:ea typeface="Malgun Gothic Semilight" panose="020B0502040204020203" pitchFamily="50" charset="-127"/>
-                <a:cs typeface="Malgun Gothic Semilight" panose="020B0502040204020203" pitchFamily="50" charset="-127"/>
-              </a:rPr>
-              <a:t>갤러리 화면</a:t>
-            </a:r>
-          </a:p>
-        </p:txBody>
-      </p:sp>
-      <p:sp>
-        <p:nvSpPr>
-          <p:cNvPr id="31" name="직사각형 30">
-            <a:extLst>
-              <a:ext uri="{FF2B5EF4-FFF2-40B4-BE49-F238E27FC236}">
-                <a16:creationId xmlns:a16="http://schemas.microsoft.com/office/drawing/2014/main" id="{779F2C6D-1A0E-032E-C54C-FC7E30F85DB0}"/>
-              </a:ext>
-            </a:extLst>
-          </p:cNvPr>
-          <p:cNvSpPr/>
-          <p:nvPr/>
-        </p:nvSpPr>
-        <p:spPr>
-          <a:xfrm>
-            <a:off x="3952874" y="1"/>
-            <a:ext cx="4286251" cy="6858000"/>
-          </a:xfrm>
-          <a:prstGeom prst="rect">
-            <a:avLst/>
-          </a:prstGeom>
-          <a:solidFill>
-            <a:srgbClr val="5B5AFE"/>
-          </a:solidFill>
           <a:ln>
-            <a:noFill/>
+            <a:solidFill>
+              <a:schemeClr val="tx1"/>
+            </a:solidFill>
+            <a:prstDash val="dash"/>
           </a:ln>
         </p:spPr>
         <p:style>
@@ -10629,97 +8615,55 @@
           </a:p>
         </p:txBody>
       </p:sp>
-      <p:sp>
-        <p:nvSpPr>
-          <p:cNvPr id="2" name="TextBox 1">
-            <a:extLst>
-              <a:ext uri="{FF2B5EF4-FFF2-40B4-BE49-F238E27FC236}">
-                <a16:creationId xmlns:a16="http://schemas.microsoft.com/office/drawing/2014/main" id="{22CA6F19-5F5B-6824-8A5A-06D103C80A92}"/>
-              </a:ext>
-            </a:extLst>
-          </p:cNvPr>
-          <p:cNvSpPr txBox="1"/>
+      <p:cxnSp>
+        <p:nvCxnSpPr>
+          <p:cNvPr id="26" name="직선 화살표 연결선 25">
+            <a:extLst>
+              <a:ext uri="{FF2B5EF4-FFF2-40B4-BE49-F238E27FC236}">
+                <a16:creationId xmlns:a16="http://schemas.microsoft.com/office/drawing/2014/main" id="{C316F86F-24F2-9DDC-8F7B-BEBBC20C8BD7}"/>
+              </a:ext>
+            </a:extLst>
+          </p:cNvPr>
+          <p:cNvCxnSpPr>
+            <a:cxnSpLocks/>
+            <a:stCxn id="29" idx="3"/>
+            <a:endCxn id="30" idx="1"/>
+          </p:cNvCxnSpPr>
           <p:nvPr/>
-        </p:nvSpPr>
-        <p:spPr>
-          <a:xfrm>
-            <a:off x="4507344" y="523220"/>
-            <a:ext cx="3177309" cy="523220"/>
-          </a:xfrm>
-          <a:prstGeom prst="rect">
+        </p:nvCxnSpPr>
+        <p:spPr>
+          <a:xfrm>
+            <a:off x="3666187" y="3613563"/>
+            <a:ext cx="540974" cy="73212"/>
+          </a:xfrm>
+          <a:prstGeom prst="straightConnector1">
             <a:avLst/>
           </a:prstGeom>
-          <a:noFill/>
-        </p:spPr>
-        <p:txBody>
-          <a:bodyPr wrap="square" rtlCol="0">
-            <a:spAutoFit/>
-          </a:bodyPr>
-          <a:lstStyle/>
-          <a:p>
-            <a:pPr algn="ctr"/>
-            <a:r>
-              <a:rPr lang="ko-KR" altLang="en-US" sz="2800" dirty="0">
-                <a:solidFill>
-                  <a:schemeClr val="bg1"/>
-                </a:solidFill>
-              </a:rPr>
-              <a:t>이름</a:t>
-            </a:r>
-          </a:p>
-        </p:txBody>
-      </p:sp>
-      <p:sp>
-        <p:nvSpPr>
-          <p:cNvPr id="3" name="TextBox 2">
-            <a:extLst>
-              <a:ext uri="{FF2B5EF4-FFF2-40B4-BE49-F238E27FC236}">
-                <a16:creationId xmlns:a16="http://schemas.microsoft.com/office/drawing/2014/main" id="{A819F83B-22CE-5B09-AEFA-7A72F4C86595}"/>
-              </a:ext>
-            </a:extLst>
-          </p:cNvPr>
-          <p:cNvSpPr txBox="1"/>
-          <p:nvPr/>
-        </p:nvSpPr>
-        <p:spPr>
-          <a:xfrm>
-            <a:off x="4507344" y="2204237"/>
-            <a:ext cx="3177309" cy="523220"/>
-          </a:xfrm>
-          <a:prstGeom prst="rect">
-            <a:avLst/>
-          </a:prstGeom>
-          <a:noFill/>
-        </p:spPr>
-        <p:txBody>
-          <a:bodyPr wrap="square" rtlCol="0">
-            <a:spAutoFit/>
-          </a:bodyPr>
-          <a:lstStyle/>
-          <a:p>
-            <a:pPr algn="ctr"/>
-            <a:r>
-              <a:rPr lang="ko-KR" altLang="en-US" sz="2800">
-                <a:solidFill>
-                  <a:schemeClr val="bg1"/>
-                </a:solidFill>
-              </a:rPr>
-              <a:t>정보 문구</a:t>
-            </a:r>
-            <a:endParaRPr lang="ko-KR" altLang="en-US" sz="2800" dirty="0">
-              <a:solidFill>
-                <a:schemeClr val="bg1"/>
-              </a:solidFill>
-            </a:endParaRPr>
-          </a:p>
-        </p:txBody>
-      </p:sp>
-      <p:sp>
-        <p:nvSpPr>
-          <p:cNvPr id="4" name="직사각형 3">
-            <a:extLst>
-              <a:ext uri="{FF2B5EF4-FFF2-40B4-BE49-F238E27FC236}">
-                <a16:creationId xmlns:a16="http://schemas.microsoft.com/office/drawing/2014/main" id="{F2450528-E3FA-37D4-CE2C-A23B00BFDE50}"/>
+          <a:ln>
+            <a:tailEnd type="triangle"/>
+          </a:ln>
+        </p:spPr>
+        <p:style>
+          <a:lnRef idx="2">
+            <a:schemeClr val="dk1"/>
+          </a:lnRef>
+          <a:fillRef idx="0">
+            <a:schemeClr val="dk1"/>
+          </a:fillRef>
+          <a:effectRef idx="1">
+            <a:schemeClr val="dk1"/>
+          </a:effectRef>
+          <a:fontRef idx="minor">
+            <a:schemeClr val="tx1"/>
+          </a:fontRef>
+        </p:style>
+      </p:cxnSp>
+      <p:sp>
+        <p:nvSpPr>
+          <p:cNvPr id="29" name="직사각형 28">
+            <a:extLst>
+              <a:ext uri="{FF2B5EF4-FFF2-40B4-BE49-F238E27FC236}">
+                <a16:creationId xmlns:a16="http://schemas.microsoft.com/office/drawing/2014/main" id="{7E778018-B364-CC82-A179-A91FB5ED284F}"/>
               </a:ext>
             </a:extLst>
           </p:cNvPr>
@@ -10728,8 +8672,8 @@
         </p:nvSpPr>
         <p:spPr>
           <a:xfrm>
-            <a:off x="5079710" y="4861162"/>
-            <a:ext cx="591127" cy="591127"/>
+            <a:off x="7794" y="2990610"/>
+            <a:ext cx="3658393" cy="1245905"/>
           </a:xfrm>
           <a:prstGeom prst="rect">
             <a:avLst/>
@@ -10764,16 +8708,55 @@
           <a:lstStyle/>
           <a:p>
             <a:pPr algn="ctr"/>
-            <a:endParaRPr lang="ko-KR" altLang="en-US"/>
-          </a:p>
-        </p:txBody>
-      </p:sp>
-      <p:sp>
-        <p:nvSpPr>
-          <p:cNvPr id="5" name="직사각형 4">
-            <a:extLst>
-              <a:ext uri="{FF2B5EF4-FFF2-40B4-BE49-F238E27FC236}">
-                <a16:creationId xmlns:a16="http://schemas.microsoft.com/office/drawing/2014/main" id="{53862255-468C-57D1-D3FC-CCF7B4D4DD51}"/>
+            <a:r>
+              <a:rPr lang="ko-KR" altLang="en-US" dirty="0">
+                <a:solidFill>
+                  <a:schemeClr val="tx1"/>
+                </a:solidFill>
+              </a:rPr>
+              <a:t>갤러리 정보 문구</a:t>
+            </a:r>
+            <a:endParaRPr lang="en-US" altLang="ko-KR" dirty="0">
+              <a:solidFill>
+                <a:schemeClr val="tx1"/>
+              </a:solidFill>
+            </a:endParaRPr>
+          </a:p>
+          <a:p>
+            <a:pPr algn="ctr"/>
+            <a:r>
+              <a:rPr lang="ko-KR" altLang="en-US" dirty="0">
+                <a:solidFill>
+                  <a:schemeClr val="tx1"/>
+                </a:solidFill>
+              </a:rPr>
+              <a:t>스테이지 제작자 분이 작성하신</a:t>
+            </a:r>
+            <a:endParaRPr lang="en-US" altLang="ko-KR" dirty="0">
+              <a:solidFill>
+                <a:schemeClr val="tx1"/>
+              </a:solidFill>
+            </a:endParaRPr>
+          </a:p>
+          <a:p>
+            <a:pPr algn="ctr"/>
+            <a:r>
+              <a:rPr lang="ko-KR" altLang="en-US" dirty="0">
+                <a:solidFill>
+                  <a:schemeClr val="tx1"/>
+                </a:solidFill>
+              </a:rPr>
+              <a:t>게임 소개 문구가 출력 됨</a:t>
+            </a:r>
+          </a:p>
+        </p:txBody>
+      </p:sp>
+      <p:sp>
+        <p:nvSpPr>
+          <p:cNvPr id="30" name="직사각형 29">
+            <a:extLst>
+              <a:ext uri="{FF2B5EF4-FFF2-40B4-BE49-F238E27FC236}">
+                <a16:creationId xmlns:a16="http://schemas.microsoft.com/office/drawing/2014/main" id="{308020DE-BD56-EA85-CE37-79EAA70DA3AE}"/>
               </a:ext>
             </a:extLst>
           </p:cNvPr>
@@ -10782,19 +8765,18 @@
         </p:nvSpPr>
         <p:spPr>
           <a:xfrm>
-            <a:off x="5800436" y="4861161"/>
-            <a:ext cx="591127" cy="591127"/>
+            <a:off x="4207161" y="3317203"/>
+            <a:ext cx="1759529" cy="739144"/>
           </a:xfrm>
           <a:prstGeom prst="rect">
             <a:avLst/>
           </a:prstGeom>
-          <a:solidFill>
-            <a:schemeClr val="bg1"/>
-          </a:solidFill>
+          <a:noFill/>
           <a:ln>
             <a:solidFill>
               <a:schemeClr val="tx1"/>
             </a:solidFill>
+            <a:prstDash val="dash"/>
           </a:ln>
         </p:spPr>
         <p:style>
@@ -10822,12 +8804,55 @@
           </a:p>
         </p:txBody>
       </p:sp>
-      <p:sp>
-        <p:nvSpPr>
-          <p:cNvPr id="6" name="직사각형 5">
-            <a:extLst>
-              <a:ext uri="{FF2B5EF4-FFF2-40B4-BE49-F238E27FC236}">
-                <a16:creationId xmlns:a16="http://schemas.microsoft.com/office/drawing/2014/main" id="{7975573A-A6EA-31CD-F824-07E50B9E222E}"/>
+      <p:cxnSp>
+        <p:nvCxnSpPr>
+          <p:cNvPr id="41" name="직선 화살표 연결선 40">
+            <a:extLst>
+              <a:ext uri="{FF2B5EF4-FFF2-40B4-BE49-F238E27FC236}">
+                <a16:creationId xmlns:a16="http://schemas.microsoft.com/office/drawing/2014/main" id="{47188FBF-518D-595C-52D6-45555D413DE4}"/>
+              </a:ext>
+            </a:extLst>
+          </p:cNvPr>
+          <p:cNvCxnSpPr>
+            <a:cxnSpLocks/>
+            <a:stCxn id="42" idx="3"/>
+            <a:endCxn id="43" idx="1"/>
+          </p:cNvCxnSpPr>
+          <p:nvPr/>
+        </p:nvCxnSpPr>
+        <p:spPr>
+          <a:xfrm>
+            <a:off x="3846947" y="5422537"/>
+            <a:ext cx="211345" cy="0"/>
+          </a:xfrm>
+          <a:prstGeom prst="straightConnector1">
+            <a:avLst/>
+          </a:prstGeom>
+          <a:ln>
+            <a:tailEnd type="triangle"/>
+          </a:ln>
+        </p:spPr>
+        <p:style>
+          <a:lnRef idx="2">
+            <a:schemeClr val="dk1"/>
+          </a:lnRef>
+          <a:fillRef idx="0">
+            <a:schemeClr val="dk1"/>
+          </a:fillRef>
+          <a:effectRef idx="1">
+            <a:schemeClr val="dk1"/>
+          </a:effectRef>
+          <a:fontRef idx="minor">
+            <a:schemeClr val="tx1"/>
+          </a:fontRef>
+        </p:style>
+      </p:cxnSp>
+      <p:sp>
+        <p:nvSpPr>
+          <p:cNvPr id="42" name="직사각형 41">
+            <a:extLst>
+              <a:ext uri="{FF2B5EF4-FFF2-40B4-BE49-F238E27FC236}">
+                <a16:creationId xmlns:a16="http://schemas.microsoft.com/office/drawing/2014/main" id="{C058FDFA-68CB-346D-5A13-D5EF9B9D2F43}"/>
               </a:ext>
             </a:extLst>
           </p:cNvPr>
@@ -10836,8 +8861,8 @@
         </p:nvSpPr>
         <p:spPr>
           <a:xfrm>
-            <a:off x="6521162" y="4861160"/>
-            <a:ext cx="591127" cy="591127"/>
+            <a:off x="94276" y="4799584"/>
+            <a:ext cx="3752671" cy="1245905"/>
           </a:xfrm>
           <a:prstGeom prst="rect">
             <a:avLst/>
@@ -10872,329 +8897,13 @@
           <a:lstStyle/>
           <a:p>
             <a:pPr algn="ctr"/>
-            <a:endParaRPr lang="ko-KR" altLang="en-US"/>
-          </a:p>
-        </p:txBody>
-      </p:sp>
-      <p:sp>
-        <p:nvSpPr>
-          <p:cNvPr id="7" name="직사각형 6">
-            <a:extLst>
-              <a:ext uri="{FF2B5EF4-FFF2-40B4-BE49-F238E27FC236}">
-                <a16:creationId xmlns:a16="http://schemas.microsoft.com/office/drawing/2014/main" id="{8E7FD819-AAC4-807D-DAB6-83A60A9F36DA}"/>
-              </a:ext>
-            </a:extLst>
-          </p:cNvPr>
-          <p:cNvSpPr/>
-          <p:nvPr/>
-        </p:nvSpPr>
-        <p:spPr>
-          <a:xfrm>
-            <a:off x="5079710" y="4130545"/>
-            <a:ext cx="591127" cy="591127"/>
-          </a:xfrm>
-          <a:prstGeom prst="rect">
-            <a:avLst/>
-          </a:prstGeom>
-          <a:solidFill>
-            <a:schemeClr val="bg1"/>
-          </a:solidFill>
-          <a:ln>
-            <a:solidFill>
-              <a:schemeClr val="tx1"/>
-            </a:solidFill>
-          </a:ln>
-        </p:spPr>
-        <p:style>
-          <a:lnRef idx="2">
-            <a:schemeClr val="accent1">
-              <a:shade val="15000"/>
-            </a:schemeClr>
-          </a:lnRef>
-          <a:fillRef idx="1">
-            <a:schemeClr val="accent1"/>
-          </a:fillRef>
-          <a:effectRef idx="0">
-            <a:schemeClr val="accent1"/>
-          </a:effectRef>
-          <a:fontRef idx="minor">
-            <a:schemeClr val="lt1"/>
-          </a:fontRef>
-        </p:style>
-        <p:txBody>
-          <a:bodyPr rtlCol="0" anchor="ctr"/>
-          <a:lstStyle/>
-          <a:p>
-            <a:pPr algn="ctr"/>
-            <a:endParaRPr lang="ko-KR" altLang="en-US"/>
-          </a:p>
-        </p:txBody>
-      </p:sp>
-      <p:sp>
-        <p:nvSpPr>
-          <p:cNvPr id="8" name="직사각형 7">
-            <a:extLst>
-              <a:ext uri="{FF2B5EF4-FFF2-40B4-BE49-F238E27FC236}">
-                <a16:creationId xmlns:a16="http://schemas.microsoft.com/office/drawing/2014/main" id="{3DBC85AD-DEDF-9179-52F0-076302423F98}"/>
-              </a:ext>
-            </a:extLst>
-          </p:cNvPr>
-          <p:cNvSpPr/>
-          <p:nvPr/>
-        </p:nvSpPr>
-        <p:spPr>
-          <a:xfrm>
-            <a:off x="5800436" y="4130545"/>
-            <a:ext cx="591127" cy="591127"/>
-          </a:xfrm>
-          <a:prstGeom prst="rect">
-            <a:avLst/>
-          </a:prstGeom>
-          <a:solidFill>
-            <a:schemeClr val="bg1"/>
-          </a:solidFill>
-          <a:ln>
-            <a:solidFill>
-              <a:schemeClr val="tx1"/>
-            </a:solidFill>
-          </a:ln>
-        </p:spPr>
-        <p:style>
-          <a:lnRef idx="2">
-            <a:schemeClr val="accent1">
-              <a:shade val="15000"/>
-            </a:schemeClr>
-          </a:lnRef>
-          <a:fillRef idx="1">
-            <a:schemeClr val="accent1"/>
-          </a:fillRef>
-          <a:effectRef idx="0">
-            <a:schemeClr val="accent1"/>
-          </a:effectRef>
-          <a:fontRef idx="minor">
-            <a:schemeClr val="lt1"/>
-          </a:fontRef>
-        </p:style>
-        <p:txBody>
-          <a:bodyPr rtlCol="0" anchor="ctr"/>
-          <a:lstStyle/>
-          <a:p>
-            <a:pPr algn="ctr"/>
-            <a:endParaRPr lang="ko-KR" altLang="en-US"/>
-          </a:p>
-        </p:txBody>
-      </p:sp>
-      <p:sp>
-        <p:nvSpPr>
-          <p:cNvPr id="9" name="직사각형 8">
-            <a:extLst>
-              <a:ext uri="{FF2B5EF4-FFF2-40B4-BE49-F238E27FC236}">
-                <a16:creationId xmlns:a16="http://schemas.microsoft.com/office/drawing/2014/main" id="{2BB4C628-A944-3903-2A1F-631E20A11E55}"/>
-              </a:ext>
-            </a:extLst>
-          </p:cNvPr>
-          <p:cNvSpPr/>
-          <p:nvPr/>
-        </p:nvSpPr>
-        <p:spPr>
-          <a:xfrm>
-            <a:off x="6521162" y="4130544"/>
-            <a:ext cx="591127" cy="591127"/>
-          </a:xfrm>
-          <a:prstGeom prst="rect">
-            <a:avLst/>
-          </a:prstGeom>
-          <a:solidFill>
-            <a:schemeClr val="bg1"/>
-          </a:solidFill>
-          <a:ln>
-            <a:solidFill>
-              <a:schemeClr val="tx1"/>
-            </a:solidFill>
-          </a:ln>
-        </p:spPr>
-        <p:style>
-          <a:lnRef idx="2">
-            <a:schemeClr val="accent1">
-              <a:shade val="15000"/>
-            </a:schemeClr>
-          </a:lnRef>
-          <a:fillRef idx="1">
-            <a:schemeClr val="accent1"/>
-          </a:fillRef>
-          <a:effectRef idx="0">
-            <a:schemeClr val="accent1"/>
-          </a:effectRef>
-          <a:fontRef idx="minor">
-            <a:schemeClr val="lt1"/>
-          </a:fontRef>
-        </p:style>
-        <p:txBody>
-          <a:bodyPr rtlCol="0" anchor="ctr"/>
-          <a:lstStyle/>
-          <a:p>
-            <a:pPr algn="ctr"/>
-            <a:endParaRPr lang="ko-KR" altLang="en-US"/>
-          </a:p>
-        </p:txBody>
-      </p:sp>
-      <p:sp>
-        <p:nvSpPr>
-          <p:cNvPr id="11" name="화살표: 오른쪽 10">
-            <a:extLst>
-              <a:ext uri="{FF2B5EF4-FFF2-40B4-BE49-F238E27FC236}">
-                <a16:creationId xmlns:a16="http://schemas.microsoft.com/office/drawing/2014/main" id="{3330C7BD-3C9E-1DCB-3DF6-B6136306D432}"/>
-              </a:ext>
-            </a:extLst>
-          </p:cNvPr>
-          <p:cNvSpPr/>
-          <p:nvPr/>
-        </p:nvSpPr>
-        <p:spPr>
-          <a:xfrm>
-            <a:off x="4063999" y="117974"/>
-            <a:ext cx="858983" cy="531091"/>
-          </a:xfrm>
-          <a:prstGeom prst="rightArrow">
-            <a:avLst/>
-          </a:prstGeom>
-          <a:solidFill>
-            <a:srgbClr val="FF0000"/>
-          </a:solidFill>
-          <a:ln>
-            <a:solidFill>
-              <a:srgbClr val="C00000"/>
-            </a:solidFill>
-          </a:ln>
-        </p:spPr>
-        <p:style>
-          <a:lnRef idx="2">
-            <a:schemeClr val="accent1">
-              <a:shade val="15000"/>
-            </a:schemeClr>
-          </a:lnRef>
-          <a:fillRef idx="1">
-            <a:schemeClr val="accent1"/>
-          </a:fillRef>
-          <a:effectRef idx="0">
-            <a:schemeClr val="accent1"/>
-          </a:effectRef>
-          <a:fontRef idx="minor">
-            <a:schemeClr val="lt1"/>
-          </a:fontRef>
-        </p:style>
-        <p:txBody>
-          <a:bodyPr rtlCol="0" anchor="ctr"/>
-          <a:lstStyle/>
-          <a:p>
-            <a:pPr algn="ctr"/>
-            <a:r>
-              <a:rPr lang="ko-KR" altLang="en-US" sz="1000" dirty="0"/>
-              <a:t>돌아가기</a:t>
-            </a:r>
-          </a:p>
-        </p:txBody>
-      </p:sp>
-      <p:cxnSp>
-        <p:nvCxnSpPr>
-          <p:cNvPr id="12" name="직선 화살표 연결선 11">
-            <a:extLst>
-              <a:ext uri="{FF2B5EF4-FFF2-40B4-BE49-F238E27FC236}">
-                <a16:creationId xmlns:a16="http://schemas.microsoft.com/office/drawing/2014/main" id="{A2658DD9-9FF7-5148-84CF-AC37735ED2E5}"/>
-              </a:ext>
-            </a:extLst>
-          </p:cNvPr>
-          <p:cNvCxnSpPr>
-            <a:cxnSpLocks/>
-            <a:stCxn id="15" idx="3"/>
-            <a:endCxn id="16" idx="1"/>
-          </p:cNvCxnSpPr>
-          <p:nvPr/>
-        </p:nvCxnSpPr>
-        <p:spPr>
-          <a:xfrm flipV="1">
-            <a:off x="3121242" y="808357"/>
-            <a:ext cx="2494897" cy="515400"/>
-          </a:xfrm>
-          <a:prstGeom prst="straightConnector1">
-            <a:avLst/>
-          </a:prstGeom>
-          <a:ln>
-            <a:tailEnd type="triangle"/>
-          </a:ln>
-        </p:spPr>
-        <p:style>
-          <a:lnRef idx="2">
-            <a:schemeClr val="dk1"/>
-          </a:lnRef>
-          <a:fillRef idx="0">
-            <a:schemeClr val="dk1"/>
-          </a:fillRef>
-          <a:effectRef idx="1">
-            <a:schemeClr val="dk1"/>
-          </a:effectRef>
-          <a:fontRef idx="minor">
-            <a:schemeClr val="tx1"/>
-          </a:fontRef>
-        </p:style>
-      </p:cxnSp>
-      <p:sp>
-        <p:nvSpPr>
-          <p:cNvPr id="15" name="직사각형 14">
-            <a:extLst>
-              <a:ext uri="{FF2B5EF4-FFF2-40B4-BE49-F238E27FC236}">
-                <a16:creationId xmlns:a16="http://schemas.microsoft.com/office/drawing/2014/main" id="{1D698833-1506-967D-701F-CB1BC7662905}"/>
-              </a:ext>
-            </a:extLst>
-          </p:cNvPr>
-          <p:cNvSpPr/>
-          <p:nvPr/>
-        </p:nvSpPr>
-        <p:spPr>
-          <a:xfrm>
-            <a:off x="552740" y="808357"/>
-            <a:ext cx="2568502" cy="1030800"/>
-          </a:xfrm>
-          <a:prstGeom prst="rect">
-            <a:avLst/>
-          </a:prstGeom>
-          <a:solidFill>
-            <a:schemeClr val="bg1"/>
-          </a:solidFill>
-          <a:ln>
-            <a:solidFill>
-              <a:schemeClr val="tx1"/>
-            </a:solidFill>
-          </a:ln>
-        </p:spPr>
-        <p:style>
-          <a:lnRef idx="2">
-            <a:schemeClr val="accent1">
-              <a:shade val="15000"/>
-            </a:schemeClr>
-          </a:lnRef>
-          <a:fillRef idx="1">
-            <a:schemeClr val="accent1"/>
-          </a:fillRef>
-          <a:effectRef idx="0">
-            <a:schemeClr val="accent1"/>
-          </a:effectRef>
-          <a:fontRef idx="minor">
-            <a:schemeClr val="lt1"/>
-          </a:fontRef>
-        </p:style>
-        <p:txBody>
-          <a:bodyPr rtlCol="0" anchor="ctr"/>
-          <a:lstStyle/>
-          <a:p>
-            <a:pPr algn="ctr"/>
             <a:r>
               <a:rPr lang="ko-KR" altLang="en-US" dirty="0">
                 <a:solidFill>
                   <a:schemeClr val="tx1"/>
                 </a:solidFill>
               </a:rPr>
-              <a:t>갤러리 이름 문구</a:t>
+              <a:t>초기에는 갤러리가 잠겨져 있지만</a:t>
             </a:r>
             <a:endParaRPr lang="en-US" altLang="ko-KR" dirty="0">
               <a:solidFill>
@@ -11210,7 +8919,7 @@
                   <a:schemeClr val="tx1"/>
                 </a:solidFill>
               </a:rPr>
-              <a:t>스테이지 제작자 분의</a:t>
+              <a:t>추가 레벨 클리어 시</a:t>
             </a:r>
             <a:endParaRPr lang="en-US" altLang="ko-KR" dirty="0">
               <a:solidFill>
@@ -11226,7 +8935,7 @@
                   <a:schemeClr val="tx1"/>
                 </a:solidFill>
               </a:rPr>
-              <a:t>이름이 출력됨</a:t>
+              <a:t>갤러리가 추가적으로 해금 됨</a:t>
             </a:r>
             <a:endParaRPr lang="en-US" altLang="ko-KR" dirty="0">
               <a:solidFill>
@@ -11238,10 +8947,10 @@
       </p:sp>
       <p:sp>
         <p:nvSpPr>
-          <p:cNvPr id="16" name="직사각형 15">
-            <a:extLst>
-              <a:ext uri="{FF2B5EF4-FFF2-40B4-BE49-F238E27FC236}">
-                <a16:creationId xmlns:a16="http://schemas.microsoft.com/office/drawing/2014/main" id="{B9782413-3D07-5520-65C0-363F09F22CE9}"/>
+          <p:cNvPr id="43" name="직사각형 42">
+            <a:extLst>
+              <a:ext uri="{FF2B5EF4-FFF2-40B4-BE49-F238E27FC236}">
+                <a16:creationId xmlns:a16="http://schemas.microsoft.com/office/drawing/2014/main" id="{0D9B1EE1-CB64-A4B4-364E-96B8ED328DCB}"/>
               </a:ext>
             </a:extLst>
           </p:cNvPr>
@@ -11250,391 +8959,8 @@
         </p:nvSpPr>
         <p:spPr>
           <a:xfrm>
-            <a:off x="5616139" y="546747"/>
-            <a:ext cx="905023" cy="523220"/>
-          </a:xfrm>
-          <a:prstGeom prst="rect">
-            <a:avLst/>
-          </a:prstGeom>
-          <a:noFill/>
-          <a:ln>
-            <a:solidFill>
-              <a:schemeClr val="tx1"/>
-            </a:solidFill>
-            <a:prstDash val="dash"/>
-          </a:ln>
-        </p:spPr>
-        <p:style>
-          <a:lnRef idx="2">
-            <a:schemeClr val="accent1">
-              <a:shade val="15000"/>
-            </a:schemeClr>
-          </a:lnRef>
-          <a:fillRef idx="1">
-            <a:schemeClr val="accent1"/>
-          </a:fillRef>
-          <a:effectRef idx="0">
-            <a:schemeClr val="accent1"/>
-          </a:effectRef>
-          <a:fontRef idx="minor">
-            <a:schemeClr val="lt1"/>
-          </a:fontRef>
-        </p:style>
-        <p:txBody>
-          <a:bodyPr rtlCol="0" anchor="ctr"/>
-          <a:lstStyle/>
-          <a:p>
-            <a:pPr algn="ctr"/>
-            <a:endParaRPr lang="ko-KR" altLang="en-US"/>
-          </a:p>
-        </p:txBody>
-      </p:sp>
-      <p:cxnSp>
-        <p:nvCxnSpPr>
-          <p:cNvPr id="26" name="직선 화살표 연결선 25">
-            <a:extLst>
-              <a:ext uri="{FF2B5EF4-FFF2-40B4-BE49-F238E27FC236}">
-                <a16:creationId xmlns:a16="http://schemas.microsoft.com/office/drawing/2014/main" id="{C316F86F-24F2-9DDC-8F7B-BEBBC20C8BD7}"/>
-              </a:ext>
-            </a:extLst>
-          </p:cNvPr>
-          <p:cNvCxnSpPr>
-            <a:cxnSpLocks/>
-            <a:stCxn id="29" idx="3"/>
-            <a:endCxn id="30" idx="1"/>
-          </p:cNvCxnSpPr>
-          <p:nvPr/>
-        </p:nvCxnSpPr>
-        <p:spPr>
-          <a:xfrm flipV="1">
-            <a:off x="3752669" y="2428472"/>
-            <a:ext cx="1433547" cy="326594"/>
-          </a:xfrm>
-          <a:prstGeom prst="straightConnector1">
-            <a:avLst/>
-          </a:prstGeom>
-          <a:ln>
-            <a:tailEnd type="triangle"/>
-          </a:ln>
-        </p:spPr>
-        <p:style>
-          <a:lnRef idx="2">
-            <a:schemeClr val="dk1"/>
-          </a:lnRef>
-          <a:fillRef idx="0">
-            <a:schemeClr val="dk1"/>
-          </a:fillRef>
-          <a:effectRef idx="1">
-            <a:schemeClr val="dk1"/>
-          </a:effectRef>
-          <a:fontRef idx="minor">
-            <a:schemeClr val="tx1"/>
-          </a:fontRef>
-        </p:style>
-      </p:cxnSp>
-      <p:sp>
-        <p:nvSpPr>
-          <p:cNvPr id="29" name="직사각형 28">
-            <a:extLst>
-              <a:ext uri="{FF2B5EF4-FFF2-40B4-BE49-F238E27FC236}">
-                <a16:creationId xmlns:a16="http://schemas.microsoft.com/office/drawing/2014/main" id="{7E778018-B364-CC82-A179-A91FB5ED284F}"/>
-              </a:ext>
-            </a:extLst>
-          </p:cNvPr>
-          <p:cNvSpPr/>
-          <p:nvPr/>
-        </p:nvSpPr>
-        <p:spPr>
-          <a:xfrm>
-            <a:off x="94276" y="2132113"/>
-            <a:ext cx="3658393" cy="1245905"/>
-          </a:xfrm>
-          <a:prstGeom prst="rect">
-            <a:avLst/>
-          </a:prstGeom>
-          <a:solidFill>
-            <a:schemeClr val="bg1"/>
-          </a:solidFill>
-          <a:ln>
-            <a:solidFill>
-              <a:schemeClr val="tx1"/>
-            </a:solidFill>
-          </a:ln>
-        </p:spPr>
-        <p:style>
-          <a:lnRef idx="2">
-            <a:schemeClr val="accent1">
-              <a:shade val="15000"/>
-            </a:schemeClr>
-          </a:lnRef>
-          <a:fillRef idx="1">
-            <a:schemeClr val="accent1"/>
-          </a:fillRef>
-          <a:effectRef idx="0">
-            <a:schemeClr val="accent1"/>
-          </a:effectRef>
-          <a:fontRef idx="minor">
-            <a:schemeClr val="lt1"/>
-          </a:fontRef>
-        </p:style>
-        <p:txBody>
-          <a:bodyPr rtlCol="0" anchor="ctr"/>
-          <a:lstStyle/>
-          <a:p>
-            <a:pPr algn="ctr"/>
-            <a:r>
-              <a:rPr lang="ko-KR" altLang="en-US" dirty="0">
-                <a:solidFill>
-                  <a:schemeClr val="tx1"/>
-                </a:solidFill>
-              </a:rPr>
-              <a:t>갤러리 정보 문구</a:t>
-            </a:r>
-            <a:endParaRPr lang="en-US" altLang="ko-KR" dirty="0">
-              <a:solidFill>
-                <a:schemeClr val="tx1"/>
-              </a:solidFill>
-            </a:endParaRPr>
-          </a:p>
-          <a:p>
-            <a:pPr algn="ctr"/>
-            <a:r>
-              <a:rPr lang="ko-KR" altLang="en-US" dirty="0">
-                <a:solidFill>
-                  <a:schemeClr val="tx1"/>
-                </a:solidFill>
-              </a:rPr>
-              <a:t>스테이지 제작자 분이 작성하신</a:t>
-            </a:r>
-            <a:endParaRPr lang="en-US" altLang="ko-KR" dirty="0">
-              <a:solidFill>
-                <a:schemeClr val="tx1"/>
-              </a:solidFill>
-            </a:endParaRPr>
-          </a:p>
-          <a:p>
-            <a:pPr algn="ctr"/>
-            <a:r>
-              <a:rPr lang="ko-KR" altLang="en-US" dirty="0">
-                <a:solidFill>
-                  <a:schemeClr val="tx1"/>
-                </a:solidFill>
-              </a:rPr>
-              <a:t>게임 소개 문구가 출력 됨</a:t>
-            </a:r>
-          </a:p>
-        </p:txBody>
-      </p:sp>
-      <p:sp>
-        <p:nvSpPr>
-          <p:cNvPr id="30" name="직사각형 29">
-            <a:extLst>
-              <a:ext uri="{FF2B5EF4-FFF2-40B4-BE49-F238E27FC236}">
-                <a16:creationId xmlns:a16="http://schemas.microsoft.com/office/drawing/2014/main" id="{308020DE-BD56-EA85-CE37-79EAA70DA3AE}"/>
-              </a:ext>
-            </a:extLst>
-          </p:cNvPr>
-          <p:cNvSpPr/>
-          <p:nvPr/>
-        </p:nvSpPr>
-        <p:spPr>
-          <a:xfrm>
-            <a:off x="5186216" y="2132113"/>
-            <a:ext cx="1722584" cy="592717"/>
-          </a:xfrm>
-          <a:prstGeom prst="rect">
-            <a:avLst/>
-          </a:prstGeom>
-          <a:noFill/>
-          <a:ln>
-            <a:solidFill>
-              <a:schemeClr val="tx1"/>
-            </a:solidFill>
-            <a:prstDash val="dash"/>
-          </a:ln>
-        </p:spPr>
-        <p:style>
-          <a:lnRef idx="2">
-            <a:schemeClr val="accent1">
-              <a:shade val="15000"/>
-            </a:schemeClr>
-          </a:lnRef>
-          <a:fillRef idx="1">
-            <a:schemeClr val="accent1"/>
-          </a:fillRef>
-          <a:effectRef idx="0">
-            <a:schemeClr val="accent1"/>
-          </a:effectRef>
-          <a:fontRef idx="minor">
-            <a:schemeClr val="lt1"/>
-          </a:fontRef>
-        </p:style>
-        <p:txBody>
-          <a:bodyPr rtlCol="0" anchor="ctr"/>
-          <a:lstStyle/>
-          <a:p>
-            <a:pPr algn="ctr"/>
-            <a:endParaRPr lang="ko-KR" altLang="en-US"/>
-          </a:p>
-        </p:txBody>
-      </p:sp>
-      <p:cxnSp>
-        <p:nvCxnSpPr>
-          <p:cNvPr id="41" name="직선 화살표 연결선 40">
-            <a:extLst>
-              <a:ext uri="{FF2B5EF4-FFF2-40B4-BE49-F238E27FC236}">
-                <a16:creationId xmlns:a16="http://schemas.microsoft.com/office/drawing/2014/main" id="{47188FBF-518D-595C-52D6-45555D413DE4}"/>
-              </a:ext>
-            </a:extLst>
-          </p:cNvPr>
-          <p:cNvCxnSpPr>
-            <a:cxnSpLocks/>
-            <a:stCxn id="42" idx="3"/>
-            <a:endCxn id="43" idx="1"/>
-          </p:cNvCxnSpPr>
-          <p:nvPr/>
-        </p:nvCxnSpPr>
-        <p:spPr>
-          <a:xfrm>
-            <a:off x="3799807" y="4803700"/>
-            <a:ext cx="1164737" cy="1"/>
-          </a:xfrm>
-          <a:prstGeom prst="straightConnector1">
-            <a:avLst/>
-          </a:prstGeom>
-          <a:ln>
-            <a:tailEnd type="triangle"/>
-          </a:ln>
-        </p:spPr>
-        <p:style>
-          <a:lnRef idx="2">
-            <a:schemeClr val="dk1"/>
-          </a:lnRef>
-          <a:fillRef idx="0">
-            <a:schemeClr val="dk1"/>
-          </a:fillRef>
-          <a:effectRef idx="1">
-            <a:schemeClr val="dk1"/>
-          </a:effectRef>
-          <a:fontRef idx="minor">
-            <a:schemeClr val="tx1"/>
-          </a:fontRef>
-        </p:style>
-      </p:cxnSp>
-      <p:sp>
-        <p:nvSpPr>
-          <p:cNvPr id="42" name="직사각형 41">
-            <a:extLst>
-              <a:ext uri="{FF2B5EF4-FFF2-40B4-BE49-F238E27FC236}">
-                <a16:creationId xmlns:a16="http://schemas.microsoft.com/office/drawing/2014/main" id="{C058FDFA-68CB-346D-5A13-D5EF9B9D2F43}"/>
-              </a:ext>
-            </a:extLst>
-          </p:cNvPr>
-          <p:cNvSpPr/>
-          <p:nvPr/>
-        </p:nvSpPr>
-        <p:spPr>
-          <a:xfrm>
-            <a:off x="47136" y="4180747"/>
-            <a:ext cx="3752671" cy="1245905"/>
-          </a:xfrm>
-          <a:prstGeom prst="rect">
-            <a:avLst/>
-          </a:prstGeom>
-          <a:solidFill>
-            <a:schemeClr val="bg1"/>
-          </a:solidFill>
-          <a:ln>
-            <a:solidFill>
-              <a:schemeClr val="tx1"/>
-            </a:solidFill>
-          </a:ln>
-        </p:spPr>
-        <p:style>
-          <a:lnRef idx="2">
-            <a:schemeClr val="accent1">
-              <a:shade val="15000"/>
-            </a:schemeClr>
-          </a:lnRef>
-          <a:fillRef idx="1">
-            <a:schemeClr val="accent1"/>
-          </a:fillRef>
-          <a:effectRef idx="0">
-            <a:schemeClr val="accent1"/>
-          </a:effectRef>
-          <a:fontRef idx="minor">
-            <a:schemeClr val="lt1"/>
-          </a:fontRef>
-        </p:style>
-        <p:txBody>
-          <a:bodyPr rtlCol="0" anchor="ctr"/>
-          <a:lstStyle/>
-          <a:p>
-            <a:pPr algn="ctr"/>
-            <a:r>
-              <a:rPr lang="ko-KR" altLang="en-US" dirty="0">
-                <a:solidFill>
-                  <a:schemeClr val="tx1"/>
-                </a:solidFill>
-              </a:rPr>
-              <a:t>카드 갤러리</a:t>
-            </a:r>
-            <a:endParaRPr lang="en-US" altLang="ko-KR" dirty="0">
-              <a:solidFill>
-                <a:schemeClr val="tx1"/>
-              </a:solidFill>
-            </a:endParaRPr>
-          </a:p>
-          <a:p>
-            <a:pPr algn="ctr"/>
-            <a:r>
-              <a:rPr lang="ko-KR" altLang="en-US" dirty="0">
-                <a:solidFill>
-                  <a:schemeClr val="tx1"/>
-                </a:solidFill>
-              </a:rPr>
-              <a:t>스테이지 제작자 분이 제작해 주신</a:t>
-            </a:r>
-            <a:endParaRPr lang="en-US" altLang="ko-KR" dirty="0">
-              <a:solidFill>
-                <a:schemeClr val="tx1"/>
-              </a:solidFill>
-            </a:endParaRPr>
-          </a:p>
-          <a:p>
-            <a:pPr algn="ctr"/>
-            <a:r>
-              <a:rPr lang="ko-KR" altLang="en-US" dirty="0">
-                <a:solidFill>
-                  <a:schemeClr val="tx1"/>
-                </a:solidFill>
-              </a:rPr>
-              <a:t>카드들이 출력됨</a:t>
-            </a:r>
-            <a:endParaRPr lang="en-US" altLang="ko-KR" dirty="0">
-              <a:solidFill>
-                <a:schemeClr val="tx1"/>
-              </a:solidFill>
-            </a:endParaRPr>
-          </a:p>
-        </p:txBody>
-      </p:sp>
-      <p:sp>
-        <p:nvSpPr>
-          <p:cNvPr id="43" name="직사각형 42">
-            <a:extLst>
-              <a:ext uri="{FF2B5EF4-FFF2-40B4-BE49-F238E27FC236}">
-                <a16:creationId xmlns:a16="http://schemas.microsoft.com/office/drawing/2014/main" id="{0D9B1EE1-CB64-A4B4-364E-96B8ED328DCB}"/>
-              </a:ext>
-            </a:extLst>
-          </p:cNvPr>
-          <p:cNvSpPr/>
-          <p:nvPr/>
-        </p:nvSpPr>
-        <p:spPr>
-          <a:xfrm>
-            <a:off x="4964544" y="4056347"/>
-            <a:ext cx="2230583" cy="1494707"/>
+            <a:off x="4058292" y="4056347"/>
+            <a:ext cx="4075416" cy="2732380"/>
           </a:xfrm>
           <a:prstGeom prst="rect">
             <a:avLst/>
